--- a/学习资料/RA/RA系统培训/RA_交易小票分析_市场部.pptx
+++ b/学习资料/RA/RA系统培训/RA_交易小票分析_市场部.pptx
@@ -117,7 +117,7 @@
   </p:defaultTextStyle>
   <p:extLst>
     <p:ext uri="{EFAFB233-063F-42B5-8137-9DF3F51BA10A}">
-      <p15:sldGuideLst xmlns:p15="http://schemas.microsoft.com/office/powerpoint/2012/main"/>
+      <p15:sldGuideLst xmlns:p15="http://schemas.microsoft.com/office/powerpoint/2012/main" xmlns=""/>
     </p:ext>
   </p:extLst>
 </p:presentation>
@@ -5015,20 +5015,20 @@
     </dgm:pt>
   </dgm:ptLst>
   <dgm:cxnLst>
+    <dgm:cxn modelId="{2B4B1132-FD23-4B35-AAC9-A15F96B1A1E7}" srcId="{FAB1057F-1E23-4D6F-9B46-8AFDBAD2D653}" destId="{C236B15B-3641-4B04-A4FC-B69CBBB32D0E}" srcOrd="3" destOrd="0" parTransId="{6F9EA3C3-2580-4D5C-8A79-C0563E0283F0}" sibTransId="{22DE0433-A961-4E08-892D-32E1F02523AA}"/>
+    <dgm:cxn modelId="{7F08A881-F86C-479C-9E57-C846C6F6445B}" type="presOf" srcId="{E799A64E-C038-411A-BE76-B53A75A170AE}" destId="{8BD25097-0D25-49E7-9B8C-D6D970FDCCE1}" srcOrd="0" destOrd="0" presId="urn:microsoft.com/office/officeart/2008/layout/VerticalCurvedList"/>
+    <dgm:cxn modelId="{F9573E21-1561-4C51-8BB7-BC783D07D96A}" srcId="{FAB1057F-1E23-4D6F-9B46-8AFDBAD2D653}" destId="{3E6F915B-86C9-48D4-B217-94AA03B2143E}" srcOrd="2" destOrd="0" parTransId="{0A749D68-BC92-4F69-9FC4-EA90566A5EF7}" sibTransId="{50BF4BFA-2B12-442A-9CC6-AD0693D7B115}"/>
+    <dgm:cxn modelId="{68DD037A-02E1-4B29-A45C-D5CF7D2016E1}" srcId="{FAB1057F-1E23-4D6F-9B46-8AFDBAD2D653}" destId="{843D0B2F-DCB6-4904-885F-0BFCDBE74ADA}" srcOrd="4" destOrd="0" parTransId="{4E7AA60E-E1BF-4DED-A097-BA33874FDEE3}" sibTransId="{4EB6C968-8EE8-4CE1-B8B4-B3EBFBD88D49}"/>
+    <dgm:cxn modelId="{BDFA648C-BB03-481B-B405-A21FF6D9B996}" srcId="{FAB1057F-1E23-4D6F-9B46-8AFDBAD2D653}" destId="{E799A64E-C038-411A-BE76-B53A75A170AE}" srcOrd="5" destOrd="0" parTransId="{7EE05FEA-E059-4867-B262-02C2113376CA}" sibTransId="{16FBD699-3824-4112-9146-B9DC17AF5228}"/>
+    <dgm:cxn modelId="{D58481ED-5F61-4594-AE8B-829F9B8CA83C}" type="presOf" srcId="{FAB1057F-1E23-4D6F-9B46-8AFDBAD2D653}" destId="{38CCFEB1-18A9-49DE-A3B8-F879A9D2C31F}" srcOrd="0" destOrd="0" presId="urn:microsoft.com/office/officeart/2008/layout/VerticalCurvedList"/>
+    <dgm:cxn modelId="{B047DE60-580F-41EB-B15C-BB8F926F21F7}" srcId="{FAB1057F-1E23-4D6F-9B46-8AFDBAD2D653}" destId="{0F217974-C5C6-42B8-A09A-91260CA8AD52}" srcOrd="1" destOrd="0" parTransId="{258EC565-1D3C-4176-90FB-0D9A6D2131B4}" sibTransId="{B26072E1-86BF-48D3-A924-8CDA108FB692}"/>
+    <dgm:cxn modelId="{196FAD6F-C7D6-4B87-B1C0-6F48A2AD5BE4}" type="presOf" srcId="{C236B15B-3641-4B04-A4FC-B69CBBB32D0E}" destId="{B495DB84-6A51-4850-8264-0EBD7A5FA8F4}" srcOrd="0" destOrd="0" presId="urn:microsoft.com/office/officeart/2008/layout/VerticalCurvedList"/>
+    <dgm:cxn modelId="{B0A91CC0-FF09-4254-B33B-FB9E3C689C08}" type="presOf" srcId="{843D0B2F-DCB6-4904-885F-0BFCDBE74ADA}" destId="{7C228B08-731D-4526-A663-BACAC7799802}" srcOrd="0" destOrd="0" presId="urn:microsoft.com/office/officeart/2008/layout/VerticalCurvedList"/>
+    <dgm:cxn modelId="{6660F23B-B634-4266-8605-E81C109D76B5}" type="presOf" srcId="{3E6F915B-86C9-48D4-B217-94AA03B2143E}" destId="{46644306-033E-4A92-8781-14769ECFAD2E}" srcOrd="0" destOrd="0" presId="urn:microsoft.com/office/officeart/2008/layout/VerticalCurvedList"/>
+    <dgm:cxn modelId="{C2B51373-EF64-47BD-8AAD-EF3F4F5B48F5}" type="presOf" srcId="{0438D6DC-2486-467D-B38D-09CF37F530DF}" destId="{ADE8B486-37B3-4627-9C1D-988A9EB0AB71}" srcOrd="0" destOrd="0" presId="urn:microsoft.com/office/officeart/2008/layout/VerticalCurvedList"/>
     <dgm:cxn modelId="{D9806B6C-D8E9-4BB9-B85D-C270E4570CE3}" srcId="{FAB1057F-1E23-4D6F-9B46-8AFDBAD2D653}" destId="{0F7F084F-D0A6-4EE6-9C6A-89A683CD8091}" srcOrd="0" destOrd="0" parTransId="{90D6EF8A-A0D0-4A79-9FA7-9219A53B2E88}" sibTransId="{0438D6DC-2486-467D-B38D-09CF37F530DF}"/>
-    <dgm:cxn modelId="{6660F23B-B634-4266-8605-E81C109D76B5}" type="presOf" srcId="{3E6F915B-86C9-48D4-B217-94AA03B2143E}" destId="{46644306-033E-4A92-8781-14769ECFAD2E}" srcOrd="0" destOrd="0" presId="urn:microsoft.com/office/officeart/2008/layout/VerticalCurvedList"/>
-    <dgm:cxn modelId="{B0A91CC0-FF09-4254-B33B-FB9E3C689C08}" type="presOf" srcId="{843D0B2F-DCB6-4904-885F-0BFCDBE74ADA}" destId="{7C228B08-731D-4526-A663-BACAC7799802}" srcOrd="0" destOrd="0" presId="urn:microsoft.com/office/officeart/2008/layout/VerticalCurvedList"/>
     <dgm:cxn modelId="{8345D659-6404-4FE1-867F-9C75CC3FB694}" type="presOf" srcId="{0F7F084F-D0A6-4EE6-9C6A-89A683CD8091}" destId="{C3DEFA39-A364-4D3F-AB85-BA5C0DB7045A}" srcOrd="0" destOrd="0" presId="urn:microsoft.com/office/officeart/2008/layout/VerticalCurvedList"/>
-    <dgm:cxn modelId="{D58481ED-5F61-4594-AE8B-829F9B8CA83C}" type="presOf" srcId="{FAB1057F-1E23-4D6F-9B46-8AFDBAD2D653}" destId="{38CCFEB1-18A9-49DE-A3B8-F879A9D2C31F}" srcOrd="0" destOrd="0" presId="urn:microsoft.com/office/officeart/2008/layout/VerticalCurvedList"/>
-    <dgm:cxn modelId="{196FAD6F-C7D6-4B87-B1C0-6F48A2AD5BE4}" type="presOf" srcId="{C236B15B-3641-4B04-A4FC-B69CBBB32D0E}" destId="{B495DB84-6A51-4850-8264-0EBD7A5FA8F4}" srcOrd="0" destOrd="0" presId="urn:microsoft.com/office/officeart/2008/layout/VerticalCurvedList"/>
-    <dgm:cxn modelId="{7F08A881-F86C-479C-9E57-C846C6F6445B}" type="presOf" srcId="{E799A64E-C038-411A-BE76-B53A75A170AE}" destId="{8BD25097-0D25-49E7-9B8C-D6D970FDCCE1}" srcOrd="0" destOrd="0" presId="urn:microsoft.com/office/officeart/2008/layout/VerticalCurvedList"/>
-    <dgm:cxn modelId="{2B4B1132-FD23-4B35-AAC9-A15F96B1A1E7}" srcId="{FAB1057F-1E23-4D6F-9B46-8AFDBAD2D653}" destId="{C236B15B-3641-4B04-A4FC-B69CBBB32D0E}" srcOrd="3" destOrd="0" parTransId="{6F9EA3C3-2580-4D5C-8A79-C0563E0283F0}" sibTransId="{22DE0433-A961-4E08-892D-32E1F02523AA}"/>
-    <dgm:cxn modelId="{C2B51373-EF64-47BD-8AAD-EF3F4F5B48F5}" type="presOf" srcId="{0438D6DC-2486-467D-B38D-09CF37F530DF}" destId="{ADE8B486-37B3-4627-9C1D-988A9EB0AB71}" srcOrd="0" destOrd="0" presId="urn:microsoft.com/office/officeart/2008/layout/VerticalCurvedList"/>
     <dgm:cxn modelId="{BD381B4E-E907-4014-9DF5-EED26DA00FCB}" type="presOf" srcId="{0F217974-C5C6-42B8-A09A-91260CA8AD52}" destId="{3A0F53D5-146E-4889-8B4D-208B2009EFB3}" srcOrd="0" destOrd="0" presId="urn:microsoft.com/office/officeart/2008/layout/VerticalCurvedList"/>
-    <dgm:cxn modelId="{F9573E21-1561-4C51-8BB7-BC783D07D96A}" srcId="{FAB1057F-1E23-4D6F-9B46-8AFDBAD2D653}" destId="{3E6F915B-86C9-48D4-B217-94AA03B2143E}" srcOrd="2" destOrd="0" parTransId="{0A749D68-BC92-4F69-9FC4-EA90566A5EF7}" sibTransId="{50BF4BFA-2B12-442A-9CC6-AD0693D7B115}"/>
-    <dgm:cxn modelId="{BDFA648C-BB03-481B-B405-A21FF6D9B996}" srcId="{FAB1057F-1E23-4D6F-9B46-8AFDBAD2D653}" destId="{E799A64E-C038-411A-BE76-B53A75A170AE}" srcOrd="5" destOrd="0" parTransId="{7EE05FEA-E059-4867-B262-02C2113376CA}" sibTransId="{16FBD699-3824-4112-9146-B9DC17AF5228}"/>
-    <dgm:cxn modelId="{B047DE60-580F-41EB-B15C-BB8F926F21F7}" srcId="{FAB1057F-1E23-4D6F-9B46-8AFDBAD2D653}" destId="{0F217974-C5C6-42B8-A09A-91260CA8AD52}" srcOrd="1" destOrd="0" parTransId="{258EC565-1D3C-4176-90FB-0D9A6D2131B4}" sibTransId="{B26072E1-86BF-48D3-A924-8CDA108FB692}"/>
-    <dgm:cxn modelId="{68DD037A-02E1-4B29-A45C-D5CF7D2016E1}" srcId="{FAB1057F-1E23-4D6F-9B46-8AFDBAD2D653}" destId="{843D0B2F-DCB6-4904-885F-0BFCDBE74ADA}" srcOrd="4" destOrd="0" parTransId="{4E7AA60E-E1BF-4DED-A097-BA33874FDEE3}" sibTransId="{4EB6C968-8EE8-4CE1-B8B4-B3EBFBD88D49}"/>
     <dgm:cxn modelId="{CFDB7B06-B937-49DD-9050-287BD82BEBBB}" type="presParOf" srcId="{38CCFEB1-18A9-49DE-A3B8-F879A9D2C31F}" destId="{90FF4EFD-CD0F-4475-A484-6676F69F2ADE}" srcOrd="0" destOrd="0" presId="urn:microsoft.com/office/officeart/2008/layout/VerticalCurvedList"/>
     <dgm:cxn modelId="{888AB50F-DD63-4B0D-9AC8-98802A675B58}" type="presParOf" srcId="{90FF4EFD-CD0F-4475-A484-6676F69F2ADE}" destId="{540F49D4-F4F3-4F72-BAE1-D23F15D20CE6}" srcOrd="0" destOrd="0" presId="urn:microsoft.com/office/officeart/2008/layout/VerticalCurvedList"/>
     <dgm:cxn modelId="{80FCBFBB-0056-4A6C-9089-C63F9AEBD859}" type="presParOf" srcId="{540F49D4-F4F3-4F72-BAE1-D23F15D20CE6}" destId="{D65A9297-9415-4134-90C2-75B8B5DBBE3A}" srcOrd="0" destOrd="0" presId="urn:microsoft.com/office/officeart/2008/layout/VerticalCurvedList"/>
@@ -5058,7 +5058,7 @@
   <dgm:whole/>
   <dgm:extLst>
     <a:ext uri="http://schemas.microsoft.com/office/drawing/2008/diagram">
-      <dsp:dataModelExt xmlns:dsp="http://schemas.microsoft.com/office/drawing/2008/diagram" relId="rId6" minVer="http://schemas.openxmlformats.org/drawingml/2006/diagram"/>
+      <dsp:dataModelExt xmlns:dsp="http://schemas.microsoft.com/office/drawing/2008/diagram" xmlns="" relId="rId6" minVer="http://schemas.openxmlformats.org/drawingml/2006/diagram"/>
     </a:ext>
   </dgm:extLst>
 </dgm:dataModel>
@@ -5328,15 +5328,15 @@
     </dgm:pt>
   </dgm:ptLst>
   <dgm:cxnLst>
+    <dgm:cxn modelId="{83A70D32-A697-4719-A591-E5F23E320D7C}" srcId="{72152961-1010-40BB-89D6-5D1586AB92A1}" destId="{6DCCC177-DEFB-4F40-980C-6C94CF28F57D}" srcOrd="0" destOrd="0" parTransId="{10EDC0AE-8A1C-4DA9-A89E-ABF95D5F8791}" sibTransId="{59E27CAF-0DEF-4BDD-A1BE-58A9F2EFA492}"/>
+    <dgm:cxn modelId="{F3E308E3-FC4C-427A-B29E-B68307008E66}" type="presOf" srcId="{8259FCFB-E594-48B1-BF90-414F31CA040F}" destId="{8FC67715-8CAB-481B-B5B9-F25F1BE079E0}" srcOrd="0" destOrd="0" presId="urn:microsoft.com/office/officeart/2005/8/layout/funnel1"/>
+    <dgm:cxn modelId="{2A6F73EC-4ABD-4FF3-B255-B6DD66A00529}" type="presOf" srcId="{42D1395D-6DFF-4DFB-B67B-7EF3E27F3A57}" destId="{DB1FF620-EE85-47A7-9BE2-176222FC1787}" srcOrd="0" destOrd="0" presId="urn:microsoft.com/office/officeart/2005/8/layout/funnel1"/>
+    <dgm:cxn modelId="{D472B250-DC9B-4408-998C-809E6A153565}" srcId="{72152961-1010-40BB-89D6-5D1586AB92A1}" destId="{8259FCFB-E594-48B1-BF90-414F31CA040F}" srcOrd="3" destOrd="0" parTransId="{BCB1E432-A5D4-4D7A-B8C4-2512126AB83A}" sibTransId="{D421FC94-A40E-432A-B368-695D25397B68}"/>
     <dgm:cxn modelId="{DA22AB14-8189-4678-ACBA-E51436220703}" type="presOf" srcId="{6DCCC177-DEFB-4F40-980C-6C94CF28F57D}" destId="{73BD693A-DF8F-4241-9F28-FC40BB26AB7F}" srcOrd="0" destOrd="0" presId="urn:microsoft.com/office/officeart/2005/8/layout/funnel1"/>
     <dgm:cxn modelId="{C226F082-77D2-4769-8C43-E874EB13274F}" srcId="{72152961-1010-40BB-89D6-5D1586AB92A1}" destId="{42D1395D-6DFF-4DFB-B67B-7EF3E27F3A57}" srcOrd="2" destOrd="0" parTransId="{FE883301-D87C-4C5B-BF3F-2300A581B046}" sibTransId="{F6490F97-A6C2-4961-9A46-E56B431D8FAC}"/>
+    <dgm:cxn modelId="{985FE1C8-9737-4F7A-AF24-8CF700A74E95}" type="presOf" srcId="{72152961-1010-40BB-89D6-5D1586AB92A1}" destId="{498D5708-6A0C-4D58-A5EC-9E6AEF60C3B9}" srcOrd="0" destOrd="0" presId="urn:microsoft.com/office/officeart/2005/8/layout/funnel1"/>
+    <dgm:cxn modelId="{E5505CB0-A9C1-42B9-9D4F-74F78ADB5823}" srcId="{72152961-1010-40BB-89D6-5D1586AB92A1}" destId="{23C66751-0877-4387-AA5D-65EA0623A51F}" srcOrd="1" destOrd="0" parTransId="{47E29162-1832-4BBC-8D0C-51DB9A5375A5}" sibTransId="{9E559DC9-3649-4E5D-8D1B-31FE24007BBF}"/>
     <dgm:cxn modelId="{D75622D9-3845-47AA-8C83-7DBC0128FACE}" type="presOf" srcId="{23C66751-0877-4387-AA5D-65EA0623A51F}" destId="{379EB9D3-82A1-4E86-A0DF-F1981CEE45E3}" srcOrd="0" destOrd="0" presId="urn:microsoft.com/office/officeart/2005/8/layout/funnel1"/>
-    <dgm:cxn modelId="{E5505CB0-A9C1-42B9-9D4F-74F78ADB5823}" srcId="{72152961-1010-40BB-89D6-5D1586AB92A1}" destId="{23C66751-0877-4387-AA5D-65EA0623A51F}" srcOrd="1" destOrd="0" parTransId="{47E29162-1832-4BBC-8D0C-51DB9A5375A5}" sibTransId="{9E559DC9-3649-4E5D-8D1B-31FE24007BBF}"/>
-    <dgm:cxn modelId="{2A6F73EC-4ABD-4FF3-B255-B6DD66A00529}" type="presOf" srcId="{42D1395D-6DFF-4DFB-B67B-7EF3E27F3A57}" destId="{DB1FF620-EE85-47A7-9BE2-176222FC1787}" srcOrd="0" destOrd="0" presId="urn:microsoft.com/office/officeart/2005/8/layout/funnel1"/>
-    <dgm:cxn modelId="{83A70D32-A697-4719-A591-E5F23E320D7C}" srcId="{72152961-1010-40BB-89D6-5D1586AB92A1}" destId="{6DCCC177-DEFB-4F40-980C-6C94CF28F57D}" srcOrd="0" destOrd="0" parTransId="{10EDC0AE-8A1C-4DA9-A89E-ABF95D5F8791}" sibTransId="{59E27CAF-0DEF-4BDD-A1BE-58A9F2EFA492}"/>
-    <dgm:cxn modelId="{D472B250-DC9B-4408-998C-809E6A153565}" srcId="{72152961-1010-40BB-89D6-5D1586AB92A1}" destId="{8259FCFB-E594-48B1-BF90-414F31CA040F}" srcOrd="3" destOrd="0" parTransId="{BCB1E432-A5D4-4D7A-B8C4-2512126AB83A}" sibTransId="{D421FC94-A40E-432A-B368-695D25397B68}"/>
-    <dgm:cxn modelId="{985FE1C8-9737-4F7A-AF24-8CF700A74E95}" type="presOf" srcId="{72152961-1010-40BB-89D6-5D1586AB92A1}" destId="{498D5708-6A0C-4D58-A5EC-9E6AEF60C3B9}" srcOrd="0" destOrd="0" presId="urn:microsoft.com/office/officeart/2005/8/layout/funnel1"/>
-    <dgm:cxn modelId="{F3E308E3-FC4C-427A-B29E-B68307008E66}" type="presOf" srcId="{8259FCFB-E594-48B1-BF90-414F31CA040F}" destId="{8FC67715-8CAB-481B-B5B9-F25F1BE079E0}" srcOrd="0" destOrd="0" presId="urn:microsoft.com/office/officeart/2005/8/layout/funnel1"/>
     <dgm:cxn modelId="{5E9ECBDE-3328-4B3D-BC76-1921C2C45427}" type="presParOf" srcId="{498D5708-6A0C-4D58-A5EC-9E6AEF60C3B9}" destId="{79B41BA0-838F-459F-B82C-F6B45DAEA9F8}" srcOrd="0" destOrd="0" presId="urn:microsoft.com/office/officeart/2005/8/layout/funnel1"/>
     <dgm:cxn modelId="{0210CA00-F7F3-4FEC-B931-D15BB06F1103}" type="presParOf" srcId="{498D5708-6A0C-4D58-A5EC-9E6AEF60C3B9}" destId="{CCDAAEBF-FCDB-42AF-8DB9-47F49637DA0D}" srcOrd="1" destOrd="0" presId="urn:microsoft.com/office/officeart/2005/8/layout/funnel1"/>
     <dgm:cxn modelId="{44830CC1-F091-4C9F-ABEB-0223B9099191}" type="presParOf" srcId="{498D5708-6A0C-4D58-A5EC-9E6AEF60C3B9}" destId="{8FC67715-8CAB-481B-B5B9-F25F1BE079E0}" srcOrd="2" destOrd="0" presId="urn:microsoft.com/office/officeart/2005/8/layout/funnel1"/>
@@ -5349,7 +5349,7 @@
   <dgm:whole/>
   <dgm:extLst>
     <a:ext uri="http://schemas.microsoft.com/office/drawing/2008/diagram">
-      <dsp:dataModelExt xmlns:dsp="http://schemas.microsoft.com/office/drawing/2008/diagram" relId="rId6" minVer="http://schemas.openxmlformats.org/drawingml/2006/diagram"/>
+      <dsp:dataModelExt xmlns:dsp="http://schemas.microsoft.com/office/drawing/2008/diagram" xmlns="" relId="rId6" minVer="http://schemas.openxmlformats.org/drawingml/2006/diagram"/>
     </a:ext>
   </dgm:extLst>
 </dgm:dataModel>
@@ -5783,20 +5783,20 @@
     </dgm:pt>
   </dgm:ptLst>
   <dgm:cxnLst>
-    <dgm:cxn modelId="{D4B35F8A-6F6B-4B60-8019-5A29E2AAD975}" type="presOf" srcId="{E799A64E-C038-411A-BE76-B53A75A170AE}" destId="{E8C243F9-CA4E-4927-9299-D9F3F646E79E}" srcOrd="0" destOrd="0" presId="urn:microsoft.com/office/officeart/2008/layout/VerticalCurvedList"/>
+    <dgm:cxn modelId="{FC9F3526-CEFA-4736-967E-CA9548A31D10}" srcId="{FAB1057F-1E23-4D6F-9B46-8AFDBAD2D653}" destId="{7848111E-5EF8-4E3A-A335-3CAAA4A8CD72}" srcOrd="0" destOrd="0" parTransId="{3DFD3472-7D60-4269-94B8-713DD84B9A4A}" sibTransId="{F1DD1FDE-115D-4962-98C6-7CF68566A1CF}"/>
+    <dgm:cxn modelId="{2B4B1132-FD23-4B35-AAC9-A15F96B1A1E7}" srcId="{FAB1057F-1E23-4D6F-9B46-8AFDBAD2D653}" destId="{C236B15B-3641-4B04-A4FC-B69CBBB32D0E}" srcOrd="3" destOrd="0" parTransId="{6F9EA3C3-2580-4D5C-8A79-C0563E0283F0}" sibTransId="{22DE0433-A961-4E08-892D-32E1F02523AA}"/>
+    <dgm:cxn modelId="{68CCECE2-3A4A-4177-9110-AE92B50664D8}" type="presOf" srcId="{FAB1057F-1E23-4D6F-9B46-8AFDBAD2D653}" destId="{38CCFEB1-18A9-49DE-A3B8-F879A9D2C31F}" srcOrd="0" destOrd="0" presId="urn:microsoft.com/office/officeart/2008/layout/VerticalCurvedList"/>
+    <dgm:cxn modelId="{F9573E21-1561-4C51-8BB7-BC783D07D96A}" srcId="{FAB1057F-1E23-4D6F-9B46-8AFDBAD2D653}" destId="{3E6F915B-86C9-48D4-B217-94AA03B2143E}" srcOrd="2" destOrd="0" parTransId="{0A749D68-BC92-4F69-9FC4-EA90566A5EF7}" sibTransId="{50BF4BFA-2B12-442A-9CC6-AD0693D7B115}"/>
+    <dgm:cxn modelId="{68DD037A-02E1-4B29-A45C-D5CF7D2016E1}" srcId="{FAB1057F-1E23-4D6F-9B46-8AFDBAD2D653}" destId="{843D0B2F-DCB6-4904-885F-0BFCDBE74ADA}" srcOrd="4" destOrd="0" parTransId="{4E7AA60E-E1BF-4DED-A097-BA33874FDEE3}" sibTransId="{4EB6C968-8EE8-4CE1-B8B4-B3EBFBD88D49}"/>
+    <dgm:cxn modelId="{BDFA648C-BB03-481B-B405-A21FF6D9B996}" srcId="{FAB1057F-1E23-4D6F-9B46-8AFDBAD2D653}" destId="{E799A64E-C038-411A-BE76-B53A75A170AE}" srcOrd="5" destOrd="0" parTransId="{7EE05FEA-E059-4867-B262-02C2113376CA}" sibTransId="{16FBD699-3824-4112-9146-B9DC17AF5228}"/>
+    <dgm:cxn modelId="{11AF9C22-B14D-4C05-A4F8-525A3B9BE35F}" type="presOf" srcId="{F1DD1FDE-115D-4962-98C6-7CF68566A1CF}" destId="{ADE8B486-37B3-4627-9C1D-988A9EB0AB71}" srcOrd="0" destOrd="0" presId="urn:microsoft.com/office/officeart/2008/layout/VerticalCurvedList"/>
+    <dgm:cxn modelId="{B047DE60-580F-41EB-B15C-BB8F926F21F7}" srcId="{FAB1057F-1E23-4D6F-9B46-8AFDBAD2D653}" destId="{0F217974-C5C6-42B8-A09A-91260CA8AD52}" srcOrd="1" destOrd="0" parTransId="{258EC565-1D3C-4176-90FB-0D9A6D2131B4}" sibTransId="{B26072E1-86BF-48D3-A924-8CDA108FB692}"/>
+    <dgm:cxn modelId="{F4960B6B-D84E-450D-80A1-E7F28C892218}" type="presOf" srcId="{3E6F915B-86C9-48D4-B217-94AA03B2143E}" destId="{D397BA36-D4EB-4ECD-A073-0F05856A3673}" srcOrd="0" destOrd="0" presId="urn:microsoft.com/office/officeart/2008/layout/VerticalCurvedList"/>
     <dgm:cxn modelId="{597240AA-3232-47A5-9E80-196C9CB95992}" type="presOf" srcId="{843D0B2F-DCB6-4904-885F-0BFCDBE74ADA}" destId="{3022E510-7698-4E0A-978D-80A8A08CB935}" srcOrd="0" destOrd="0" presId="urn:microsoft.com/office/officeart/2008/layout/VerticalCurvedList"/>
     <dgm:cxn modelId="{CBF160AA-6983-4A30-8235-8B3ECFD47CF5}" type="presOf" srcId="{7848111E-5EF8-4E3A-A335-3CAAA4A8CD72}" destId="{913B91B5-CA6C-45E3-B559-C61B69B99F3F}" srcOrd="0" destOrd="0" presId="urn:microsoft.com/office/officeart/2008/layout/VerticalCurvedList"/>
+    <dgm:cxn modelId="{F8DC3473-093F-4B15-8ED3-E06D106226CD}" type="presOf" srcId="{C236B15B-3641-4B04-A4FC-B69CBBB32D0E}" destId="{35D60382-9663-4950-BF45-39D1386E0C5A}" srcOrd="0" destOrd="0" presId="urn:microsoft.com/office/officeart/2008/layout/VerticalCurvedList"/>
+    <dgm:cxn modelId="{D4B35F8A-6F6B-4B60-8019-5A29E2AAD975}" type="presOf" srcId="{E799A64E-C038-411A-BE76-B53A75A170AE}" destId="{E8C243F9-CA4E-4927-9299-D9F3F646E79E}" srcOrd="0" destOrd="0" presId="urn:microsoft.com/office/officeart/2008/layout/VerticalCurvedList"/>
     <dgm:cxn modelId="{923C28C5-602B-4D9F-B58B-84AE5B5A4454}" type="presOf" srcId="{0F217974-C5C6-42B8-A09A-91260CA8AD52}" destId="{83A69A12-C3DA-4B56-A61F-A82573CA2C67}" srcOrd="0" destOrd="0" presId="urn:microsoft.com/office/officeart/2008/layout/VerticalCurvedList"/>
-    <dgm:cxn modelId="{FC9F3526-CEFA-4736-967E-CA9548A31D10}" srcId="{FAB1057F-1E23-4D6F-9B46-8AFDBAD2D653}" destId="{7848111E-5EF8-4E3A-A335-3CAAA4A8CD72}" srcOrd="0" destOrd="0" parTransId="{3DFD3472-7D60-4269-94B8-713DD84B9A4A}" sibTransId="{F1DD1FDE-115D-4962-98C6-7CF68566A1CF}"/>
-    <dgm:cxn modelId="{2B4B1132-FD23-4B35-AAC9-A15F96B1A1E7}" srcId="{FAB1057F-1E23-4D6F-9B46-8AFDBAD2D653}" destId="{C236B15B-3641-4B04-A4FC-B69CBBB32D0E}" srcOrd="3" destOrd="0" parTransId="{6F9EA3C3-2580-4D5C-8A79-C0563E0283F0}" sibTransId="{22DE0433-A961-4E08-892D-32E1F02523AA}"/>
-    <dgm:cxn modelId="{F4960B6B-D84E-450D-80A1-E7F28C892218}" type="presOf" srcId="{3E6F915B-86C9-48D4-B217-94AA03B2143E}" destId="{D397BA36-D4EB-4ECD-A073-0F05856A3673}" srcOrd="0" destOrd="0" presId="urn:microsoft.com/office/officeart/2008/layout/VerticalCurvedList"/>
-    <dgm:cxn modelId="{F8DC3473-093F-4B15-8ED3-E06D106226CD}" type="presOf" srcId="{C236B15B-3641-4B04-A4FC-B69CBBB32D0E}" destId="{35D60382-9663-4950-BF45-39D1386E0C5A}" srcOrd="0" destOrd="0" presId="urn:microsoft.com/office/officeart/2008/layout/VerticalCurvedList"/>
-    <dgm:cxn modelId="{F9573E21-1561-4C51-8BB7-BC783D07D96A}" srcId="{FAB1057F-1E23-4D6F-9B46-8AFDBAD2D653}" destId="{3E6F915B-86C9-48D4-B217-94AA03B2143E}" srcOrd="2" destOrd="0" parTransId="{0A749D68-BC92-4F69-9FC4-EA90566A5EF7}" sibTransId="{50BF4BFA-2B12-442A-9CC6-AD0693D7B115}"/>
-    <dgm:cxn modelId="{11AF9C22-B14D-4C05-A4F8-525A3B9BE35F}" type="presOf" srcId="{F1DD1FDE-115D-4962-98C6-7CF68566A1CF}" destId="{ADE8B486-37B3-4627-9C1D-988A9EB0AB71}" srcOrd="0" destOrd="0" presId="urn:microsoft.com/office/officeart/2008/layout/VerticalCurvedList"/>
-    <dgm:cxn modelId="{BDFA648C-BB03-481B-B405-A21FF6D9B996}" srcId="{FAB1057F-1E23-4D6F-9B46-8AFDBAD2D653}" destId="{E799A64E-C038-411A-BE76-B53A75A170AE}" srcOrd="5" destOrd="0" parTransId="{7EE05FEA-E059-4867-B262-02C2113376CA}" sibTransId="{16FBD699-3824-4112-9146-B9DC17AF5228}"/>
-    <dgm:cxn modelId="{B047DE60-580F-41EB-B15C-BB8F926F21F7}" srcId="{FAB1057F-1E23-4D6F-9B46-8AFDBAD2D653}" destId="{0F217974-C5C6-42B8-A09A-91260CA8AD52}" srcOrd="1" destOrd="0" parTransId="{258EC565-1D3C-4176-90FB-0D9A6D2131B4}" sibTransId="{B26072E1-86BF-48D3-A924-8CDA108FB692}"/>
-    <dgm:cxn modelId="{68CCECE2-3A4A-4177-9110-AE92B50664D8}" type="presOf" srcId="{FAB1057F-1E23-4D6F-9B46-8AFDBAD2D653}" destId="{38CCFEB1-18A9-49DE-A3B8-F879A9D2C31F}" srcOrd="0" destOrd="0" presId="urn:microsoft.com/office/officeart/2008/layout/VerticalCurvedList"/>
-    <dgm:cxn modelId="{68DD037A-02E1-4B29-A45C-D5CF7D2016E1}" srcId="{FAB1057F-1E23-4D6F-9B46-8AFDBAD2D653}" destId="{843D0B2F-DCB6-4904-885F-0BFCDBE74ADA}" srcOrd="4" destOrd="0" parTransId="{4E7AA60E-E1BF-4DED-A097-BA33874FDEE3}" sibTransId="{4EB6C968-8EE8-4CE1-B8B4-B3EBFBD88D49}"/>
     <dgm:cxn modelId="{7CEF632E-24E7-446A-9514-5C0427EA90F8}" type="presParOf" srcId="{38CCFEB1-18A9-49DE-A3B8-F879A9D2C31F}" destId="{90FF4EFD-CD0F-4475-A484-6676F69F2ADE}" srcOrd="0" destOrd="0" presId="urn:microsoft.com/office/officeart/2008/layout/VerticalCurvedList"/>
     <dgm:cxn modelId="{0C62DFCA-D8E5-4CB2-9F86-92300221FC1A}" type="presParOf" srcId="{90FF4EFD-CD0F-4475-A484-6676F69F2ADE}" destId="{540F49D4-F4F3-4F72-BAE1-D23F15D20CE6}" srcOrd="0" destOrd="0" presId="urn:microsoft.com/office/officeart/2008/layout/VerticalCurvedList"/>
     <dgm:cxn modelId="{418057B8-5732-43E9-B27F-DA9054A37F72}" type="presParOf" srcId="{540F49D4-F4F3-4F72-BAE1-D23F15D20CE6}" destId="{D65A9297-9415-4134-90C2-75B8B5DBBE3A}" srcOrd="0" destOrd="0" presId="urn:microsoft.com/office/officeart/2008/layout/VerticalCurvedList"/>
@@ -5826,7 +5826,7 @@
   <dgm:whole/>
   <dgm:extLst>
     <a:ext uri="http://schemas.microsoft.com/office/drawing/2008/diagram">
-      <dsp:dataModelExt xmlns:dsp="http://schemas.microsoft.com/office/drawing/2008/diagram" relId="rId6" minVer="http://schemas.openxmlformats.org/drawingml/2006/diagram"/>
+      <dsp:dataModelExt xmlns:dsp="http://schemas.microsoft.com/office/drawing/2008/diagram" xmlns="" relId="rId6" minVer="http://schemas.openxmlformats.org/drawingml/2006/diagram"/>
     </a:ext>
   </dgm:extLst>
 </dgm:dataModel>
@@ -6247,19 +6247,19 @@
   </dgm:ptLst>
   <dgm:cxnLst>
     <dgm:cxn modelId="{D66BE850-C5A9-4272-89CE-FE17DC1AD655}" type="presOf" srcId="{FAC16899-2CF5-4B5E-97E3-EB09BD054176}" destId="{ADE8B486-37B3-4627-9C1D-988A9EB0AB71}" srcOrd="0" destOrd="0" presId="urn:microsoft.com/office/officeart/2008/layout/VerticalCurvedList"/>
-    <dgm:cxn modelId="{A0AD646E-8892-41F9-8DEA-B9262256A735}" type="presOf" srcId="{E799A64E-C038-411A-BE76-B53A75A170AE}" destId="{FA993944-8745-4A61-A704-7C07C69ED729}" srcOrd="0" destOrd="0" presId="urn:microsoft.com/office/officeart/2008/layout/VerticalCurvedList"/>
+    <dgm:cxn modelId="{2B4B1132-FD23-4B35-AAC9-A15F96B1A1E7}" srcId="{FAB1057F-1E23-4D6F-9B46-8AFDBAD2D653}" destId="{C236B15B-3641-4B04-A4FC-B69CBBB32D0E}" srcOrd="3" destOrd="0" parTransId="{6F9EA3C3-2580-4D5C-8A79-C0563E0283F0}" sibTransId="{22DE0433-A961-4E08-892D-32E1F02523AA}"/>
+    <dgm:cxn modelId="{4CB946D3-95F3-4009-9B0D-5925223B492A}" type="presOf" srcId="{3E6F915B-86C9-48D4-B217-94AA03B2143E}" destId="{519F91F3-1959-4ED3-B3A7-60D7FE74EA45}" srcOrd="0" destOrd="0" presId="urn:microsoft.com/office/officeart/2008/layout/VerticalCurvedList"/>
+    <dgm:cxn modelId="{429FDD97-4929-4DA6-959D-967CFD793E7B}" type="presOf" srcId="{0F217974-C5C6-42B8-A09A-91260CA8AD52}" destId="{E17BADA7-4FB9-4BEB-A720-F073AFBB3E78}" srcOrd="0" destOrd="0" presId="urn:microsoft.com/office/officeart/2008/layout/VerticalCurvedList"/>
     <dgm:cxn modelId="{BCBAA9A4-A91C-4C94-A43C-9F1C86CC91FF}" type="presOf" srcId="{843D0B2F-DCB6-4904-885F-0BFCDBE74ADA}" destId="{1615C57B-F6D1-4D2F-A7AF-90D078B8A31F}" srcOrd="0" destOrd="0" presId="urn:microsoft.com/office/officeart/2008/layout/VerticalCurvedList"/>
-    <dgm:cxn modelId="{2B4B1132-FD23-4B35-AAC9-A15F96B1A1E7}" srcId="{FAB1057F-1E23-4D6F-9B46-8AFDBAD2D653}" destId="{C236B15B-3641-4B04-A4FC-B69CBBB32D0E}" srcOrd="3" destOrd="0" parTransId="{6F9EA3C3-2580-4D5C-8A79-C0563E0283F0}" sibTransId="{22DE0433-A961-4E08-892D-32E1F02523AA}"/>
-    <dgm:cxn modelId="{8F722A3A-A239-4E80-BC64-8A6DF2F67965}" type="presOf" srcId="{FAB1057F-1E23-4D6F-9B46-8AFDBAD2D653}" destId="{38CCFEB1-18A9-49DE-A3B8-F879A9D2C31F}" srcOrd="0" destOrd="0" presId="urn:microsoft.com/office/officeart/2008/layout/VerticalCurvedList"/>
+    <dgm:cxn modelId="{F9573E21-1561-4C51-8BB7-BC783D07D96A}" srcId="{FAB1057F-1E23-4D6F-9B46-8AFDBAD2D653}" destId="{3E6F915B-86C9-48D4-B217-94AA03B2143E}" srcOrd="2" destOrd="0" parTransId="{0A749D68-BC92-4F69-9FC4-EA90566A5EF7}" sibTransId="{50BF4BFA-2B12-442A-9CC6-AD0693D7B115}"/>
+    <dgm:cxn modelId="{68DD037A-02E1-4B29-A45C-D5CF7D2016E1}" srcId="{FAB1057F-1E23-4D6F-9B46-8AFDBAD2D653}" destId="{843D0B2F-DCB6-4904-885F-0BFCDBE74ADA}" srcOrd="4" destOrd="0" parTransId="{4E7AA60E-E1BF-4DED-A097-BA33874FDEE3}" sibTransId="{4EB6C968-8EE8-4CE1-B8B4-B3EBFBD88D49}"/>
+    <dgm:cxn modelId="{BDFA648C-BB03-481B-B405-A21FF6D9B996}" srcId="{FAB1057F-1E23-4D6F-9B46-8AFDBAD2D653}" destId="{E799A64E-C038-411A-BE76-B53A75A170AE}" srcOrd="5" destOrd="0" parTransId="{7EE05FEA-E059-4867-B262-02C2113376CA}" sibTransId="{16FBD699-3824-4112-9146-B9DC17AF5228}"/>
+    <dgm:cxn modelId="{B047DE60-580F-41EB-B15C-BB8F926F21F7}" srcId="{FAB1057F-1E23-4D6F-9B46-8AFDBAD2D653}" destId="{0F217974-C5C6-42B8-A09A-91260CA8AD52}" srcOrd="1" destOrd="0" parTransId="{258EC565-1D3C-4176-90FB-0D9A6D2131B4}" sibTransId="{B26072E1-86BF-48D3-A924-8CDA108FB692}"/>
     <dgm:cxn modelId="{FA9A959F-EDA3-4664-BADA-C5F9DDC4883A}" type="presOf" srcId="{E91992E1-4D0C-4443-98E7-1025BE7EE727}" destId="{0136C5A7-849C-452B-85D7-8F606077472F}" srcOrd="0" destOrd="0" presId="urn:microsoft.com/office/officeart/2008/layout/VerticalCurvedList"/>
     <dgm:cxn modelId="{DD9E62F2-7813-49A3-AA9E-8B07144DDE6F}" type="presOf" srcId="{C236B15B-3641-4B04-A4FC-B69CBBB32D0E}" destId="{43C8862E-EE5F-4F76-ABA2-48BFF4C1BA04}" srcOrd="0" destOrd="0" presId="urn:microsoft.com/office/officeart/2008/layout/VerticalCurvedList"/>
-    <dgm:cxn modelId="{F9573E21-1561-4C51-8BB7-BC783D07D96A}" srcId="{FAB1057F-1E23-4D6F-9B46-8AFDBAD2D653}" destId="{3E6F915B-86C9-48D4-B217-94AA03B2143E}" srcOrd="2" destOrd="0" parTransId="{0A749D68-BC92-4F69-9FC4-EA90566A5EF7}" sibTransId="{50BF4BFA-2B12-442A-9CC6-AD0693D7B115}"/>
-    <dgm:cxn modelId="{BDFA648C-BB03-481B-B405-A21FF6D9B996}" srcId="{FAB1057F-1E23-4D6F-9B46-8AFDBAD2D653}" destId="{E799A64E-C038-411A-BE76-B53A75A170AE}" srcOrd="5" destOrd="0" parTransId="{7EE05FEA-E059-4867-B262-02C2113376CA}" sibTransId="{16FBD699-3824-4112-9146-B9DC17AF5228}"/>
-    <dgm:cxn modelId="{4CB946D3-95F3-4009-9B0D-5925223B492A}" type="presOf" srcId="{3E6F915B-86C9-48D4-B217-94AA03B2143E}" destId="{519F91F3-1959-4ED3-B3A7-60D7FE74EA45}" srcOrd="0" destOrd="0" presId="urn:microsoft.com/office/officeart/2008/layout/VerticalCurvedList"/>
-    <dgm:cxn modelId="{429FDD97-4929-4DA6-959D-967CFD793E7B}" type="presOf" srcId="{0F217974-C5C6-42B8-A09A-91260CA8AD52}" destId="{E17BADA7-4FB9-4BEB-A720-F073AFBB3E78}" srcOrd="0" destOrd="0" presId="urn:microsoft.com/office/officeart/2008/layout/VerticalCurvedList"/>
-    <dgm:cxn modelId="{B047DE60-580F-41EB-B15C-BB8F926F21F7}" srcId="{FAB1057F-1E23-4D6F-9B46-8AFDBAD2D653}" destId="{0F217974-C5C6-42B8-A09A-91260CA8AD52}" srcOrd="1" destOrd="0" parTransId="{258EC565-1D3C-4176-90FB-0D9A6D2131B4}" sibTransId="{B26072E1-86BF-48D3-A924-8CDA108FB692}"/>
+    <dgm:cxn modelId="{A0AD646E-8892-41F9-8DEA-B9262256A735}" type="presOf" srcId="{E799A64E-C038-411A-BE76-B53A75A170AE}" destId="{FA993944-8745-4A61-A704-7C07C69ED729}" srcOrd="0" destOrd="0" presId="urn:microsoft.com/office/officeart/2008/layout/VerticalCurvedList"/>
+    <dgm:cxn modelId="{8F722A3A-A239-4E80-BC64-8A6DF2F67965}" type="presOf" srcId="{FAB1057F-1E23-4D6F-9B46-8AFDBAD2D653}" destId="{38CCFEB1-18A9-49DE-A3B8-F879A9D2C31F}" srcOrd="0" destOrd="0" presId="urn:microsoft.com/office/officeart/2008/layout/VerticalCurvedList"/>
     <dgm:cxn modelId="{7E86FB14-EB2D-4BC5-A5B5-0E30316A8C8A}" srcId="{FAB1057F-1E23-4D6F-9B46-8AFDBAD2D653}" destId="{E91992E1-4D0C-4443-98E7-1025BE7EE727}" srcOrd="0" destOrd="0" parTransId="{156AF536-4496-4363-AF36-F3E1EBC8AB7B}" sibTransId="{FAC16899-2CF5-4B5E-97E3-EB09BD054176}"/>
-    <dgm:cxn modelId="{68DD037A-02E1-4B29-A45C-D5CF7D2016E1}" srcId="{FAB1057F-1E23-4D6F-9B46-8AFDBAD2D653}" destId="{843D0B2F-DCB6-4904-885F-0BFCDBE74ADA}" srcOrd="4" destOrd="0" parTransId="{4E7AA60E-E1BF-4DED-A097-BA33874FDEE3}" sibTransId="{4EB6C968-8EE8-4CE1-B8B4-B3EBFBD88D49}"/>
     <dgm:cxn modelId="{F7F63D8E-16A7-434D-848E-CC76E24F704E}" type="presParOf" srcId="{38CCFEB1-18A9-49DE-A3B8-F879A9D2C31F}" destId="{90FF4EFD-CD0F-4475-A484-6676F69F2ADE}" srcOrd="0" destOrd="0" presId="urn:microsoft.com/office/officeart/2008/layout/VerticalCurvedList"/>
     <dgm:cxn modelId="{3C5597DF-FE9B-4DF4-BF98-353F61106423}" type="presParOf" srcId="{90FF4EFD-CD0F-4475-A484-6676F69F2ADE}" destId="{540F49D4-F4F3-4F72-BAE1-D23F15D20CE6}" srcOrd="0" destOrd="0" presId="urn:microsoft.com/office/officeart/2008/layout/VerticalCurvedList"/>
     <dgm:cxn modelId="{883B5B3C-3B30-4BBD-BF53-A2C249569CC5}" type="presParOf" srcId="{540F49D4-F4F3-4F72-BAE1-D23F15D20CE6}" destId="{D65A9297-9415-4134-90C2-75B8B5DBBE3A}" srcOrd="0" destOrd="0" presId="urn:microsoft.com/office/officeart/2008/layout/VerticalCurvedList"/>
@@ -6289,7 +6289,7 @@
   <dgm:whole/>
   <dgm:extLst>
     <a:ext uri="http://schemas.microsoft.com/office/drawing/2008/diagram">
-      <dsp:dataModelExt xmlns:dsp="http://schemas.microsoft.com/office/drawing/2008/diagram" relId="rId6" minVer="http://schemas.openxmlformats.org/drawingml/2006/diagram"/>
+      <dsp:dataModelExt xmlns:dsp="http://schemas.microsoft.com/office/drawing/2008/diagram" xmlns="" relId="rId6" minVer="http://schemas.openxmlformats.org/drawingml/2006/diagram"/>
     </a:ext>
   </dgm:extLst>
 </dgm:dataModel>
@@ -6709,20 +6709,20 @@
     </dgm:pt>
   </dgm:ptLst>
   <dgm:cxnLst>
+    <dgm:cxn modelId="{2B4B1132-FD23-4B35-AAC9-A15F96B1A1E7}" srcId="{FAB1057F-1E23-4D6F-9B46-8AFDBAD2D653}" destId="{C236B15B-3641-4B04-A4FC-B69CBBB32D0E}" srcOrd="3" destOrd="0" parTransId="{6F9EA3C3-2580-4D5C-8A79-C0563E0283F0}" sibTransId="{22DE0433-A961-4E08-892D-32E1F02523AA}"/>
+    <dgm:cxn modelId="{1F6F7AE3-E533-4A8B-8467-603F504AB76C}" type="presOf" srcId="{843D0B2F-DCB6-4904-885F-0BFCDBE74ADA}" destId="{A6735672-1AB3-4119-A1F9-6AF575F94159}" srcOrd="0" destOrd="0" presId="urn:microsoft.com/office/officeart/2008/layout/VerticalCurvedList"/>
+    <dgm:cxn modelId="{5668424B-F58E-4FED-90DC-319F2C26ED70}" type="presOf" srcId="{3E6F915B-86C9-48D4-B217-94AA03B2143E}" destId="{0D9A491E-7B03-4A7C-B6C6-2353DC0AE992}" srcOrd="0" destOrd="0" presId="urn:microsoft.com/office/officeart/2008/layout/VerticalCurvedList"/>
+    <dgm:cxn modelId="{FEEF37EB-4CA5-46B0-A3D0-8BDD424C6709}" type="presOf" srcId="{C236B15B-3641-4B04-A4FC-B69CBBB32D0E}" destId="{89E92095-C7F0-4D39-9AEC-FD1852489E6B}" srcOrd="0" destOrd="0" presId="urn:microsoft.com/office/officeart/2008/layout/VerticalCurvedList"/>
     <dgm:cxn modelId="{7493FF0C-2061-4285-BF7A-4E982DA948C5}" type="presOf" srcId="{E4801222-CD56-4C79-A106-B2CDFCC36A8E}" destId="{9B9C7A87-5BFE-4DFC-8A3E-065CC33EF5DC}" srcOrd="0" destOrd="0" presId="urn:microsoft.com/office/officeart/2008/layout/VerticalCurvedList"/>
+    <dgm:cxn modelId="{F9573E21-1561-4C51-8BB7-BC783D07D96A}" srcId="{FAB1057F-1E23-4D6F-9B46-8AFDBAD2D653}" destId="{3E6F915B-86C9-48D4-B217-94AA03B2143E}" srcOrd="2" destOrd="0" parTransId="{0A749D68-BC92-4F69-9FC4-EA90566A5EF7}" sibTransId="{50BF4BFA-2B12-442A-9CC6-AD0693D7B115}"/>
     <dgm:cxn modelId="{68DD037A-02E1-4B29-A45C-D5CF7D2016E1}" srcId="{FAB1057F-1E23-4D6F-9B46-8AFDBAD2D653}" destId="{843D0B2F-DCB6-4904-885F-0BFCDBE74ADA}" srcOrd="4" destOrd="0" parTransId="{4E7AA60E-E1BF-4DED-A097-BA33874FDEE3}" sibTransId="{4EB6C968-8EE8-4CE1-B8B4-B3EBFBD88D49}"/>
     <dgm:cxn modelId="{BDFA648C-BB03-481B-B405-A21FF6D9B996}" srcId="{FAB1057F-1E23-4D6F-9B46-8AFDBAD2D653}" destId="{E799A64E-C038-411A-BE76-B53A75A170AE}" srcOrd="5" destOrd="0" parTransId="{7EE05FEA-E059-4867-B262-02C2113376CA}" sibTransId="{16FBD699-3824-4112-9146-B9DC17AF5228}"/>
-    <dgm:cxn modelId="{F9573E21-1561-4C51-8BB7-BC783D07D96A}" srcId="{FAB1057F-1E23-4D6F-9B46-8AFDBAD2D653}" destId="{3E6F915B-86C9-48D4-B217-94AA03B2143E}" srcOrd="2" destOrd="0" parTransId="{0A749D68-BC92-4F69-9FC4-EA90566A5EF7}" sibTransId="{50BF4BFA-2B12-442A-9CC6-AD0693D7B115}"/>
+    <dgm:cxn modelId="{B047DE60-580F-41EB-B15C-BB8F926F21F7}" srcId="{FAB1057F-1E23-4D6F-9B46-8AFDBAD2D653}" destId="{0F217974-C5C6-42B8-A09A-91260CA8AD52}" srcOrd="1" destOrd="0" parTransId="{258EC565-1D3C-4176-90FB-0D9A6D2131B4}" sibTransId="{B26072E1-86BF-48D3-A924-8CDA108FB692}"/>
+    <dgm:cxn modelId="{F3B43E39-E567-4EAD-A926-C550CA357262}" type="presOf" srcId="{0F217974-C5C6-42B8-A09A-91260CA8AD52}" destId="{AD42BF14-EEFB-41B8-BB5C-4808EDE01C40}" srcOrd="0" destOrd="0" presId="urn:microsoft.com/office/officeart/2008/layout/VerticalCurvedList"/>
     <dgm:cxn modelId="{FC9F8218-E330-43D2-B29F-BD8A7A517610}" srcId="{FAB1057F-1E23-4D6F-9B46-8AFDBAD2D653}" destId="{E4801222-CD56-4C79-A106-B2CDFCC36A8E}" srcOrd="0" destOrd="0" parTransId="{C098296A-0052-4BC9-9EBD-572BE3B3AF3D}" sibTransId="{0FAA8423-CF61-4C8E-90F6-8586CEF6F1F3}"/>
-    <dgm:cxn modelId="{2B4B1132-FD23-4B35-AAC9-A15F96B1A1E7}" srcId="{FAB1057F-1E23-4D6F-9B46-8AFDBAD2D653}" destId="{C236B15B-3641-4B04-A4FC-B69CBBB32D0E}" srcOrd="3" destOrd="0" parTransId="{6F9EA3C3-2580-4D5C-8A79-C0563E0283F0}" sibTransId="{22DE0433-A961-4E08-892D-32E1F02523AA}"/>
-    <dgm:cxn modelId="{F3B43E39-E567-4EAD-A926-C550CA357262}" type="presOf" srcId="{0F217974-C5C6-42B8-A09A-91260CA8AD52}" destId="{AD42BF14-EEFB-41B8-BB5C-4808EDE01C40}" srcOrd="0" destOrd="0" presId="urn:microsoft.com/office/officeart/2008/layout/VerticalCurvedList"/>
-    <dgm:cxn modelId="{5668424B-F58E-4FED-90DC-319F2C26ED70}" type="presOf" srcId="{3E6F915B-86C9-48D4-B217-94AA03B2143E}" destId="{0D9A491E-7B03-4A7C-B6C6-2353DC0AE992}" srcOrd="0" destOrd="0" presId="urn:microsoft.com/office/officeart/2008/layout/VerticalCurvedList"/>
+    <dgm:cxn modelId="{B0E5493C-DE90-4970-B297-5FAE8023D527}" type="presOf" srcId="{0FAA8423-CF61-4C8E-90F6-8586CEF6F1F3}" destId="{ADE8B486-37B3-4627-9C1D-988A9EB0AB71}" srcOrd="0" destOrd="0" presId="urn:microsoft.com/office/officeart/2008/layout/VerticalCurvedList"/>
+    <dgm:cxn modelId="{70931D85-2E56-43BB-AEA8-0ECEF8EB368B}" type="presOf" srcId="{FAB1057F-1E23-4D6F-9B46-8AFDBAD2D653}" destId="{38CCFEB1-18A9-49DE-A3B8-F879A9D2C31F}" srcOrd="0" destOrd="0" presId="urn:microsoft.com/office/officeart/2008/layout/VerticalCurvedList"/>
     <dgm:cxn modelId="{17872639-FB70-41C7-A1ED-4044EEE07C04}" type="presOf" srcId="{E799A64E-C038-411A-BE76-B53A75A170AE}" destId="{244BC050-D638-41EE-BAAB-F61FCF942315}" srcOrd="0" destOrd="0" presId="urn:microsoft.com/office/officeart/2008/layout/VerticalCurvedList"/>
-    <dgm:cxn modelId="{FEEF37EB-4CA5-46B0-A3D0-8BDD424C6709}" type="presOf" srcId="{C236B15B-3641-4B04-A4FC-B69CBBB32D0E}" destId="{89E92095-C7F0-4D39-9AEC-FD1852489E6B}" srcOrd="0" destOrd="0" presId="urn:microsoft.com/office/officeart/2008/layout/VerticalCurvedList"/>
-    <dgm:cxn modelId="{70931D85-2E56-43BB-AEA8-0ECEF8EB368B}" type="presOf" srcId="{FAB1057F-1E23-4D6F-9B46-8AFDBAD2D653}" destId="{38CCFEB1-18A9-49DE-A3B8-F879A9D2C31F}" srcOrd="0" destOrd="0" presId="urn:microsoft.com/office/officeart/2008/layout/VerticalCurvedList"/>
-    <dgm:cxn modelId="{B047DE60-580F-41EB-B15C-BB8F926F21F7}" srcId="{FAB1057F-1E23-4D6F-9B46-8AFDBAD2D653}" destId="{0F217974-C5C6-42B8-A09A-91260CA8AD52}" srcOrd="1" destOrd="0" parTransId="{258EC565-1D3C-4176-90FB-0D9A6D2131B4}" sibTransId="{B26072E1-86BF-48D3-A924-8CDA108FB692}"/>
-    <dgm:cxn modelId="{1F6F7AE3-E533-4A8B-8467-603F504AB76C}" type="presOf" srcId="{843D0B2F-DCB6-4904-885F-0BFCDBE74ADA}" destId="{A6735672-1AB3-4119-A1F9-6AF575F94159}" srcOrd="0" destOrd="0" presId="urn:microsoft.com/office/officeart/2008/layout/VerticalCurvedList"/>
-    <dgm:cxn modelId="{B0E5493C-DE90-4970-B297-5FAE8023D527}" type="presOf" srcId="{0FAA8423-CF61-4C8E-90F6-8586CEF6F1F3}" destId="{ADE8B486-37B3-4627-9C1D-988A9EB0AB71}" srcOrd="0" destOrd="0" presId="urn:microsoft.com/office/officeart/2008/layout/VerticalCurvedList"/>
     <dgm:cxn modelId="{C0EF8F9B-8604-488A-8680-B7420F14E281}" type="presParOf" srcId="{38CCFEB1-18A9-49DE-A3B8-F879A9D2C31F}" destId="{90FF4EFD-CD0F-4475-A484-6676F69F2ADE}" srcOrd="0" destOrd="0" presId="urn:microsoft.com/office/officeart/2008/layout/VerticalCurvedList"/>
     <dgm:cxn modelId="{A941F452-E8EB-47F1-BE69-DFE7DF15A4C4}" type="presParOf" srcId="{90FF4EFD-CD0F-4475-A484-6676F69F2ADE}" destId="{540F49D4-F4F3-4F72-BAE1-D23F15D20CE6}" srcOrd="0" destOrd="0" presId="urn:microsoft.com/office/officeart/2008/layout/VerticalCurvedList"/>
     <dgm:cxn modelId="{12101D16-0842-4D3E-820F-62DC3DE35BB6}" type="presParOf" srcId="{540F49D4-F4F3-4F72-BAE1-D23F15D20CE6}" destId="{D65A9297-9415-4134-90C2-75B8B5DBBE3A}" srcOrd="0" destOrd="0" presId="urn:microsoft.com/office/officeart/2008/layout/VerticalCurvedList"/>
@@ -6752,7 +6752,7 @@
   <dgm:whole/>
   <dgm:extLst>
     <a:ext uri="http://schemas.microsoft.com/office/drawing/2008/diagram">
-      <dsp:dataModelExt xmlns:dsp="http://schemas.microsoft.com/office/drawing/2008/diagram" relId="rId6" minVer="http://schemas.openxmlformats.org/drawingml/2006/diagram"/>
+      <dsp:dataModelExt xmlns:dsp="http://schemas.microsoft.com/office/drawing/2008/diagram" xmlns="" relId="rId6" minVer="http://schemas.openxmlformats.org/drawingml/2006/diagram"/>
     </a:ext>
   </dgm:extLst>
 </dgm:dataModel>
@@ -7172,20 +7172,20 @@
     </dgm:pt>
   </dgm:ptLst>
   <dgm:cxnLst>
+    <dgm:cxn modelId="{46E9A396-1500-4082-A8F5-B6869C66F1CD}" type="presOf" srcId="{3E6F915B-86C9-48D4-B217-94AA03B2143E}" destId="{D0472C36-3790-4B49-98FC-5D0BA46EB0B9}" srcOrd="0" destOrd="0" presId="urn:microsoft.com/office/officeart/2008/layout/VerticalCurvedList"/>
+    <dgm:cxn modelId="{2B4B1132-FD23-4B35-AAC9-A15F96B1A1E7}" srcId="{FAB1057F-1E23-4D6F-9B46-8AFDBAD2D653}" destId="{C236B15B-3641-4B04-A4FC-B69CBBB32D0E}" srcOrd="3" destOrd="0" parTransId="{6F9EA3C3-2580-4D5C-8A79-C0563E0283F0}" sibTransId="{22DE0433-A961-4E08-892D-32E1F02523AA}"/>
+    <dgm:cxn modelId="{821BE7AD-089B-47E0-95FA-D94D290B3DC4}" srcId="{FAB1057F-1E23-4D6F-9B46-8AFDBAD2D653}" destId="{B6A675AA-33C5-459E-AA1D-FC2E621D3058}" srcOrd="0" destOrd="0" parTransId="{EE9E6CBA-6FBB-4B48-B4BF-4DF6BF924A4B}" sibTransId="{0EAA280B-21FF-4F76-AE7D-A8E498279F09}"/>
+    <dgm:cxn modelId="{6482DDFF-7058-40E5-901D-0016F027E80C}" type="presOf" srcId="{B6A675AA-33C5-459E-AA1D-FC2E621D3058}" destId="{E28BCFE3-D33D-478D-B17A-BFC0FE07559A}" srcOrd="0" destOrd="0" presId="urn:microsoft.com/office/officeart/2008/layout/VerticalCurvedList"/>
+    <dgm:cxn modelId="{F9573E21-1561-4C51-8BB7-BC783D07D96A}" srcId="{FAB1057F-1E23-4D6F-9B46-8AFDBAD2D653}" destId="{3E6F915B-86C9-48D4-B217-94AA03B2143E}" srcOrd="2" destOrd="0" parTransId="{0A749D68-BC92-4F69-9FC4-EA90566A5EF7}" sibTransId="{50BF4BFA-2B12-442A-9CC6-AD0693D7B115}"/>
+    <dgm:cxn modelId="{68DD037A-02E1-4B29-A45C-D5CF7D2016E1}" srcId="{FAB1057F-1E23-4D6F-9B46-8AFDBAD2D653}" destId="{843D0B2F-DCB6-4904-885F-0BFCDBE74ADA}" srcOrd="4" destOrd="0" parTransId="{4E7AA60E-E1BF-4DED-A097-BA33874FDEE3}" sibTransId="{4EB6C968-8EE8-4CE1-B8B4-B3EBFBD88D49}"/>
+    <dgm:cxn modelId="{BDFA648C-BB03-481B-B405-A21FF6D9B996}" srcId="{FAB1057F-1E23-4D6F-9B46-8AFDBAD2D653}" destId="{E799A64E-C038-411A-BE76-B53A75A170AE}" srcOrd="5" destOrd="0" parTransId="{7EE05FEA-E059-4867-B262-02C2113376CA}" sibTransId="{16FBD699-3824-4112-9146-B9DC17AF5228}"/>
     <dgm:cxn modelId="{4B99610A-3744-490C-AE24-EDB40484B47D}" type="presOf" srcId="{843D0B2F-DCB6-4904-885F-0BFCDBE74ADA}" destId="{D9576136-643F-4EAB-A128-BB0F39F12FE6}" srcOrd="0" destOrd="0" presId="urn:microsoft.com/office/officeart/2008/layout/VerticalCurvedList"/>
-    <dgm:cxn modelId="{6482DDFF-7058-40E5-901D-0016F027E80C}" type="presOf" srcId="{B6A675AA-33C5-459E-AA1D-FC2E621D3058}" destId="{E28BCFE3-D33D-478D-B17A-BFC0FE07559A}" srcOrd="0" destOrd="0" presId="urn:microsoft.com/office/officeart/2008/layout/VerticalCurvedList"/>
-    <dgm:cxn modelId="{2B4B1132-FD23-4B35-AAC9-A15F96B1A1E7}" srcId="{FAB1057F-1E23-4D6F-9B46-8AFDBAD2D653}" destId="{C236B15B-3641-4B04-A4FC-B69CBBB32D0E}" srcOrd="3" destOrd="0" parTransId="{6F9EA3C3-2580-4D5C-8A79-C0563E0283F0}" sibTransId="{22DE0433-A961-4E08-892D-32E1F02523AA}"/>
+    <dgm:cxn modelId="{B047DE60-580F-41EB-B15C-BB8F926F21F7}" srcId="{FAB1057F-1E23-4D6F-9B46-8AFDBAD2D653}" destId="{0F217974-C5C6-42B8-A09A-91260CA8AD52}" srcOrd="1" destOrd="0" parTransId="{258EC565-1D3C-4176-90FB-0D9A6D2131B4}" sibTransId="{B26072E1-86BF-48D3-A924-8CDA108FB692}"/>
     <dgm:cxn modelId="{9F59085E-F8F3-4AA8-BF34-0DB1B7B3E169}" type="presOf" srcId="{E799A64E-C038-411A-BE76-B53A75A170AE}" destId="{E7D41F5C-DDF9-49FC-B210-9BAA25CED3E6}" srcOrd="0" destOrd="0" presId="urn:microsoft.com/office/officeart/2008/layout/VerticalCurvedList"/>
-    <dgm:cxn modelId="{46E9A396-1500-4082-A8F5-B6869C66F1CD}" type="presOf" srcId="{3E6F915B-86C9-48D4-B217-94AA03B2143E}" destId="{D0472C36-3790-4B49-98FC-5D0BA46EB0B9}" srcOrd="0" destOrd="0" presId="urn:microsoft.com/office/officeart/2008/layout/VerticalCurvedList"/>
-    <dgm:cxn modelId="{821BE7AD-089B-47E0-95FA-D94D290B3DC4}" srcId="{FAB1057F-1E23-4D6F-9B46-8AFDBAD2D653}" destId="{B6A675AA-33C5-459E-AA1D-FC2E621D3058}" srcOrd="0" destOrd="0" parTransId="{EE9E6CBA-6FBB-4B48-B4BF-4DF6BF924A4B}" sibTransId="{0EAA280B-21FF-4F76-AE7D-A8E498279F09}"/>
+    <dgm:cxn modelId="{0DD9D581-1FD3-47BD-87C6-446A21105F1C}" type="presOf" srcId="{C236B15B-3641-4B04-A4FC-B69CBBB32D0E}" destId="{229CE928-3870-4A17-AD3F-CE5E4AA40D31}" srcOrd="0" destOrd="0" presId="urn:microsoft.com/office/officeart/2008/layout/VerticalCurvedList"/>
     <dgm:cxn modelId="{2E8DF6C2-25C0-443C-9C88-5CFA97734600}" type="presOf" srcId="{0F217974-C5C6-42B8-A09A-91260CA8AD52}" destId="{70B733E9-978D-40FF-8252-762A07F69BDA}" srcOrd="0" destOrd="0" presId="urn:microsoft.com/office/officeart/2008/layout/VerticalCurvedList"/>
-    <dgm:cxn modelId="{F9573E21-1561-4C51-8BB7-BC783D07D96A}" srcId="{FAB1057F-1E23-4D6F-9B46-8AFDBAD2D653}" destId="{3E6F915B-86C9-48D4-B217-94AA03B2143E}" srcOrd="2" destOrd="0" parTransId="{0A749D68-BC92-4F69-9FC4-EA90566A5EF7}" sibTransId="{50BF4BFA-2B12-442A-9CC6-AD0693D7B115}"/>
-    <dgm:cxn modelId="{BDFA648C-BB03-481B-B405-A21FF6D9B996}" srcId="{FAB1057F-1E23-4D6F-9B46-8AFDBAD2D653}" destId="{E799A64E-C038-411A-BE76-B53A75A170AE}" srcOrd="5" destOrd="0" parTransId="{7EE05FEA-E059-4867-B262-02C2113376CA}" sibTransId="{16FBD699-3824-4112-9146-B9DC17AF5228}"/>
-    <dgm:cxn modelId="{B047DE60-580F-41EB-B15C-BB8F926F21F7}" srcId="{FAB1057F-1E23-4D6F-9B46-8AFDBAD2D653}" destId="{0F217974-C5C6-42B8-A09A-91260CA8AD52}" srcOrd="1" destOrd="0" parTransId="{258EC565-1D3C-4176-90FB-0D9A6D2131B4}" sibTransId="{B26072E1-86BF-48D3-A924-8CDA108FB692}"/>
-    <dgm:cxn modelId="{0DD9D581-1FD3-47BD-87C6-446A21105F1C}" type="presOf" srcId="{C236B15B-3641-4B04-A4FC-B69CBBB32D0E}" destId="{229CE928-3870-4A17-AD3F-CE5E4AA40D31}" srcOrd="0" destOrd="0" presId="urn:microsoft.com/office/officeart/2008/layout/VerticalCurvedList"/>
+    <dgm:cxn modelId="{6E7DF7E3-8F4A-4F6D-80BD-C84A6A90F1F3}" type="presOf" srcId="{0EAA280B-21FF-4F76-AE7D-A8E498279F09}" destId="{ADE8B486-37B3-4627-9C1D-988A9EB0AB71}" srcOrd="0" destOrd="0" presId="urn:microsoft.com/office/officeart/2008/layout/VerticalCurvedList"/>
     <dgm:cxn modelId="{0DE4E4CA-E490-45AA-AEFE-F178A6578930}" type="presOf" srcId="{FAB1057F-1E23-4D6F-9B46-8AFDBAD2D653}" destId="{38CCFEB1-18A9-49DE-A3B8-F879A9D2C31F}" srcOrd="0" destOrd="0" presId="urn:microsoft.com/office/officeart/2008/layout/VerticalCurvedList"/>
-    <dgm:cxn modelId="{68DD037A-02E1-4B29-A45C-D5CF7D2016E1}" srcId="{FAB1057F-1E23-4D6F-9B46-8AFDBAD2D653}" destId="{843D0B2F-DCB6-4904-885F-0BFCDBE74ADA}" srcOrd="4" destOrd="0" parTransId="{4E7AA60E-E1BF-4DED-A097-BA33874FDEE3}" sibTransId="{4EB6C968-8EE8-4CE1-B8B4-B3EBFBD88D49}"/>
-    <dgm:cxn modelId="{6E7DF7E3-8F4A-4F6D-80BD-C84A6A90F1F3}" type="presOf" srcId="{0EAA280B-21FF-4F76-AE7D-A8E498279F09}" destId="{ADE8B486-37B3-4627-9C1D-988A9EB0AB71}" srcOrd="0" destOrd="0" presId="urn:microsoft.com/office/officeart/2008/layout/VerticalCurvedList"/>
     <dgm:cxn modelId="{030BE0A2-5F22-42A9-8268-224D86DF1B3E}" type="presParOf" srcId="{38CCFEB1-18A9-49DE-A3B8-F879A9D2C31F}" destId="{90FF4EFD-CD0F-4475-A484-6676F69F2ADE}" srcOrd="0" destOrd="0" presId="urn:microsoft.com/office/officeart/2008/layout/VerticalCurvedList"/>
     <dgm:cxn modelId="{2017E26D-1111-43F8-8078-5959544BD216}" type="presParOf" srcId="{90FF4EFD-CD0F-4475-A484-6676F69F2ADE}" destId="{540F49D4-F4F3-4F72-BAE1-D23F15D20CE6}" srcOrd="0" destOrd="0" presId="urn:microsoft.com/office/officeart/2008/layout/VerticalCurvedList"/>
     <dgm:cxn modelId="{AD60244D-11CA-4739-BC76-BA13D87DD034}" type="presParOf" srcId="{540F49D4-F4F3-4F72-BAE1-D23F15D20CE6}" destId="{D65A9297-9415-4134-90C2-75B8B5DBBE3A}" srcOrd="0" destOrd="0" presId="urn:microsoft.com/office/officeart/2008/layout/VerticalCurvedList"/>
@@ -7215,14 +7215,14 @@
   <dgm:whole/>
   <dgm:extLst>
     <a:ext uri="http://schemas.microsoft.com/office/drawing/2008/diagram">
-      <dsp:dataModelExt xmlns:dsp="http://schemas.microsoft.com/office/drawing/2008/diagram" relId="rId6" minVer="http://schemas.openxmlformats.org/drawingml/2006/diagram"/>
+      <dsp:dataModelExt xmlns:dsp="http://schemas.microsoft.com/office/drawing/2008/diagram" xmlns="" relId="rId6" minVer="http://schemas.openxmlformats.org/drawingml/2006/diagram"/>
     </a:ext>
   </dgm:extLst>
 </dgm:dataModel>
 </file>
 
 <file path=ppt/diagrams/drawing1.xml><?xml version="1.0" encoding="utf-8"?>
-<dsp:drawing xmlns:dgm="http://schemas.openxmlformats.org/drawingml/2006/diagram" xmlns:dsp="http://schemas.microsoft.com/office/drawing/2008/diagram" xmlns:a="http://schemas.openxmlformats.org/drawingml/2006/main">
+<dsp:drawing xmlns:dgm="http://schemas.openxmlformats.org/drawingml/2006/diagram" xmlns:a="http://schemas.openxmlformats.org/drawingml/2006/main" xmlns:dsp="http://schemas.microsoft.com/office/drawing/2008/diagram">
   <dsp:spTree>
     <dsp:nvGrpSpPr>
       <dsp:cNvPr id="0" name=""/>
@@ -8036,7 +8036,7 @@
 </file>
 
 <file path=ppt/diagrams/drawing2.xml><?xml version="1.0" encoding="utf-8"?>
-<dsp:drawing xmlns:dgm="http://schemas.openxmlformats.org/drawingml/2006/diagram" xmlns:dsp="http://schemas.microsoft.com/office/drawing/2008/diagram" xmlns:a="http://schemas.openxmlformats.org/drawingml/2006/main">
+<dsp:drawing xmlns:dgm="http://schemas.openxmlformats.org/drawingml/2006/diagram" xmlns:a="http://schemas.openxmlformats.org/drawingml/2006/main" xmlns:dsp="http://schemas.microsoft.com/office/drawing/2008/diagram">
   <dsp:spTree>
     <dsp:nvGrpSpPr>
       <dsp:cNvPr id="0" name=""/>
@@ -8271,8 +8271,8 @@
         </a:p>
       </dsp:txBody>
       <dsp:txXfrm>
-        <a:off x="4915867" y="2058858"/>
-        <a:ext cx="970589" cy="970589"/>
+        <a:off x="4714852" y="1857843"/>
+        <a:ext cx="1372619" cy="1372619"/>
       </dsp:txXfrm>
     </dsp:sp>
     <dsp:sp modelId="{379EB9D3-82A1-4E86-A0DF-F1981CEE45E3}">
@@ -8349,8 +8349,8 @@
         </a:p>
       </dsp:txBody>
       <dsp:txXfrm>
-        <a:off x="3933681" y="1029088"/>
-        <a:ext cx="970589" cy="970589"/>
+        <a:off x="3732666" y="828073"/>
+        <a:ext cx="1372619" cy="1372619"/>
       </dsp:txXfrm>
     </dsp:sp>
     <dsp:sp modelId="{73BD693A-DF8F-4241-9F28-FC40BB26AB7F}">
@@ -8435,8 +8435,8 @@
         </a:p>
       </dsp:txBody>
       <dsp:txXfrm>
-        <a:off x="5336804" y="697219"/>
-        <a:ext cx="970589" cy="970589"/>
+        <a:off x="5135789" y="496204"/>
+        <a:ext cx="1372619" cy="1372619"/>
       </dsp:txXfrm>
     </dsp:sp>
     <dsp:sp modelId="{B54A5ABA-80D6-4828-A58E-4CB90E8EE42A}">
@@ -8493,7 +8493,7 @@
 </file>
 
 <file path=ppt/diagrams/drawing3.xml><?xml version="1.0" encoding="utf-8"?>
-<dsp:drawing xmlns:dgm="http://schemas.openxmlformats.org/drawingml/2006/diagram" xmlns:dsp="http://schemas.microsoft.com/office/drawing/2008/diagram" xmlns:a="http://schemas.openxmlformats.org/drawingml/2006/main">
+<dsp:drawing xmlns:dgm="http://schemas.openxmlformats.org/drawingml/2006/diagram" xmlns:a="http://schemas.openxmlformats.org/drawingml/2006/main" xmlns:dsp="http://schemas.microsoft.com/office/drawing/2008/diagram">
   <dsp:spTree>
     <dsp:nvGrpSpPr>
       <dsp:cNvPr id="0" name=""/>
@@ -9302,7 +9302,7 @@
 </file>
 
 <file path=ppt/diagrams/drawing4.xml><?xml version="1.0" encoding="utf-8"?>
-<dsp:drawing xmlns:dgm="http://schemas.openxmlformats.org/drawingml/2006/diagram" xmlns:dsp="http://schemas.microsoft.com/office/drawing/2008/diagram" xmlns:a="http://schemas.openxmlformats.org/drawingml/2006/main">
+<dsp:drawing xmlns:dgm="http://schemas.openxmlformats.org/drawingml/2006/diagram" xmlns:a="http://schemas.openxmlformats.org/drawingml/2006/main" xmlns:dsp="http://schemas.microsoft.com/office/drawing/2008/diagram">
   <dsp:spTree>
     <dsp:nvGrpSpPr>
       <dsp:cNvPr id="0" name=""/>
@@ -10111,25 +10111,1619 @@
 </file>
 
 <file path=ppt/diagrams/drawing5.xml><?xml version="1.0" encoding="utf-8"?>
-<dsp:drawing xmlns:dgm="http://schemas.openxmlformats.org/drawingml/2006/diagram" xmlns:dsp="http://schemas.microsoft.com/office/drawing/2008/diagram" xmlns:a="http://schemas.openxmlformats.org/drawingml/2006/main">
+<dsp:drawing xmlns:dgm="http://schemas.openxmlformats.org/drawingml/2006/diagram" xmlns:a="http://schemas.openxmlformats.org/drawingml/2006/main" xmlns:dsp="http://schemas.microsoft.com/office/drawing/2008/diagram">
   <dsp:spTree>
     <dsp:nvGrpSpPr>
       <dsp:cNvPr id="0" name=""/>
       <dsp:cNvGrpSpPr/>
     </dsp:nvGrpSpPr>
     <dsp:grpSpPr/>
+    <dsp:sp modelId="{ADE8B486-37B3-4627-9C1D-988A9EB0AB71}">
+      <dsp:nvSpPr>
+        <dsp:cNvPr id="0" name=""/>
+        <dsp:cNvSpPr/>
+      </dsp:nvSpPr>
+      <dsp:spPr>
+        <a:xfrm>
+          <a:off x="-4919424" y="-753830"/>
+          <a:ext cx="5858998" cy="5858998"/>
+        </a:xfrm>
+        <a:prstGeom prst="blockArc">
+          <a:avLst>
+            <a:gd name="adj1" fmla="val 18900000"/>
+            <a:gd name="adj2" fmla="val 2700000"/>
+            <a:gd name="adj3" fmla="val 369"/>
+          </a:avLst>
+        </a:prstGeom>
+        <a:noFill/>
+        <a:ln w="12700" cap="flat" cmpd="sng" algn="ctr">
+          <a:solidFill>
+            <a:schemeClr val="accent1">
+              <a:shade val="60000"/>
+              <a:hueOff val="0"/>
+              <a:satOff val="0"/>
+              <a:lumOff val="0"/>
+              <a:alphaOff val="0"/>
+            </a:schemeClr>
+          </a:solidFill>
+          <a:prstDash val="solid"/>
+          <a:miter lim="800000"/>
+        </a:ln>
+        <a:effectLst/>
+      </dsp:spPr>
+      <dsp:style>
+        <a:lnRef idx="2">
+          <a:scrgbClr r="0" g="0" b="0"/>
+        </a:lnRef>
+        <a:fillRef idx="0">
+          <a:scrgbClr r="0" g="0" b="0"/>
+        </a:fillRef>
+        <a:effectRef idx="0">
+          <a:scrgbClr r="0" g="0" b="0"/>
+        </a:effectRef>
+        <a:fontRef idx="minor"/>
+      </dsp:style>
+    </dsp:sp>
+    <dsp:sp modelId="{9B9C7A87-5BFE-4DFC-8A3E-065CC33EF5DC}">
+      <dsp:nvSpPr>
+        <dsp:cNvPr id="0" name=""/>
+        <dsp:cNvSpPr/>
+      </dsp:nvSpPr>
+      <dsp:spPr>
+        <a:xfrm>
+          <a:off x="350606" y="229141"/>
+          <a:ext cx="10105268" cy="458108"/>
+        </a:xfrm>
+        <a:prstGeom prst="rect">
+          <a:avLst/>
+        </a:prstGeom>
+        <a:solidFill>
+          <a:schemeClr val="accent1">
+            <a:hueOff val="0"/>
+            <a:satOff val="0"/>
+            <a:lumOff val="0"/>
+            <a:alphaOff val="0"/>
+          </a:schemeClr>
+        </a:solidFill>
+        <a:ln w="12700" cap="flat" cmpd="sng" algn="ctr">
+          <a:solidFill>
+            <a:schemeClr val="lt1">
+              <a:hueOff val="0"/>
+              <a:satOff val="0"/>
+              <a:lumOff val="0"/>
+              <a:alphaOff val="0"/>
+            </a:schemeClr>
+          </a:solidFill>
+          <a:prstDash val="solid"/>
+          <a:miter lim="800000"/>
+        </a:ln>
+        <a:effectLst/>
+      </dsp:spPr>
+      <dsp:style>
+        <a:lnRef idx="2">
+          <a:scrgbClr r="0" g="0" b="0"/>
+        </a:lnRef>
+        <a:fillRef idx="1">
+          <a:scrgbClr r="0" g="0" b="0"/>
+        </a:fillRef>
+        <a:effectRef idx="0">
+          <a:scrgbClr r="0" g="0" b="0"/>
+        </a:effectRef>
+        <a:fontRef idx="minor">
+          <a:schemeClr val="lt1"/>
+        </a:fontRef>
+      </dsp:style>
+      <dsp:txBody>
+        <a:bodyPr spcFirstLastPara="0" vert="horz" wrap="square" lIns="363624" tIns="55880" rIns="55880" bIns="55880" numCol="1" spcCol="1270" anchor="ctr" anchorCtr="0">
+          <a:noAutofit/>
+        </a:bodyPr>
+        <a:lstStyle/>
+        <a:p>
+          <a:pPr lvl="0" algn="l" defTabSz="977900">
+            <a:lnSpc>
+              <a:spcPct val="90000"/>
+            </a:lnSpc>
+            <a:spcBef>
+              <a:spcPct val="0"/>
+            </a:spcBef>
+            <a:spcAft>
+              <a:spcPct val="35000"/>
+            </a:spcAft>
+          </a:pPr>
+          <a:r>
+            <a:rPr lang="zh-CN" altLang="en-US" sz="2200" kern="1200" dirty="0" smtClean="0"/>
+            <a:t>应用场景分析</a:t>
+          </a:r>
+          <a:endParaRPr lang="zh-CN" altLang="en-US" sz="2200" kern="1200" dirty="0"/>
+        </a:p>
+      </dsp:txBody>
+      <dsp:txXfrm>
+        <a:off x="350606" y="229141"/>
+        <a:ext cx="10105268" cy="458108"/>
+      </dsp:txXfrm>
+    </dsp:sp>
+    <dsp:sp modelId="{C738B744-6931-489D-9C6D-9EAD131056C9}">
+      <dsp:nvSpPr>
+        <dsp:cNvPr id="0" name=""/>
+        <dsp:cNvSpPr/>
+      </dsp:nvSpPr>
+      <dsp:spPr>
+        <a:xfrm>
+          <a:off x="64288" y="171877"/>
+          <a:ext cx="572636" cy="572636"/>
+        </a:xfrm>
+        <a:prstGeom prst="ellipse">
+          <a:avLst/>
+        </a:prstGeom>
+        <a:solidFill>
+          <a:schemeClr val="lt1">
+            <a:hueOff val="0"/>
+            <a:satOff val="0"/>
+            <a:lumOff val="0"/>
+            <a:alphaOff val="0"/>
+          </a:schemeClr>
+        </a:solidFill>
+        <a:ln w="12700" cap="flat" cmpd="sng" algn="ctr">
+          <a:solidFill>
+            <a:schemeClr val="accent1">
+              <a:hueOff val="0"/>
+              <a:satOff val="0"/>
+              <a:lumOff val="0"/>
+              <a:alphaOff val="0"/>
+            </a:schemeClr>
+          </a:solidFill>
+          <a:prstDash val="solid"/>
+          <a:miter lim="800000"/>
+        </a:ln>
+        <a:effectLst/>
+      </dsp:spPr>
+      <dsp:style>
+        <a:lnRef idx="2">
+          <a:scrgbClr r="0" g="0" b="0"/>
+        </a:lnRef>
+        <a:fillRef idx="1">
+          <a:scrgbClr r="0" g="0" b="0"/>
+        </a:fillRef>
+        <a:effectRef idx="0">
+          <a:scrgbClr r="0" g="0" b="0"/>
+        </a:effectRef>
+        <a:fontRef idx="minor"/>
+      </dsp:style>
+    </dsp:sp>
+    <dsp:sp modelId="{AD42BF14-EEFB-41B8-BB5C-4808EDE01C40}">
+      <dsp:nvSpPr>
+        <dsp:cNvPr id="0" name=""/>
+        <dsp:cNvSpPr/>
+      </dsp:nvSpPr>
+      <dsp:spPr>
+        <a:xfrm>
+          <a:off x="727432" y="916217"/>
+          <a:ext cx="9728442" cy="458108"/>
+        </a:xfrm>
+        <a:prstGeom prst="rect">
+          <a:avLst/>
+        </a:prstGeom>
+        <a:solidFill>
+          <a:schemeClr val="accent1">
+            <a:hueOff val="0"/>
+            <a:satOff val="0"/>
+            <a:lumOff val="0"/>
+            <a:alphaOff val="0"/>
+          </a:schemeClr>
+        </a:solidFill>
+        <a:ln w="12700" cap="flat" cmpd="sng" algn="ctr">
+          <a:solidFill>
+            <a:schemeClr val="lt1">
+              <a:hueOff val="0"/>
+              <a:satOff val="0"/>
+              <a:lumOff val="0"/>
+              <a:alphaOff val="0"/>
+            </a:schemeClr>
+          </a:solidFill>
+          <a:prstDash val="solid"/>
+          <a:miter lim="800000"/>
+        </a:ln>
+        <a:effectLst/>
+      </dsp:spPr>
+      <dsp:style>
+        <a:lnRef idx="2">
+          <a:scrgbClr r="0" g="0" b="0"/>
+        </a:lnRef>
+        <a:fillRef idx="1">
+          <a:scrgbClr r="0" g="0" b="0"/>
+        </a:fillRef>
+        <a:effectRef idx="0">
+          <a:scrgbClr r="0" g="0" b="0"/>
+        </a:effectRef>
+        <a:fontRef idx="minor">
+          <a:schemeClr val="lt1"/>
+        </a:fontRef>
+      </dsp:style>
+      <dsp:txBody>
+        <a:bodyPr spcFirstLastPara="0" vert="horz" wrap="square" lIns="363624" tIns="55880" rIns="55880" bIns="55880" numCol="1" spcCol="1270" anchor="ctr" anchorCtr="0">
+          <a:noAutofit/>
+        </a:bodyPr>
+        <a:lstStyle/>
+        <a:p>
+          <a:pPr lvl="0" algn="l" defTabSz="977900">
+            <a:lnSpc>
+              <a:spcPct val="90000"/>
+            </a:lnSpc>
+            <a:spcBef>
+              <a:spcPct val="0"/>
+            </a:spcBef>
+            <a:spcAft>
+              <a:spcPct val="35000"/>
+            </a:spcAft>
+          </a:pPr>
+          <a:r>
+            <a:rPr lang="zh-CN" altLang="en-US" sz="2200" kern="1200" dirty="0" smtClean="0"/>
+            <a:t>报表展示</a:t>
+          </a:r>
+          <a:endParaRPr lang="zh-CN" altLang="en-US" sz="2200" kern="1200" dirty="0"/>
+        </a:p>
+      </dsp:txBody>
+      <dsp:txXfrm>
+        <a:off x="727432" y="916217"/>
+        <a:ext cx="9728442" cy="458108"/>
+      </dsp:txXfrm>
+    </dsp:sp>
+    <dsp:sp modelId="{80513BFB-41B2-48CD-B383-6DA944F2C680}">
+      <dsp:nvSpPr>
+        <dsp:cNvPr id="0" name=""/>
+        <dsp:cNvSpPr/>
+      </dsp:nvSpPr>
+      <dsp:spPr>
+        <a:xfrm>
+          <a:off x="441114" y="858954"/>
+          <a:ext cx="572636" cy="572636"/>
+        </a:xfrm>
+        <a:prstGeom prst="ellipse">
+          <a:avLst/>
+        </a:prstGeom>
+        <a:solidFill>
+          <a:schemeClr val="lt1">
+            <a:hueOff val="0"/>
+            <a:satOff val="0"/>
+            <a:lumOff val="0"/>
+            <a:alphaOff val="0"/>
+          </a:schemeClr>
+        </a:solidFill>
+        <a:ln w="12700" cap="flat" cmpd="sng" algn="ctr">
+          <a:solidFill>
+            <a:schemeClr val="accent1">
+              <a:hueOff val="0"/>
+              <a:satOff val="0"/>
+              <a:lumOff val="0"/>
+              <a:alphaOff val="0"/>
+            </a:schemeClr>
+          </a:solidFill>
+          <a:prstDash val="solid"/>
+          <a:miter lim="800000"/>
+        </a:ln>
+        <a:effectLst/>
+      </dsp:spPr>
+      <dsp:style>
+        <a:lnRef idx="2">
+          <a:scrgbClr r="0" g="0" b="0"/>
+        </a:lnRef>
+        <a:fillRef idx="1">
+          <a:scrgbClr r="0" g="0" b="0"/>
+        </a:fillRef>
+        <a:effectRef idx="0">
+          <a:scrgbClr r="0" g="0" b="0"/>
+        </a:effectRef>
+        <a:fontRef idx="minor"/>
+      </dsp:style>
+    </dsp:sp>
+    <dsp:sp modelId="{0D9A491E-7B03-4A7C-B6C6-2353DC0AE992}">
+      <dsp:nvSpPr>
+        <dsp:cNvPr id="0" name=""/>
+        <dsp:cNvSpPr/>
+      </dsp:nvSpPr>
+      <dsp:spPr>
+        <a:xfrm>
+          <a:off x="899745" y="1603293"/>
+          <a:ext cx="9556129" cy="458108"/>
+        </a:xfrm>
+        <a:prstGeom prst="rect">
+          <a:avLst/>
+        </a:prstGeom>
+        <a:solidFill>
+          <a:schemeClr val="accent1">
+            <a:hueOff val="0"/>
+            <a:satOff val="0"/>
+            <a:lumOff val="0"/>
+            <a:alphaOff val="0"/>
+          </a:schemeClr>
+        </a:solidFill>
+        <a:ln w="12700" cap="flat" cmpd="sng" algn="ctr">
+          <a:solidFill>
+            <a:schemeClr val="lt1">
+              <a:hueOff val="0"/>
+              <a:satOff val="0"/>
+              <a:lumOff val="0"/>
+              <a:alphaOff val="0"/>
+            </a:schemeClr>
+          </a:solidFill>
+          <a:prstDash val="solid"/>
+          <a:miter lim="800000"/>
+        </a:ln>
+        <a:effectLst/>
+      </dsp:spPr>
+      <dsp:style>
+        <a:lnRef idx="2">
+          <a:scrgbClr r="0" g="0" b="0"/>
+        </a:lnRef>
+        <a:fillRef idx="1">
+          <a:scrgbClr r="0" g="0" b="0"/>
+        </a:fillRef>
+        <a:effectRef idx="0">
+          <a:scrgbClr r="0" g="0" b="0"/>
+        </a:effectRef>
+        <a:fontRef idx="minor">
+          <a:schemeClr val="lt1"/>
+        </a:fontRef>
+      </dsp:style>
+      <dsp:txBody>
+        <a:bodyPr spcFirstLastPara="0" vert="horz" wrap="square" lIns="363624" tIns="55880" rIns="55880" bIns="55880" numCol="1" spcCol="1270" anchor="ctr" anchorCtr="0">
+          <a:noAutofit/>
+        </a:bodyPr>
+        <a:lstStyle/>
+        <a:p>
+          <a:pPr lvl="0" algn="l" defTabSz="977900">
+            <a:lnSpc>
+              <a:spcPct val="90000"/>
+            </a:lnSpc>
+            <a:spcBef>
+              <a:spcPct val="0"/>
+            </a:spcBef>
+            <a:spcAft>
+              <a:spcPct val="35000"/>
+            </a:spcAft>
+          </a:pPr>
+          <a:r>
+            <a:rPr lang="zh-CN" altLang="en-US" sz="2200" kern="1200" dirty="0" smtClean="0"/>
+            <a:t>报表简介</a:t>
+          </a:r>
+          <a:endParaRPr lang="zh-CN" altLang="en-US" sz="2200" kern="1200" dirty="0"/>
+        </a:p>
+      </dsp:txBody>
+      <dsp:txXfrm>
+        <a:off x="899745" y="1603293"/>
+        <a:ext cx="9556129" cy="458108"/>
+      </dsp:txXfrm>
+    </dsp:sp>
+    <dsp:sp modelId="{AAC2C797-70A2-465D-AD38-01F226FB1A3D}">
+      <dsp:nvSpPr>
+        <dsp:cNvPr id="0" name=""/>
+        <dsp:cNvSpPr/>
+      </dsp:nvSpPr>
+      <dsp:spPr>
+        <a:xfrm>
+          <a:off x="613427" y="1546030"/>
+          <a:ext cx="572636" cy="572636"/>
+        </a:xfrm>
+        <a:prstGeom prst="ellipse">
+          <a:avLst/>
+        </a:prstGeom>
+        <a:solidFill>
+          <a:schemeClr val="lt1">
+            <a:hueOff val="0"/>
+            <a:satOff val="0"/>
+            <a:lumOff val="0"/>
+            <a:alphaOff val="0"/>
+          </a:schemeClr>
+        </a:solidFill>
+        <a:ln w="12700" cap="flat" cmpd="sng" algn="ctr">
+          <a:solidFill>
+            <a:schemeClr val="accent1">
+              <a:hueOff val="0"/>
+              <a:satOff val="0"/>
+              <a:lumOff val="0"/>
+              <a:alphaOff val="0"/>
+            </a:schemeClr>
+          </a:solidFill>
+          <a:prstDash val="solid"/>
+          <a:miter lim="800000"/>
+        </a:ln>
+        <a:effectLst/>
+      </dsp:spPr>
+      <dsp:style>
+        <a:lnRef idx="2">
+          <a:scrgbClr r="0" g="0" b="0"/>
+        </a:lnRef>
+        <a:fillRef idx="1">
+          <a:scrgbClr r="0" g="0" b="0"/>
+        </a:fillRef>
+        <a:effectRef idx="0">
+          <a:scrgbClr r="0" g="0" b="0"/>
+        </a:effectRef>
+        <a:fontRef idx="minor"/>
+      </dsp:style>
+    </dsp:sp>
+    <dsp:sp modelId="{89E92095-C7F0-4D39-9AEC-FD1852489E6B}">
+      <dsp:nvSpPr>
+        <dsp:cNvPr id="0" name=""/>
+        <dsp:cNvSpPr/>
+      </dsp:nvSpPr>
+      <dsp:spPr>
+        <a:xfrm>
+          <a:off x="899745" y="2289935"/>
+          <a:ext cx="9556129" cy="458108"/>
+        </a:xfrm>
+        <a:prstGeom prst="rect">
+          <a:avLst/>
+        </a:prstGeom>
+        <a:solidFill>
+          <a:schemeClr val="accent1">
+            <a:hueOff val="0"/>
+            <a:satOff val="0"/>
+            <a:lumOff val="0"/>
+            <a:alphaOff val="0"/>
+          </a:schemeClr>
+        </a:solidFill>
+        <a:ln w="12700" cap="flat" cmpd="sng" algn="ctr">
+          <a:solidFill>
+            <a:schemeClr val="lt1">
+              <a:hueOff val="0"/>
+              <a:satOff val="0"/>
+              <a:lumOff val="0"/>
+              <a:alphaOff val="0"/>
+            </a:schemeClr>
+          </a:solidFill>
+          <a:prstDash val="solid"/>
+          <a:miter lim="800000"/>
+        </a:ln>
+        <a:effectLst/>
+      </dsp:spPr>
+      <dsp:style>
+        <a:lnRef idx="2">
+          <a:scrgbClr r="0" g="0" b="0"/>
+        </a:lnRef>
+        <a:fillRef idx="1">
+          <a:scrgbClr r="0" g="0" b="0"/>
+        </a:fillRef>
+        <a:effectRef idx="0">
+          <a:scrgbClr r="0" g="0" b="0"/>
+        </a:effectRef>
+        <a:fontRef idx="minor">
+          <a:schemeClr val="lt1"/>
+        </a:fontRef>
+      </dsp:style>
+      <dsp:txBody>
+        <a:bodyPr spcFirstLastPara="0" vert="horz" wrap="square" lIns="363624" tIns="55880" rIns="55880" bIns="55880" numCol="1" spcCol="1270" anchor="ctr" anchorCtr="0">
+          <a:noAutofit/>
+        </a:bodyPr>
+        <a:lstStyle/>
+        <a:p>
+          <a:pPr lvl="0" algn="l" defTabSz="977900">
+            <a:lnSpc>
+              <a:spcPct val="90000"/>
+            </a:lnSpc>
+            <a:spcBef>
+              <a:spcPct val="0"/>
+            </a:spcBef>
+            <a:spcAft>
+              <a:spcPct val="35000"/>
+            </a:spcAft>
+          </a:pPr>
+          <a:r>
+            <a:rPr lang="zh-CN" altLang="en-US" sz="2200" kern="1200" dirty="0" smtClean="0"/>
+            <a:t>事实定义说明</a:t>
+          </a:r>
+          <a:endParaRPr lang="zh-CN" altLang="en-US" sz="2200" kern="1200" dirty="0"/>
+        </a:p>
+      </dsp:txBody>
+      <dsp:txXfrm>
+        <a:off x="899745" y="2289935"/>
+        <a:ext cx="9556129" cy="458108"/>
+      </dsp:txXfrm>
+    </dsp:sp>
+    <dsp:sp modelId="{0FDFAB1B-38CA-42DE-9797-FECF5870B0BC}">
+      <dsp:nvSpPr>
+        <dsp:cNvPr id="0" name=""/>
+        <dsp:cNvSpPr/>
+      </dsp:nvSpPr>
+      <dsp:spPr>
+        <a:xfrm>
+          <a:off x="613427" y="2232671"/>
+          <a:ext cx="572636" cy="572636"/>
+        </a:xfrm>
+        <a:prstGeom prst="ellipse">
+          <a:avLst/>
+        </a:prstGeom>
+        <a:solidFill>
+          <a:schemeClr val="lt1">
+            <a:hueOff val="0"/>
+            <a:satOff val="0"/>
+            <a:lumOff val="0"/>
+            <a:alphaOff val="0"/>
+          </a:schemeClr>
+        </a:solidFill>
+        <a:ln w="12700" cap="flat" cmpd="sng" algn="ctr">
+          <a:solidFill>
+            <a:schemeClr val="accent1">
+              <a:hueOff val="0"/>
+              <a:satOff val="0"/>
+              <a:lumOff val="0"/>
+              <a:alphaOff val="0"/>
+            </a:schemeClr>
+          </a:solidFill>
+          <a:prstDash val="solid"/>
+          <a:miter lim="800000"/>
+        </a:ln>
+        <a:effectLst/>
+      </dsp:spPr>
+      <dsp:style>
+        <a:lnRef idx="2">
+          <a:scrgbClr r="0" g="0" b="0"/>
+        </a:lnRef>
+        <a:fillRef idx="1">
+          <a:scrgbClr r="0" g="0" b="0"/>
+        </a:fillRef>
+        <a:effectRef idx="0">
+          <a:scrgbClr r="0" g="0" b="0"/>
+        </a:effectRef>
+        <a:fontRef idx="minor"/>
+      </dsp:style>
+    </dsp:sp>
+    <dsp:sp modelId="{A6735672-1AB3-4119-A1F9-6AF575F94159}">
+      <dsp:nvSpPr>
+        <dsp:cNvPr id="0" name=""/>
+        <dsp:cNvSpPr/>
+      </dsp:nvSpPr>
+      <dsp:spPr>
+        <a:xfrm>
+          <a:off x="727432" y="2977011"/>
+          <a:ext cx="9728442" cy="458108"/>
+        </a:xfrm>
+        <a:prstGeom prst="rect">
+          <a:avLst/>
+        </a:prstGeom>
+        <a:solidFill>
+          <a:schemeClr val="accent2"/>
+        </a:solidFill>
+        <a:ln w="12700" cap="flat" cmpd="sng" algn="ctr">
+          <a:solidFill>
+            <a:schemeClr val="lt1">
+              <a:hueOff val="0"/>
+              <a:satOff val="0"/>
+              <a:lumOff val="0"/>
+              <a:alphaOff val="0"/>
+            </a:schemeClr>
+          </a:solidFill>
+          <a:prstDash val="solid"/>
+          <a:miter lim="800000"/>
+        </a:ln>
+        <a:effectLst/>
+      </dsp:spPr>
+      <dsp:style>
+        <a:lnRef idx="2">
+          <a:scrgbClr r="0" g="0" b="0"/>
+        </a:lnRef>
+        <a:fillRef idx="1">
+          <a:scrgbClr r="0" g="0" b="0"/>
+        </a:fillRef>
+        <a:effectRef idx="0">
+          <a:scrgbClr r="0" g="0" b="0"/>
+        </a:effectRef>
+        <a:fontRef idx="minor">
+          <a:schemeClr val="lt1"/>
+        </a:fontRef>
+      </dsp:style>
+      <dsp:txBody>
+        <a:bodyPr spcFirstLastPara="0" vert="horz" wrap="square" lIns="363624" tIns="55880" rIns="55880" bIns="55880" numCol="1" spcCol="1270" anchor="ctr" anchorCtr="0">
+          <a:noAutofit/>
+        </a:bodyPr>
+        <a:lstStyle/>
+        <a:p>
+          <a:pPr lvl="0" algn="l" defTabSz="977900">
+            <a:lnSpc>
+              <a:spcPct val="90000"/>
+            </a:lnSpc>
+            <a:spcBef>
+              <a:spcPct val="0"/>
+            </a:spcBef>
+            <a:spcAft>
+              <a:spcPct val="35000"/>
+            </a:spcAft>
+          </a:pPr>
+          <a:r>
+            <a:rPr lang="zh-CN" altLang="en-US" sz="2200" kern="1200" dirty="0" smtClean="0"/>
+            <a:t>新建报表操作指引</a:t>
+          </a:r>
+          <a:endParaRPr lang="zh-CN" altLang="en-US" sz="2200" kern="1200" dirty="0"/>
+        </a:p>
+      </dsp:txBody>
+      <dsp:txXfrm>
+        <a:off x="727432" y="2977011"/>
+        <a:ext cx="9728442" cy="458108"/>
+      </dsp:txXfrm>
+    </dsp:sp>
+    <dsp:sp modelId="{FEA664BA-9AA5-43E0-8AB4-B2847C40E5D7}">
+      <dsp:nvSpPr>
+        <dsp:cNvPr id="0" name=""/>
+        <dsp:cNvSpPr/>
+      </dsp:nvSpPr>
+      <dsp:spPr>
+        <a:xfrm>
+          <a:off x="441114" y="2919747"/>
+          <a:ext cx="572636" cy="572636"/>
+        </a:xfrm>
+        <a:prstGeom prst="ellipse">
+          <a:avLst/>
+        </a:prstGeom>
+        <a:solidFill>
+          <a:schemeClr val="lt1">
+            <a:hueOff val="0"/>
+            <a:satOff val="0"/>
+            <a:lumOff val="0"/>
+            <a:alphaOff val="0"/>
+          </a:schemeClr>
+        </a:solidFill>
+        <a:ln w="12700" cap="flat" cmpd="sng" algn="ctr">
+          <a:solidFill>
+            <a:schemeClr val="accent1">
+              <a:hueOff val="0"/>
+              <a:satOff val="0"/>
+              <a:lumOff val="0"/>
+              <a:alphaOff val="0"/>
+            </a:schemeClr>
+          </a:solidFill>
+          <a:prstDash val="solid"/>
+          <a:miter lim="800000"/>
+        </a:ln>
+        <a:effectLst/>
+      </dsp:spPr>
+      <dsp:style>
+        <a:lnRef idx="2">
+          <a:scrgbClr r="0" g="0" b="0"/>
+        </a:lnRef>
+        <a:fillRef idx="1">
+          <a:scrgbClr r="0" g="0" b="0"/>
+        </a:fillRef>
+        <a:effectRef idx="0">
+          <a:scrgbClr r="0" g="0" b="0"/>
+        </a:effectRef>
+        <a:fontRef idx="minor"/>
+      </dsp:style>
+    </dsp:sp>
+    <dsp:sp modelId="{244BC050-D638-41EE-BAAB-F61FCF942315}">
+      <dsp:nvSpPr>
+        <dsp:cNvPr id="0" name=""/>
+        <dsp:cNvSpPr/>
+      </dsp:nvSpPr>
+      <dsp:spPr>
+        <a:xfrm>
+          <a:off x="350606" y="3664087"/>
+          <a:ext cx="10105268" cy="458108"/>
+        </a:xfrm>
+        <a:prstGeom prst="rect">
+          <a:avLst/>
+        </a:prstGeom>
+        <a:solidFill>
+          <a:schemeClr val="accent1">
+            <a:hueOff val="0"/>
+            <a:satOff val="0"/>
+            <a:lumOff val="0"/>
+            <a:alphaOff val="0"/>
+          </a:schemeClr>
+        </a:solidFill>
+        <a:ln w="12700" cap="flat" cmpd="sng" algn="ctr">
+          <a:solidFill>
+            <a:schemeClr val="lt1">
+              <a:hueOff val="0"/>
+              <a:satOff val="0"/>
+              <a:lumOff val="0"/>
+              <a:alphaOff val="0"/>
+            </a:schemeClr>
+          </a:solidFill>
+          <a:prstDash val="solid"/>
+          <a:miter lim="800000"/>
+        </a:ln>
+        <a:effectLst/>
+      </dsp:spPr>
+      <dsp:style>
+        <a:lnRef idx="2">
+          <a:scrgbClr r="0" g="0" b="0"/>
+        </a:lnRef>
+        <a:fillRef idx="1">
+          <a:scrgbClr r="0" g="0" b="0"/>
+        </a:fillRef>
+        <a:effectRef idx="0">
+          <a:scrgbClr r="0" g="0" b="0"/>
+        </a:effectRef>
+        <a:fontRef idx="minor">
+          <a:schemeClr val="lt1"/>
+        </a:fontRef>
+      </dsp:style>
+      <dsp:txBody>
+        <a:bodyPr spcFirstLastPara="0" vert="horz" wrap="square" lIns="363624" tIns="55880" rIns="55880" bIns="55880" numCol="1" spcCol="1270" anchor="ctr" anchorCtr="0">
+          <a:noAutofit/>
+        </a:bodyPr>
+        <a:lstStyle/>
+        <a:p>
+          <a:pPr lvl="0" algn="l" defTabSz="977900">
+            <a:lnSpc>
+              <a:spcPct val="90000"/>
+            </a:lnSpc>
+            <a:spcBef>
+              <a:spcPct val="0"/>
+            </a:spcBef>
+            <a:spcAft>
+              <a:spcPct val="35000"/>
+            </a:spcAft>
+          </a:pPr>
+          <a:r>
+            <a:rPr lang="zh-CN" altLang="en-US" sz="2200" kern="1200" dirty="0" smtClean="0"/>
+            <a:t>注意要点</a:t>
+          </a:r>
+          <a:endParaRPr lang="zh-CN" altLang="en-US" sz="2200" kern="1200" dirty="0"/>
+        </a:p>
+      </dsp:txBody>
+      <dsp:txXfrm>
+        <a:off x="350606" y="3664087"/>
+        <a:ext cx="10105268" cy="458108"/>
+      </dsp:txXfrm>
+    </dsp:sp>
+    <dsp:sp modelId="{8EE72BC1-0F74-446F-B92A-C25A46FB65F3}">
+      <dsp:nvSpPr>
+        <dsp:cNvPr id="0" name=""/>
+        <dsp:cNvSpPr/>
+      </dsp:nvSpPr>
+      <dsp:spPr>
+        <a:xfrm>
+          <a:off x="64288" y="3606824"/>
+          <a:ext cx="572636" cy="572636"/>
+        </a:xfrm>
+        <a:prstGeom prst="ellipse">
+          <a:avLst/>
+        </a:prstGeom>
+        <a:solidFill>
+          <a:schemeClr val="lt1">
+            <a:hueOff val="0"/>
+            <a:satOff val="0"/>
+            <a:lumOff val="0"/>
+            <a:alphaOff val="0"/>
+          </a:schemeClr>
+        </a:solidFill>
+        <a:ln w="12700" cap="flat" cmpd="sng" algn="ctr">
+          <a:solidFill>
+            <a:schemeClr val="accent1">
+              <a:hueOff val="0"/>
+              <a:satOff val="0"/>
+              <a:lumOff val="0"/>
+              <a:alphaOff val="0"/>
+            </a:schemeClr>
+          </a:solidFill>
+          <a:prstDash val="solid"/>
+          <a:miter lim="800000"/>
+        </a:ln>
+        <a:effectLst/>
+      </dsp:spPr>
+      <dsp:style>
+        <a:lnRef idx="2">
+          <a:scrgbClr r="0" g="0" b="0"/>
+        </a:lnRef>
+        <a:fillRef idx="1">
+          <a:scrgbClr r="0" g="0" b="0"/>
+        </a:fillRef>
+        <a:effectRef idx="0">
+          <a:scrgbClr r="0" g="0" b="0"/>
+        </a:effectRef>
+        <a:fontRef idx="minor"/>
+      </dsp:style>
+    </dsp:sp>
   </dsp:spTree>
 </dsp:drawing>
 </file>
 
 <file path=ppt/diagrams/drawing6.xml><?xml version="1.0" encoding="utf-8"?>
-<dsp:drawing xmlns:dgm="http://schemas.openxmlformats.org/drawingml/2006/diagram" xmlns:dsp="http://schemas.microsoft.com/office/drawing/2008/diagram" xmlns:a="http://schemas.openxmlformats.org/drawingml/2006/main">
+<dsp:drawing xmlns:dgm="http://schemas.openxmlformats.org/drawingml/2006/diagram" xmlns:a="http://schemas.openxmlformats.org/drawingml/2006/main" xmlns:dsp="http://schemas.microsoft.com/office/drawing/2008/diagram">
   <dsp:spTree>
     <dsp:nvGrpSpPr>
       <dsp:cNvPr id="0" name=""/>
       <dsp:cNvGrpSpPr/>
     </dsp:nvGrpSpPr>
     <dsp:grpSpPr/>
+    <dsp:sp modelId="{ADE8B486-37B3-4627-9C1D-988A9EB0AB71}">
+      <dsp:nvSpPr>
+        <dsp:cNvPr id="0" name=""/>
+        <dsp:cNvSpPr/>
+      </dsp:nvSpPr>
+      <dsp:spPr>
+        <a:xfrm>
+          <a:off x="-4919424" y="-753830"/>
+          <a:ext cx="5858998" cy="5858998"/>
+        </a:xfrm>
+        <a:prstGeom prst="blockArc">
+          <a:avLst>
+            <a:gd name="adj1" fmla="val 18900000"/>
+            <a:gd name="adj2" fmla="val 2700000"/>
+            <a:gd name="adj3" fmla="val 369"/>
+          </a:avLst>
+        </a:prstGeom>
+        <a:noFill/>
+        <a:ln w="12700" cap="flat" cmpd="sng" algn="ctr">
+          <a:solidFill>
+            <a:schemeClr val="accent1">
+              <a:shade val="60000"/>
+              <a:hueOff val="0"/>
+              <a:satOff val="0"/>
+              <a:lumOff val="0"/>
+              <a:alphaOff val="0"/>
+            </a:schemeClr>
+          </a:solidFill>
+          <a:prstDash val="solid"/>
+          <a:miter lim="800000"/>
+        </a:ln>
+        <a:effectLst/>
+      </dsp:spPr>
+      <dsp:style>
+        <a:lnRef idx="2">
+          <a:scrgbClr r="0" g="0" b="0"/>
+        </a:lnRef>
+        <a:fillRef idx="0">
+          <a:scrgbClr r="0" g="0" b="0"/>
+        </a:fillRef>
+        <a:effectRef idx="0">
+          <a:scrgbClr r="0" g="0" b="0"/>
+        </a:effectRef>
+        <a:fontRef idx="minor"/>
+      </dsp:style>
+    </dsp:sp>
+    <dsp:sp modelId="{E28BCFE3-D33D-478D-B17A-BFC0FE07559A}">
+      <dsp:nvSpPr>
+        <dsp:cNvPr id="0" name=""/>
+        <dsp:cNvSpPr/>
+      </dsp:nvSpPr>
+      <dsp:spPr>
+        <a:xfrm>
+          <a:off x="350606" y="229141"/>
+          <a:ext cx="10105268" cy="458108"/>
+        </a:xfrm>
+        <a:prstGeom prst="rect">
+          <a:avLst/>
+        </a:prstGeom>
+        <a:solidFill>
+          <a:schemeClr val="accent1">
+            <a:hueOff val="0"/>
+            <a:satOff val="0"/>
+            <a:lumOff val="0"/>
+            <a:alphaOff val="0"/>
+          </a:schemeClr>
+        </a:solidFill>
+        <a:ln w="12700" cap="flat" cmpd="sng" algn="ctr">
+          <a:solidFill>
+            <a:schemeClr val="lt1">
+              <a:hueOff val="0"/>
+              <a:satOff val="0"/>
+              <a:lumOff val="0"/>
+              <a:alphaOff val="0"/>
+            </a:schemeClr>
+          </a:solidFill>
+          <a:prstDash val="solid"/>
+          <a:miter lim="800000"/>
+        </a:ln>
+        <a:effectLst/>
+      </dsp:spPr>
+      <dsp:style>
+        <a:lnRef idx="2">
+          <a:scrgbClr r="0" g="0" b="0"/>
+        </a:lnRef>
+        <a:fillRef idx="1">
+          <a:scrgbClr r="0" g="0" b="0"/>
+        </a:fillRef>
+        <a:effectRef idx="0">
+          <a:scrgbClr r="0" g="0" b="0"/>
+        </a:effectRef>
+        <a:fontRef idx="minor">
+          <a:schemeClr val="lt1"/>
+        </a:fontRef>
+      </dsp:style>
+      <dsp:txBody>
+        <a:bodyPr spcFirstLastPara="0" vert="horz" wrap="square" lIns="363624" tIns="55880" rIns="55880" bIns="55880" numCol="1" spcCol="1270" anchor="ctr" anchorCtr="0">
+          <a:noAutofit/>
+        </a:bodyPr>
+        <a:lstStyle/>
+        <a:p>
+          <a:pPr lvl="0" algn="l" defTabSz="977900">
+            <a:lnSpc>
+              <a:spcPct val="90000"/>
+            </a:lnSpc>
+            <a:spcBef>
+              <a:spcPct val="0"/>
+            </a:spcBef>
+            <a:spcAft>
+              <a:spcPct val="35000"/>
+            </a:spcAft>
+          </a:pPr>
+          <a:r>
+            <a:rPr lang="zh-CN" altLang="en-US" sz="2200" kern="1200" dirty="0" smtClean="0"/>
+            <a:t>应用场景分析</a:t>
+          </a:r>
+          <a:endParaRPr lang="zh-CN" altLang="en-US" sz="2200" kern="1200" dirty="0"/>
+        </a:p>
+      </dsp:txBody>
+      <dsp:txXfrm>
+        <a:off x="350606" y="229141"/>
+        <a:ext cx="10105268" cy="458108"/>
+      </dsp:txXfrm>
+    </dsp:sp>
+    <dsp:sp modelId="{42170C73-EAE7-4624-B235-90B7A871CC57}">
+      <dsp:nvSpPr>
+        <dsp:cNvPr id="0" name=""/>
+        <dsp:cNvSpPr/>
+      </dsp:nvSpPr>
+      <dsp:spPr>
+        <a:xfrm>
+          <a:off x="64288" y="171877"/>
+          <a:ext cx="572636" cy="572636"/>
+        </a:xfrm>
+        <a:prstGeom prst="ellipse">
+          <a:avLst/>
+        </a:prstGeom>
+        <a:solidFill>
+          <a:schemeClr val="lt1">
+            <a:hueOff val="0"/>
+            <a:satOff val="0"/>
+            <a:lumOff val="0"/>
+            <a:alphaOff val="0"/>
+          </a:schemeClr>
+        </a:solidFill>
+        <a:ln w="12700" cap="flat" cmpd="sng" algn="ctr">
+          <a:solidFill>
+            <a:schemeClr val="accent1">
+              <a:hueOff val="0"/>
+              <a:satOff val="0"/>
+              <a:lumOff val="0"/>
+              <a:alphaOff val="0"/>
+            </a:schemeClr>
+          </a:solidFill>
+          <a:prstDash val="solid"/>
+          <a:miter lim="800000"/>
+        </a:ln>
+        <a:effectLst/>
+      </dsp:spPr>
+      <dsp:style>
+        <a:lnRef idx="2">
+          <a:scrgbClr r="0" g="0" b="0"/>
+        </a:lnRef>
+        <a:fillRef idx="1">
+          <a:scrgbClr r="0" g="0" b="0"/>
+        </a:fillRef>
+        <a:effectRef idx="0">
+          <a:scrgbClr r="0" g="0" b="0"/>
+        </a:effectRef>
+        <a:fontRef idx="minor"/>
+      </dsp:style>
+    </dsp:sp>
+    <dsp:sp modelId="{70B733E9-978D-40FF-8252-762A07F69BDA}">
+      <dsp:nvSpPr>
+        <dsp:cNvPr id="0" name=""/>
+        <dsp:cNvSpPr/>
+      </dsp:nvSpPr>
+      <dsp:spPr>
+        <a:xfrm>
+          <a:off x="727432" y="916217"/>
+          <a:ext cx="9728442" cy="458108"/>
+        </a:xfrm>
+        <a:prstGeom prst="rect">
+          <a:avLst/>
+        </a:prstGeom>
+        <a:solidFill>
+          <a:schemeClr val="accent1">
+            <a:hueOff val="0"/>
+            <a:satOff val="0"/>
+            <a:lumOff val="0"/>
+            <a:alphaOff val="0"/>
+          </a:schemeClr>
+        </a:solidFill>
+        <a:ln w="12700" cap="flat" cmpd="sng" algn="ctr">
+          <a:solidFill>
+            <a:schemeClr val="lt1">
+              <a:hueOff val="0"/>
+              <a:satOff val="0"/>
+              <a:lumOff val="0"/>
+              <a:alphaOff val="0"/>
+            </a:schemeClr>
+          </a:solidFill>
+          <a:prstDash val="solid"/>
+          <a:miter lim="800000"/>
+        </a:ln>
+        <a:effectLst/>
+      </dsp:spPr>
+      <dsp:style>
+        <a:lnRef idx="2">
+          <a:scrgbClr r="0" g="0" b="0"/>
+        </a:lnRef>
+        <a:fillRef idx="1">
+          <a:scrgbClr r="0" g="0" b="0"/>
+        </a:fillRef>
+        <a:effectRef idx="0">
+          <a:scrgbClr r="0" g="0" b="0"/>
+        </a:effectRef>
+        <a:fontRef idx="minor">
+          <a:schemeClr val="lt1"/>
+        </a:fontRef>
+      </dsp:style>
+      <dsp:txBody>
+        <a:bodyPr spcFirstLastPara="0" vert="horz" wrap="square" lIns="363624" tIns="55880" rIns="55880" bIns="55880" numCol="1" spcCol="1270" anchor="ctr" anchorCtr="0">
+          <a:noAutofit/>
+        </a:bodyPr>
+        <a:lstStyle/>
+        <a:p>
+          <a:pPr lvl="0" algn="l" defTabSz="977900">
+            <a:lnSpc>
+              <a:spcPct val="90000"/>
+            </a:lnSpc>
+            <a:spcBef>
+              <a:spcPct val="0"/>
+            </a:spcBef>
+            <a:spcAft>
+              <a:spcPct val="35000"/>
+            </a:spcAft>
+          </a:pPr>
+          <a:r>
+            <a:rPr lang="zh-CN" altLang="en-US" sz="2200" kern="1200" dirty="0" smtClean="0"/>
+            <a:t>报表展示</a:t>
+          </a:r>
+          <a:endParaRPr lang="zh-CN" altLang="en-US" sz="2200" kern="1200" dirty="0"/>
+        </a:p>
+      </dsp:txBody>
+      <dsp:txXfrm>
+        <a:off x="727432" y="916217"/>
+        <a:ext cx="9728442" cy="458108"/>
+      </dsp:txXfrm>
+    </dsp:sp>
+    <dsp:sp modelId="{80513BFB-41B2-48CD-B383-6DA944F2C680}">
+      <dsp:nvSpPr>
+        <dsp:cNvPr id="0" name=""/>
+        <dsp:cNvSpPr/>
+      </dsp:nvSpPr>
+      <dsp:spPr>
+        <a:xfrm>
+          <a:off x="441114" y="858954"/>
+          <a:ext cx="572636" cy="572636"/>
+        </a:xfrm>
+        <a:prstGeom prst="ellipse">
+          <a:avLst/>
+        </a:prstGeom>
+        <a:solidFill>
+          <a:schemeClr val="lt1">
+            <a:hueOff val="0"/>
+            <a:satOff val="0"/>
+            <a:lumOff val="0"/>
+            <a:alphaOff val="0"/>
+          </a:schemeClr>
+        </a:solidFill>
+        <a:ln w="12700" cap="flat" cmpd="sng" algn="ctr">
+          <a:solidFill>
+            <a:schemeClr val="accent1">
+              <a:hueOff val="0"/>
+              <a:satOff val="0"/>
+              <a:lumOff val="0"/>
+              <a:alphaOff val="0"/>
+            </a:schemeClr>
+          </a:solidFill>
+          <a:prstDash val="solid"/>
+          <a:miter lim="800000"/>
+        </a:ln>
+        <a:effectLst/>
+      </dsp:spPr>
+      <dsp:style>
+        <a:lnRef idx="2">
+          <a:scrgbClr r="0" g="0" b="0"/>
+        </a:lnRef>
+        <a:fillRef idx="1">
+          <a:scrgbClr r="0" g="0" b="0"/>
+        </a:fillRef>
+        <a:effectRef idx="0">
+          <a:scrgbClr r="0" g="0" b="0"/>
+        </a:effectRef>
+        <a:fontRef idx="minor"/>
+      </dsp:style>
+    </dsp:sp>
+    <dsp:sp modelId="{D0472C36-3790-4B49-98FC-5D0BA46EB0B9}">
+      <dsp:nvSpPr>
+        <dsp:cNvPr id="0" name=""/>
+        <dsp:cNvSpPr/>
+      </dsp:nvSpPr>
+      <dsp:spPr>
+        <a:xfrm>
+          <a:off x="899745" y="1603293"/>
+          <a:ext cx="9556129" cy="458108"/>
+        </a:xfrm>
+        <a:prstGeom prst="rect">
+          <a:avLst/>
+        </a:prstGeom>
+        <a:solidFill>
+          <a:schemeClr val="accent1">
+            <a:hueOff val="0"/>
+            <a:satOff val="0"/>
+            <a:lumOff val="0"/>
+            <a:alphaOff val="0"/>
+          </a:schemeClr>
+        </a:solidFill>
+        <a:ln w="12700" cap="flat" cmpd="sng" algn="ctr">
+          <a:solidFill>
+            <a:schemeClr val="lt1">
+              <a:hueOff val="0"/>
+              <a:satOff val="0"/>
+              <a:lumOff val="0"/>
+              <a:alphaOff val="0"/>
+            </a:schemeClr>
+          </a:solidFill>
+          <a:prstDash val="solid"/>
+          <a:miter lim="800000"/>
+        </a:ln>
+        <a:effectLst/>
+      </dsp:spPr>
+      <dsp:style>
+        <a:lnRef idx="2">
+          <a:scrgbClr r="0" g="0" b="0"/>
+        </a:lnRef>
+        <a:fillRef idx="1">
+          <a:scrgbClr r="0" g="0" b="0"/>
+        </a:fillRef>
+        <a:effectRef idx="0">
+          <a:scrgbClr r="0" g="0" b="0"/>
+        </a:effectRef>
+        <a:fontRef idx="minor">
+          <a:schemeClr val="lt1"/>
+        </a:fontRef>
+      </dsp:style>
+      <dsp:txBody>
+        <a:bodyPr spcFirstLastPara="0" vert="horz" wrap="square" lIns="363624" tIns="55880" rIns="55880" bIns="55880" numCol="1" spcCol="1270" anchor="ctr" anchorCtr="0">
+          <a:noAutofit/>
+        </a:bodyPr>
+        <a:lstStyle/>
+        <a:p>
+          <a:pPr lvl="0" algn="l" defTabSz="977900">
+            <a:lnSpc>
+              <a:spcPct val="90000"/>
+            </a:lnSpc>
+            <a:spcBef>
+              <a:spcPct val="0"/>
+            </a:spcBef>
+            <a:spcAft>
+              <a:spcPct val="35000"/>
+            </a:spcAft>
+          </a:pPr>
+          <a:r>
+            <a:rPr lang="zh-CN" altLang="en-US" sz="2200" kern="1200" dirty="0" smtClean="0"/>
+            <a:t>报表简介</a:t>
+          </a:r>
+          <a:endParaRPr lang="zh-CN" altLang="en-US" sz="2200" kern="1200" dirty="0"/>
+        </a:p>
+      </dsp:txBody>
+      <dsp:txXfrm>
+        <a:off x="899745" y="1603293"/>
+        <a:ext cx="9556129" cy="458108"/>
+      </dsp:txXfrm>
+    </dsp:sp>
+    <dsp:sp modelId="{AAC2C797-70A2-465D-AD38-01F226FB1A3D}">
+      <dsp:nvSpPr>
+        <dsp:cNvPr id="0" name=""/>
+        <dsp:cNvSpPr/>
+      </dsp:nvSpPr>
+      <dsp:spPr>
+        <a:xfrm>
+          <a:off x="613427" y="1546030"/>
+          <a:ext cx="572636" cy="572636"/>
+        </a:xfrm>
+        <a:prstGeom prst="ellipse">
+          <a:avLst/>
+        </a:prstGeom>
+        <a:solidFill>
+          <a:schemeClr val="lt1">
+            <a:hueOff val="0"/>
+            <a:satOff val="0"/>
+            <a:lumOff val="0"/>
+            <a:alphaOff val="0"/>
+          </a:schemeClr>
+        </a:solidFill>
+        <a:ln w="12700" cap="flat" cmpd="sng" algn="ctr">
+          <a:solidFill>
+            <a:schemeClr val="accent1">
+              <a:hueOff val="0"/>
+              <a:satOff val="0"/>
+              <a:lumOff val="0"/>
+              <a:alphaOff val="0"/>
+            </a:schemeClr>
+          </a:solidFill>
+          <a:prstDash val="solid"/>
+          <a:miter lim="800000"/>
+        </a:ln>
+        <a:effectLst/>
+      </dsp:spPr>
+      <dsp:style>
+        <a:lnRef idx="2">
+          <a:scrgbClr r="0" g="0" b="0"/>
+        </a:lnRef>
+        <a:fillRef idx="1">
+          <a:scrgbClr r="0" g="0" b="0"/>
+        </a:fillRef>
+        <a:effectRef idx="0">
+          <a:scrgbClr r="0" g="0" b="0"/>
+        </a:effectRef>
+        <a:fontRef idx="minor"/>
+      </dsp:style>
+    </dsp:sp>
+    <dsp:sp modelId="{229CE928-3870-4A17-AD3F-CE5E4AA40D31}">
+      <dsp:nvSpPr>
+        <dsp:cNvPr id="0" name=""/>
+        <dsp:cNvSpPr/>
+      </dsp:nvSpPr>
+      <dsp:spPr>
+        <a:xfrm>
+          <a:off x="899745" y="2289935"/>
+          <a:ext cx="9556129" cy="458108"/>
+        </a:xfrm>
+        <a:prstGeom prst="rect">
+          <a:avLst/>
+        </a:prstGeom>
+        <a:solidFill>
+          <a:schemeClr val="accent1">
+            <a:hueOff val="0"/>
+            <a:satOff val="0"/>
+            <a:lumOff val="0"/>
+            <a:alphaOff val="0"/>
+          </a:schemeClr>
+        </a:solidFill>
+        <a:ln w="12700" cap="flat" cmpd="sng" algn="ctr">
+          <a:solidFill>
+            <a:schemeClr val="lt1">
+              <a:hueOff val="0"/>
+              <a:satOff val="0"/>
+              <a:lumOff val="0"/>
+              <a:alphaOff val="0"/>
+            </a:schemeClr>
+          </a:solidFill>
+          <a:prstDash val="solid"/>
+          <a:miter lim="800000"/>
+        </a:ln>
+        <a:effectLst/>
+      </dsp:spPr>
+      <dsp:style>
+        <a:lnRef idx="2">
+          <a:scrgbClr r="0" g="0" b="0"/>
+        </a:lnRef>
+        <a:fillRef idx="1">
+          <a:scrgbClr r="0" g="0" b="0"/>
+        </a:fillRef>
+        <a:effectRef idx="0">
+          <a:scrgbClr r="0" g="0" b="0"/>
+        </a:effectRef>
+        <a:fontRef idx="minor">
+          <a:schemeClr val="lt1"/>
+        </a:fontRef>
+      </dsp:style>
+      <dsp:txBody>
+        <a:bodyPr spcFirstLastPara="0" vert="horz" wrap="square" lIns="363624" tIns="55880" rIns="55880" bIns="55880" numCol="1" spcCol="1270" anchor="ctr" anchorCtr="0">
+          <a:noAutofit/>
+        </a:bodyPr>
+        <a:lstStyle/>
+        <a:p>
+          <a:pPr lvl="0" algn="l" defTabSz="977900">
+            <a:lnSpc>
+              <a:spcPct val="90000"/>
+            </a:lnSpc>
+            <a:spcBef>
+              <a:spcPct val="0"/>
+            </a:spcBef>
+            <a:spcAft>
+              <a:spcPct val="35000"/>
+            </a:spcAft>
+          </a:pPr>
+          <a:r>
+            <a:rPr lang="zh-CN" altLang="en-US" sz="2200" kern="1200" dirty="0" smtClean="0"/>
+            <a:t>事实定义说明</a:t>
+          </a:r>
+          <a:endParaRPr lang="zh-CN" altLang="en-US" sz="2200" kern="1200" dirty="0"/>
+        </a:p>
+      </dsp:txBody>
+      <dsp:txXfrm>
+        <a:off x="899745" y="2289935"/>
+        <a:ext cx="9556129" cy="458108"/>
+      </dsp:txXfrm>
+    </dsp:sp>
+    <dsp:sp modelId="{0FDFAB1B-38CA-42DE-9797-FECF5870B0BC}">
+      <dsp:nvSpPr>
+        <dsp:cNvPr id="0" name=""/>
+        <dsp:cNvSpPr/>
+      </dsp:nvSpPr>
+      <dsp:spPr>
+        <a:xfrm>
+          <a:off x="613427" y="2232671"/>
+          <a:ext cx="572636" cy="572636"/>
+        </a:xfrm>
+        <a:prstGeom prst="ellipse">
+          <a:avLst/>
+        </a:prstGeom>
+        <a:solidFill>
+          <a:schemeClr val="lt1">
+            <a:hueOff val="0"/>
+            <a:satOff val="0"/>
+            <a:lumOff val="0"/>
+            <a:alphaOff val="0"/>
+          </a:schemeClr>
+        </a:solidFill>
+        <a:ln w="12700" cap="flat" cmpd="sng" algn="ctr">
+          <a:solidFill>
+            <a:schemeClr val="accent1">
+              <a:hueOff val="0"/>
+              <a:satOff val="0"/>
+              <a:lumOff val="0"/>
+              <a:alphaOff val="0"/>
+            </a:schemeClr>
+          </a:solidFill>
+          <a:prstDash val="solid"/>
+          <a:miter lim="800000"/>
+        </a:ln>
+        <a:effectLst/>
+      </dsp:spPr>
+      <dsp:style>
+        <a:lnRef idx="2">
+          <a:scrgbClr r="0" g="0" b="0"/>
+        </a:lnRef>
+        <a:fillRef idx="1">
+          <a:scrgbClr r="0" g="0" b="0"/>
+        </a:fillRef>
+        <a:effectRef idx="0">
+          <a:scrgbClr r="0" g="0" b="0"/>
+        </a:effectRef>
+        <a:fontRef idx="minor"/>
+      </dsp:style>
+    </dsp:sp>
+    <dsp:sp modelId="{D9576136-643F-4EAB-A128-BB0F39F12FE6}">
+      <dsp:nvSpPr>
+        <dsp:cNvPr id="0" name=""/>
+        <dsp:cNvSpPr/>
+      </dsp:nvSpPr>
+      <dsp:spPr>
+        <a:xfrm>
+          <a:off x="727432" y="2977011"/>
+          <a:ext cx="9728442" cy="458108"/>
+        </a:xfrm>
+        <a:prstGeom prst="rect">
+          <a:avLst/>
+        </a:prstGeom>
+        <a:solidFill>
+          <a:schemeClr val="accent1">
+            <a:hueOff val="0"/>
+            <a:satOff val="0"/>
+            <a:lumOff val="0"/>
+            <a:alphaOff val="0"/>
+          </a:schemeClr>
+        </a:solidFill>
+        <a:ln w="12700" cap="flat" cmpd="sng" algn="ctr">
+          <a:solidFill>
+            <a:schemeClr val="lt1">
+              <a:hueOff val="0"/>
+              <a:satOff val="0"/>
+              <a:lumOff val="0"/>
+              <a:alphaOff val="0"/>
+            </a:schemeClr>
+          </a:solidFill>
+          <a:prstDash val="solid"/>
+          <a:miter lim="800000"/>
+        </a:ln>
+        <a:effectLst/>
+      </dsp:spPr>
+      <dsp:style>
+        <a:lnRef idx="2">
+          <a:scrgbClr r="0" g="0" b="0"/>
+        </a:lnRef>
+        <a:fillRef idx="1">
+          <a:scrgbClr r="0" g="0" b="0"/>
+        </a:fillRef>
+        <a:effectRef idx="0">
+          <a:scrgbClr r="0" g="0" b="0"/>
+        </a:effectRef>
+        <a:fontRef idx="minor">
+          <a:schemeClr val="lt1"/>
+        </a:fontRef>
+      </dsp:style>
+      <dsp:txBody>
+        <a:bodyPr spcFirstLastPara="0" vert="horz" wrap="square" lIns="363624" tIns="55880" rIns="55880" bIns="55880" numCol="1" spcCol="1270" anchor="ctr" anchorCtr="0">
+          <a:noAutofit/>
+        </a:bodyPr>
+        <a:lstStyle/>
+        <a:p>
+          <a:pPr lvl="0" algn="l" defTabSz="977900">
+            <a:lnSpc>
+              <a:spcPct val="90000"/>
+            </a:lnSpc>
+            <a:spcBef>
+              <a:spcPct val="0"/>
+            </a:spcBef>
+            <a:spcAft>
+              <a:spcPct val="35000"/>
+            </a:spcAft>
+          </a:pPr>
+          <a:r>
+            <a:rPr lang="zh-CN" altLang="en-US" sz="2200" kern="1200" dirty="0" smtClean="0"/>
+            <a:t>新建报表操作指引</a:t>
+          </a:r>
+          <a:endParaRPr lang="zh-CN" altLang="en-US" sz="2200" kern="1200" dirty="0"/>
+        </a:p>
+      </dsp:txBody>
+      <dsp:txXfrm>
+        <a:off x="727432" y="2977011"/>
+        <a:ext cx="9728442" cy="458108"/>
+      </dsp:txXfrm>
+    </dsp:sp>
+    <dsp:sp modelId="{FEA664BA-9AA5-43E0-8AB4-B2847C40E5D7}">
+      <dsp:nvSpPr>
+        <dsp:cNvPr id="0" name=""/>
+        <dsp:cNvSpPr/>
+      </dsp:nvSpPr>
+      <dsp:spPr>
+        <a:xfrm>
+          <a:off x="441114" y="2919747"/>
+          <a:ext cx="572636" cy="572636"/>
+        </a:xfrm>
+        <a:prstGeom prst="ellipse">
+          <a:avLst/>
+        </a:prstGeom>
+        <a:solidFill>
+          <a:schemeClr val="lt1">
+            <a:hueOff val="0"/>
+            <a:satOff val="0"/>
+            <a:lumOff val="0"/>
+            <a:alphaOff val="0"/>
+          </a:schemeClr>
+        </a:solidFill>
+        <a:ln w="12700" cap="flat" cmpd="sng" algn="ctr">
+          <a:solidFill>
+            <a:schemeClr val="accent1">
+              <a:hueOff val="0"/>
+              <a:satOff val="0"/>
+              <a:lumOff val="0"/>
+              <a:alphaOff val="0"/>
+            </a:schemeClr>
+          </a:solidFill>
+          <a:prstDash val="solid"/>
+          <a:miter lim="800000"/>
+        </a:ln>
+        <a:effectLst/>
+      </dsp:spPr>
+      <dsp:style>
+        <a:lnRef idx="2">
+          <a:scrgbClr r="0" g="0" b="0"/>
+        </a:lnRef>
+        <a:fillRef idx="1">
+          <a:scrgbClr r="0" g="0" b="0"/>
+        </a:fillRef>
+        <a:effectRef idx="0">
+          <a:scrgbClr r="0" g="0" b="0"/>
+        </a:effectRef>
+        <a:fontRef idx="minor"/>
+      </dsp:style>
+    </dsp:sp>
+    <dsp:sp modelId="{E7D41F5C-DDF9-49FC-B210-9BAA25CED3E6}">
+      <dsp:nvSpPr>
+        <dsp:cNvPr id="0" name=""/>
+        <dsp:cNvSpPr/>
+      </dsp:nvSpPr>
+      <dsp:spPr>
+        <a:xfrm>
+          <a:off x="350606" y="3664087"/>
+          <a:ext cx="10105268" cy="458108"/>
+        </a:xfrm>
+        <a:prstGeom prst="rect">
+          <a:avLst/>
+        </a:prstGeom>
+        <a:solidFill>
+          <a:schemeClr val="accent2"/>
+        </a:solidFill>
+        <a:ln w="12700" cap="flat" cmpd="sng" algn="ctr">
+          <a:solidFill>
+            <a:schemeClr val="lt1">
+              <a:hueOff val="0"/>
+              <a:satOff val="0"/>
+              <a:lumOff val="0"/>
+              <a:alphaOff val="0"/>
+            </a:schemeClr>
+          </a:solidFill>
+          <a:prstDash val="solid"/>
+          <a:miter lim="800000"/>
+        </a:ln>
+        <a:effectLst/>
+      </dsp:spPr>
+      <dsp:style>
+        <a:lnRef idx="2">
+          <a:scrgbClr r="0" g="0" b="0"/>
+        </a:lnRef>
+        <a:fillRef idx="1">
+          <a:scrgbClr r="0" g="0" b="0"/>
+        </a:fillRef>
+        <a:effectRef idx="0">
+          <a:scrgbClr r="0" g="0" b="0"/>
+        </a:effectRef>
+        <a:fontRef idx="minor">
+          <a:schemeClr val="lt1"/>
+        </a:fontRef>
+      </dsp:style>
+      <dsp:txBody>
+        <a:bodyPr spcFirstLastPara="0" vert="horz" wrap="square" lIns="363624" tIns="55880" rIns="55880" bIns="55880" numCol="1" spcCol="1270" anchor="ctr" anchorCtr="0">
+          <a:noAutofit/>
+        </a:bodyPr>
+        <a:lstStyle/>
+        <a:p>
+          <a:pPr lvl="0" algn="l" defTabSz="977900">
+            <a:lnSpc>
+              <a:spcPct val="90000"/>
+            </a:lnSpc>
+            <a:spcBef>
+              <a:spcPct val="0"/>
+            </a:spcBef>
+            <a:spcAft>
+              <a:spcPct val="35000"/>
+            </a:spcAft>
+          </a:pPr>
+          <a:r>
+            <a:rPr lang="zh-CN" altLang="en-US" sz="2200" kern="1200" dirty="0" smtClean="0"/>
+            <a:t>注意要点</a:t>
+          </a:r>
+          <a:endParaRPr lang="zh-CN" altLang="en-US" sz="2200" kern="1200" dirty="0"/>
+        </a:p>
+      </dsp:txBody>
+      <dsp:txXfrm>
+        <a:off x="350606" y="3664087"/>
+        <a:ext cx="10105268" cy="458108"/>
+      </dsp:txXfrm>
+    </dsp:sp>
+    <dsp:sp modelId="{8EE72BC1-0F74-446F-B92A-C25A46FB65F3}">
+      <dsp:nvSpPr>
+        <dsp:cNvPr id="0" name=""/>
+        <dsp:cNvSpPr/>
+      </dsp:nvSpPr>
+      <dsp:spPr>
+        <a:xfrm>
+          <a:off x="64288" y="3606824"/>
+          <a:ext cx="572636" cy="572636"/>
+        </a:xfrm>
+        <a:prstGeom prst="ellipse">
+          <a:avLst/>
+        </a:prstGeom>
+        <a:solidFill>
+          <a:schemeClr val="lt1">
+            <a:hueOff val="0"/>
+            <a:satOff val="0"/>
+            <a:lumOff val="0"/>
+            <a:alphaOff val="0"/>
+          </a:schemeClr>
+        </a:solidFill>
+        <a:ln w="12700" cap="flat" cmpd="sng" algn="ctr">
+          <a:solidFill>
+            <a:schemeClr val="accent1">
+              <a:hueOff val="0"/>
+              <a:satOff val="0"/>
+              <a:lumOff val="0"/>
+              <a:alphaOff val="0"/>
+            </a:schemeClr>
+          </a:solidFill>
+          <a:prstDash val="solid"/>
+          <a:miter lim="800000"/>
+        </a:ln>
+        <a:effectLst/>
+      </dsp:spPr>
+      <dsp:style>
+        <a:lnRef idx="2">
+          <a:scrgbClr r="0" g="0" b="0"/>
+        </a:lnRef>
+        <a:fillRef idx="1">
+          <a:scrgbClr r="0" g="0" b="0"/>
+        </a:fillRef>
+        <a:effectRef idx="0">
+          <a:scrgbClr r="0" g="0" b="0"/>
+        </a:effectRef>
+        <a:fontRef idx="minor"/>
+      </dsp:style>
+    </dsp:sp>
   </dsp:spTree>
 </dsp:drawing>
 </file>
@@ -23177,7 +24771,8 @@
           <a:p>
             <a:fld id="{014075B8-264E-42B7-83FA-7B22850D1ED0}" type="datetimeFigureOut">
               <a:rPr lang="zh-CN" altLang="en-US" smtClean="0"/>
-              <a:t>2015/10/8</a:t>
+              <a:pPr/>
+              <a:t>2016/9/30</a:t>
             </a:fld>
             <a:endParaRPr lang="zh-CN" altLang="en-US"/>
           </a:p>
@@ -23219,6 +24814,7 @@
           <a:p>
             <a:fld id="{639768AD-4626-47A0-A0BE-E9F1E6E8539D}" type="slidenum">
               <a:rPr lang="zh-CN" altLang="en-US" smtClean="0"/>
+              <a:pPr/>
               <a:t>‹#›</a:t>
             </a:fld>
             <a:endParaRPr lang="zh-CN" altLang="en-US"/>
@@ -23228,7 +24824,7 @@
     </p:spTree>
     <p:extLst>
       <p:ext uri="{BB962C8B-B14F-4D97-AF65-F5344CB8AC3E}">
-        <p14:creationId xmlns:p14="http://schemas.microsoft.com/office/powerpoint/2010/main" val="2379171767"/>
+        <p14:creationId xmlns:p14="http://schemas.microsoft.com/office/powerpoint/2010/main" xmlns="" val="2379171767"/>
       </p:ext>
     </p:extLst>
   </p:cSld>
@@ -23354,7 +24950,8 @@
           <a:p>
             <a:fld id="{014075B8-264E-42B7-83FA-7B22850D1ED0}" type="datetimeFigureOut">
               <a:rPr lang="zh-CN" altLang="en-US" smtClean="0"/>
-              <a:t>2015/10/8</a:t>
+              <a:pPr/>
+              <a:t>2016/9/30</a:t>
             </a:fld>
             <a:endParaRPr lang="zh-CN" altLang="en-US"/>
           </a:p>
@@ -23396,6 +24993,7 @@
           <a:p>
             <a:fld id="{639768AD-4626-47A0-A0BE-E9F1E6E8539D}" type="slidenum">
               <a:rPr lang="zh-CN" altLang="en-US" smtClean="0"/>
+              <a:pPr/>
               <a:t>‹#›</a:t>
             </a:fld>
             <a:endParaRPr lang="zh-CN" altLang="en-US"/>
@@ -23405,7 +25003,7 @@
     </p:spTree>
     <p:extLst>
       <p:ext uri="{BB962C8B-B14F-4D97-AF65-F5344CB8AC3E}">
-        <p14:creationId xmlns:p14="http://schemas.microsoft.com/office/powerpoint/2010/main" val="1831806144"/>
+        <p14:creationId xmlns:p14="http://schemas.microsoft.com/office/powerpoint/2010/main" xmlns="" val="1831806144"/>
       </p:ext>
     </p:extLst>
   </p:cSld>
@@ -23534,7 +25132,8 @@
           <a:p>
             <a:fld id="{014075B8-264E-42B7-83FA-7B22850D1ED0}" type="datetimeFigureOut">
               <a:rPr lang="zh-CN" altLang="en-US" smtClean="0"/>
-              <a:t>2015/10/8</a:t>
+              <a:pPr/>
+              <a:t>2016/9/30</a:t>
             </a:fld>
             <a:endParaRPr lang="zh-CN" altLang="en-US"/>
           </a:p>
@@ -23576,6 +25175,7 @@
           <a:p>
             <a:fld id="{639768AD-4626-47A0-A0BE-E9F1E6E8539D}" type="slidenum">
               <a:rPr lang="zh-CN" altLang="en-US" smtClean="0"/>
+              <a:pPr/>
               <a:t>‹#›</a:t>
             </a:fld>
             <a:endParaRPr lang="zh-CN" altLang="en-US"/>
@@ -23585,7 +25185,7 @@
     </p:spTree>
     <p:extLst>
       <p:ext uri="{BB962C8B-B14F-4D97-AF65-F5344CB8AC3E}">
-        <p14:creationId xmlns:p14="http://schemas.microsoft.com/office/powerpoint/2010/main" val="231238374"/>
+        <p14:creationId xmlns:p14="http://schemas.microsoft.com/office/powerpoint/2010/main" xmlns="" val="231238374"/>
       </p:ext>
     </p:extLst>
   </p:cSld>
@@ -23714,7 +25314,8 @@
           <a:p>
             <a:fld id="{014075B8-264E-42B7-83FA-7B22850D1ED0}" type="datetimeFigureOut">
               <a:rPr lang="zh-CN" altLang="en-US" smtClean="0"/>
-              <a:t>2015/10/8</a:t>
+              <a:pPr/>
+              <a:t>2016/9/30</a:t>
             </a:fld>
             <a:endParaRPr lang="zh-CN" altLang="en-US"/>
           </a:p>
@@ -23756,6 +25357,7 @@
           <a:p>
             <a:fld id="{639768AD-4626-47A0-A0BE-E9F1E6E8539D}" type="slidenum">
               <a:rPr lang="zh-CN" altLang="en-US" smtClean="0"/>
+              <a:pPr/>
               <a:t>‹#›</a:t>
             </a:fld>
             <a:endParaRPr lang="zh-CN" altLang="en-US" dirty="0"/>
@@ -23765,7 +25367,7 @@
     </p:spTree>
     <p:extLst>
       <p:ext uri="{BB962C8B-B14F-4D97-AF65-F5344CB8AC3E}">
-        <p14:creationId xmlns:p14="http://schemas.microsoft.com/office/powerpoint/2010/main" val="3842811662"/>
+        <p14:creationId xmlns:p14="http://schemas.microsoft.com/office/powerpoint/2010/main" xmlns="" val="3842811662"/>
       </p:ext>
     </p:extLst>
   </p:cSld>
@@ -23967,7 +25569,8 @@
           <a:p>
             <a:fld id="{014075B8-264E-42B7-83FA-7B22850D1ED0}" type="datetimeFigureOut">
               <a:rPr lang="zh-CN" altLang="en-US" smtClean="0"/>
-              <a:t>2015/10/8</a:t>
+              <a:pPr/>
+              <a:t>2016/9/30</a:t>
             </a:fld>
             <a:endParaRPr lang="zh-CN" altLang="en-US"/>
           </a:p>
@@ -24009,6 +25612,7 @@
           <a:p>
             <a:fld id="{639768AD-4626-47A0-A0BE-E9F1E6E8539D}" type="slidenum">
               <a:rPr lang="zh-CN" altLang="en-US" smtClean="0"/>
+              <a:pPr/>
               <a:t>‹#›</a:t>
             </a:fld>
             <a:endParaRPr lang="zh-CN" altLang="en-US"/>
@@ -24018,7 +25622,7 @@
     </p:spTree>
     <p:extLst>
       <p:ext uri="{BB962C8B-B14F-4D97-AF65-F5344CB8AC3E}">
-        <p14:creationId xmlns:p14="http://schemas.microsoft.com/office/powerpoint/2010/main" val="4031166812"/>
+        <p14:creationId xmlns:p14="http://schemas.microsoft.com/office/powerpoint/2010/main" xmlns="" val="4031166812"/>
       </p:ext>
     </p:extLst>
   </p:cSld>
@@ -24206,7 +25810,8 @@
           <a:p>
             <a:fld id="{014075B8-264E-42B7-83FA-7B22850D1ED0}" type="datetimeFigureOut">
               <a:rPr lang="zh-CN" altLang="en-US" smtClean="0"/>
-              <a:t>2015/10/8</a:t>
+              <a:pPr/>
+              <a:t>2016/9/30</a:t>
             </a:fld>
             <a:endParaRPr lang="zh-CN" altLang="en-US"/>
           </a:p>
@@ -24248,6 +25853,7 @@
           <a:p>
             <a:fld id="{639768AD-4626-47A0-A0BE-E9F1E6E8539D}" type="slidenum">
               <a:rPr lang="zh-CN" altLang="en-US" smtClean="0"/>
+              <a:pPr/>
               <a:t>‹#›</a:t>
             </a:fld>
             <a:endParaRPr lang="zh-CN" altLang="en-US"/>
@@ -24257,7 +25863,7 @@
     </p:spTree>
     <p:extLst>
       <p:ext uri="{BB962C8B-B14F-4D97-AF65-F5344CB8AC3E}">
-        <p14:creationId xmlns:p14="http://schemas.microsoft.com/office/powerpoint/2010/main" val="1200205377"/>
+        <p14:creationId xmlns:p14="http://schemas.microsoft.com/office/powerpoint/2010/main" xmlns="" val="1200205377"/>
       </p:ext>
     </p:extLst>
   </p:cSld>
@@ -24580,7 +26186,8 @@
           <a:p>
             <a:fld id="{014075B8-264E-42B7-83FA-7B22850D1ED0}" type="datetimeFigureOut">
               <a:rPr lang="zh-CN" altLang="en-US" smtClean="0"/>
-              <a:t>2015/10/8</a:t>
+              <a:pPr/>
+              <a:t>2016/9/30</a:t>
             </a:fld>
             <a:endParaRPr lang="zh-CN" altLang="en-US"/>
           </a:p>
@@ -24622,6 +26229,7 @@
           <a:p>
             <a:fld id="{639768AD-4626-47A0-A0BE-E9F1E6E8539D}" type="slidenum">
               <a:rPr lang="zh-CN" altLang="en-US" smtClean="0"/>
+              <a:pPr/>
               <a:t>‹#›</a:t>
             </a:fld>
             <a:endParaRPr lang="zh-CN" altLang="en-US"/>
@@ -24631,7 +26239,7 @@
     </p:spTree>
     <p:extLst>
       <p:ext uri="{BB962C8B-B14F-4D97-AF65-F5344CB8AC3E}">
-        <p14:creationId xmlns:p14="http://schemas.microsoft.com/office/powerpoint/2010/main" val="3423450948"/>
+        <p14:creationId xmlns:p14="http://schemas.microsoft.com/office/powerpoint/2010/main" xmlns="" val="3423450948"/>
       </p:ext>
     </p:extLst>
   </p:cSld>
@@ -24705,7 +26313,8 @@
           <a:p>
             <a:fld id="{014075B8-264E-42B7-83FA-7B22850D1ED0}" type="datetimeFigureOut">
               <a:rPr lang="zh-CN" altLang="en-US" smtClean="0"/>
-              <a:t>2015/10/8</a:t>
+              <a:pPr/>
+              <a:t>2016/9/30</a:t>
             </a:fld>
             <a:endParaRPr lang="zh-CN" altLang="en-US"/>
           </a:p>
@@ -24747,6 +26356,7 @@
           <a:p>
             <a:fld id="{639768AD-4626-47A0-A0BE-E9F1E6E8539D}" type="slidenum">
               <a:rPr lang="zh-CN" altLang="en-US" smtClean="0"/>
+              <a:pPr/>
               <a:t>‹#›</a:t>
             </a:fld>
             <a:endParaRPr lang="zh-CN" altLang="en-US"/>
@@ -24756,7 +26366,7 @@
     </p:spTree>
     <p:extLst>
       <p:ext uri="{BB962C8B-B14F-4D97-AF65-F5344CB8AC3E}">
-        <p14:creationId xmlns:p14="http://schemas.microsoft.com/office/powerpoint/2010/main" val="1786668543"/>
+        <p14:creationId xmlns:p14="http://schemas.microsoft.com/office/powerpoint/2010/main" xmlns="" val="1786668543"/>
       </p:ext>
     </p:extLst>
   </p:cSld>
@@ -24807,7 +26417,8 @@
           <a:p>
             <a:fld id="{014075B8-264E-42B7-83FA-7B22850D1ED0}" type="datetimeFigureOut">
               <a:rPr lang="zh-CN" altLang="en-US" smtClean="0"/>
-              <a:t>2015/10/8</a:t>
+              <a:pPr/>
+              <a:t>2016/9/30</a:t>
             </a:fld>
             <a:endParaRPr lang="zh-CN" altLang="en-US"/>
           </a:p>
@@ -24849,6 +26460,7 @@
           <a:p>
             <a:fld id="{639768AD-4626-47A0-A0BE-E9F1E6E8539D}" type="slidenum">
               <a:rPr lang="zh-CN" altLang="en-US" smtClean="0"/>
+              <a:pPr/>
               <a:t>‹#›</a:t>
             </a:fld>
             <a:endParaRPr lang="zh-CN" altLang="en-US"/>
@@ -24858,7 +26470,7 @@
     </p:spTree>
     <p:extLst>
       <p:ext uri="{BB962C8B-B14F-4D97-AF65-F5344CB8AC3E}">
-        <p14:creationId xmlns:p14="http://schemas.microsoft.com/office/powerpoint/2010/main" val="426793993"/>
+        <p14:creationId xmlns:p14="http://schemas.microsoft.com/office/powerpoint/2010/main" xmlns="" val="426793993"/>
       </p:ext>
     </p:extLst>
   </p:cSld>
@@ -25084,7 +26696,8 @@
           <a:p>
             <a:fld id="{014075B8-264E-42B7-83FA-7B22850D1ED0}" type="datetimeFigureOut">
               <a:rPr lang="zh-CN" altLang="en-US" smtClean="0"/>
-              <a:t>2015/10/8</a:t>
+              <a:pPr/>
+              <a:t>2016/9/30</a:t>
             </a:fld>
             <a:endParaRPr lang="zh-CN" altLang="en-US"/>
           </a:p>
@@ -25126,6 +26739,7 @@
           <a:p>
             <a:fld id="{639768AD-4626-47A0-A0BE-E9F1E6E8539D}" type="slidenum">
               <a:rPr lang="zh-CN" altLang="en-US" smtClean="0"/>
+              <a:pPr/>
               <a:t>‹#›</a:t>
             </a:fld>
             <a:endParaRPr lang="zh-CN" altLang="en-US"/>
@@ -25135,7 +26749,7 @@
     </p:spTree>
     <p:extLst>
       <p:ext uri="{BB962C8B-B14F-4D97-AF65-F5344CB8AC3E}">
-        <p14:creationId xmlns:p14="http://schemas.microsoft.com/office/powerpoint/2010/main" val="55435898"/>
+        <p14:creationId xmlns:p14="http://schemas.microsoft.com/office/powerpoint/2010/main" xmlns="" val="55435898"/>
       </p:ext>
     </p:extLst>
   </p:cSld>
@@ -25337,7 +26951,8 @@
           <a:p>
             <a:fld id="{014075B8-264E-42B7-83FA-7B22850D1ED0}" type="datetimeFigureOut">
               <a:rPr lang="zh-CN" altLang="en-US" smtClean="0"/>
-              <a:t>2015/10/8</a:t>
+              <a:pPr/>
+              <a:t>2016/9/30</a:t>
             </a:fld>
             <a:endParaRPr lang="zh-CN" altLang="en-US"/>
           </a:p>
@@ -25379,6 +26994,7 @@
           <a:p>
             <a:fld id="{639768AD-4626-47A0-A0BE-E9F1E6E8539D}" type="slidenum">
               <a:rPr lang="zh-CN" altLang="en-US" smtClean="0"/>
+              <a:pPr/>
               <a:t>‹#›</a:t>
             </a:fld>
             <a:endParaRPr lang="zh-CN" altLang="en-US"/>
@@ -25388,7 +27004,7 @@
     </p:spTree>
     <p:extLst>
       <p:ext uri="{BB962C8B-B14F-4D97-AF65-F5344CB8AC3E}">
-        <p14:creationId xmlns:p14="http://schemas.microsoft.com/office/powerpoint/2010/main" val="4090001859"/>
+        <p14:creationId xmlns:p14="http://schemas.microsoft.com/office/powerpoint/2010/main" xmlns="" val="4090001859"/>
       </p:ext>
     </p:extLst>
   </p:cSld>
@@ -25550,7 +27166,8 @@
           <a:p>
             <a:fld id="{014075B8-264E-42B7-83FA-7B22850D1ED0}" type="datetimeFigureOut">
               <a:rPr lang="zh-CN" altLang="en-US" smtClean="0"/>
-              <a:t>2015/10/8</a:t>
+              <a:pPr/>
+              <a:t>2016/9/30</a:t>
             </a:fld>
             <a:endParaRPr lang="zh-CN" altLang="en-US"/>
           </a:p>
@@ -25628,6 +27245,7 @@
           <a:p>
             <a:fld id="{639768AD-4626-47A0-A0BE-E9F1E6E8539D}" type="slidenum">
               <a:rPr lang="zh-CN" altLang="en-US" smtClean="0"/>
+              <a:pPr/>
               <a:t>‹#›</a:t>
             </a:fld>
             <a:endParaRPr lang="zh-CN" altLang="en-US"/>
@@ -25717,10 +27335,10 @@
           <p:nvPr userDrawn="1"/>
         </p:nvPicPr>
         <p:blipFill>
-          <a:blip r:embed="rId13">
+          <a:blip r:embed="rId13" cstate="print">
             <a:extLst>
               <a:ext uri="{28A0092B-C50C-407E-A947-70E740481C1C}">
-                <a14:useLocalDpi xmlns:a14="http://schemas.microsoft.com/office/drawing/2010/main" val="0"/>
+                <a14:useLocalDpi xmlns:a14="http://schemas.microsoft.com/office/drawing/2010/main" xmlns="" val="0"/>
               </a:ext>
             </a:extLst>
           </a:blip>
@@ -25819,7 +27437,7 @@
     </p:spTree>
     <p:extLst>
       <p:ext uri="{BB962C8B-B14F-4D97-AF65-F5344CB8AC3E}">
-        <p14:creationId xmlns:p14="http://schemas.microsoft.com/office/powerpoint/2010/main" val="2094679873"/>
+        <p14:creationId xmlns:p14="http://schemas.microsoft.com/office/powerpoint/2010/main" xmlns="" val="2094679873"/>
       </p:ext>
     </p:extLst>
   </p:cSld>
@@ -26181,7 +27799,7 @@
             <p:ph idx="1"/>
             <p:extLst>
               <p:ext uri="{D42A27DB-BD31-4B8C-83A1-F6EECF244321}">
-                <p14:modId xmlns:p14="http://schemas.microsoft.com/office/powerpoint/2010/main" val="1916377721"/>
+                <p14:modId xmlns:p14="http://schemas.microsoft.com/office/powerpoint/2010/main" xmlns="" val="1916377721"/>
               </p:ext>
             </p:extLst>
           </p:nvPr>
@@ -26199,7 +27817,7 @@
     </p:spTree>
     <p:extLst>
       <p:ext uri="{BB962C8B-B14F-4D97-AF65-F5344CB8AC3E}">
-        <p14:creationId xmlns:p14="http://schemas.microsoft.com/office/powerpoint/2010/main" val="3554088995"/>
+        <p14:creationId xmlns:p14="http://schemas.microsoft.com/office/powerpoint/2010/main" xmlns="" val="3554088995"/>
       </p:ext>
     </p:extLst>
   </p:cSld>
@@ -26266,7 +27884,7 @@
             <p:ph idx="1"/>
             <p:extLst>
               <p:ext uri="{D42A27DB-BD31-4B8C-83A1-F6EECF244321}">
-                <p14:modId xmlns:p14="http://schemas.microsoft.com/office/powerpoint/2010/main" val="3942148752"/>
+                <p14:modId xmlns:p14="http://schemas.microsoft.com/office/powerpoint/2010/main" xmlns="" val="3942148752"/>
               </p:ext>
             </p:extLst>
           </p:nvPr>
@@ -26284,7 +27902,7 @@
     </p:spTree>
     <p:extLst>
       <p:ext uri="{BB962C8B-B14F-4D97-AF65-F5344CB8AC3E}">
-        <p14:creationId xmlns:p14="http://schemas.microsoft.com/office/powerpoint/2010/main" val="3241271535"/>
+        <p14:creationId xmlns:p14="http://schemas.microsoft.com/office/powerpoint/2010/main" xmlns="" val="3241271535"/>
       </p:ext>
     </p:extLst>
   </p:cSld>
@@ -26452,7 +28070,42 @@
                 <a:latin typeface="微软雅黑" panose="020B0503020204020204" pitchFamily="34" charset="-122"/>
                 <a:ea typeface="微软雅黑" panose="020B0503020204020204" pitchFamily="34" charset="-122"/>
               </a:rPr>
-              <a:t>）时，需要在整理来客数上添加过滤条件：</a:t>
+              <a:t>）时，需要</a:t>
+            </a:r>
+            <a:r>
+              <a:rPr lang="zh-CN" altLang="en-US" sz="3200" smtClean="0">
+                <a:latin typeface="微软雅黑" panose="020B0503020204020204" pitchFamily="34" charset="-122"/>
+                <a:ea typeface="微软雅黑" panose="020B0503020204020204" pitchFamily="34" charset="-122"/>
+              </a:rPr>
+              <a:t>在</a:t>
+            </a:r>
+            <a:r>
+              <a:rPr lang="zh-CN" altLang="en-US" sz="3200" smtClean="0">
+                <a:latin typeface="微软雅黑" panose="020B0503020204020204" pitchFamily="34" charset="-122"/>
+                <a:ea typeface="微软雅黑" panose="020B0503020204020204" pitchFamily="34" charset="-122"/>
+              </a:rPr>
+              <a:t>整</a:t>
+            </a:r>
+            <a:r>
+              <a:rPr lang="zh-CN" altLang="en-US" sz="3200" smtClean="0">
+                <a:latin typeface="微软雅黑" panose="020B0503020204020204" pitchFamily="34" charset="-122"/>
+                <a:ea typeface="微软雅黑" panose="020B0503020204020204" pitchFamily="34" charset="-122"/>
+              </a:rPr>
+              <a:t>体</a:t>
+            </a:r>
+            <a:r>
+              <a:rPr lang="zh-CN" altLang="en-US" sz="3200" smtClean="0">
+                <a:latin typeface="微软雅黑" panose="020B0503020204020204" pitchFamily="34" charset="-122"/>
+                <a:ea typeface="微软雅黑" panose="020B0503020204020204" pitchFamily="34" charset="-122"/>
+              </a:rPr>
+              <a:t>来客</a:t>
+            </a:r>
+            <a:r>
+              <a:rPr lang="zh-CN" altLang="en-US" sz="3200" dirty="0" smtClean="0">
+                <a:latin typeface="微软雅黑" panose="020B0503020204020204" pitchFamily="34" charset="-122"/>
+                <a:ea typeface="微软雅黑" panose="020B0503020204020204" pitchFamily="34" charset="-122"/>
+              </a:rPr>
+              <a:t>数上添加过滤条件：</a:t>
             </a:r>
             <a:r>
               <a:rPr lang="en-US" altLang="zh-CN" sz="3200" dirty="0" smtClean="0">
@@ -26580,7 +28233,7 @@
           <a:blip r:embed="rId2" cstate="print">
             <a:extLst>
               <a:ext uri="{28A0092B-C50C-407E-A947-70E740481C1C}">
-                <a14:useLocalDpi xmlns:a14="http://schemas.microsoft.com/office/drawing/2010/main" val="0"/>
+                <a14:useLocalDpi xmlns:a14="http://schemas.microsoft.com/office/drawing/2010/main" xmlns="" val="0"/>
               </a:ext>
             </a:extLst>
           </a:blip>
@@ -26600,7 +28253,7 @@
           <a:noFill/>
           <a:extLst>
             <a:ext uri="{909E8E84-426E-40DD-AFC4-6F175D3DCCD1}">
-              <a14:hiddenFill xmlns:a14="http://schemas.microsoft.com/office/drawing/2010/main">
+              <a14:hiddenFill xmlns:a14="http://schemas.microsoft.com/office/drawing/2010/main" xmlns="">
                 <a:solidFill>
                   <a:srgbClr val="FFFFFF"/>
                 </a:solidFill>
@@ -26612,7 +28265,7 @@
     </p:spTree>
     <p:extLst>
       <p:ext uri="{BB962C8B-B14F-4D97-AF65-F5344CB8AC3E}">
-        <p14:creationId xmlns:p14="http://schemas.microsoft.com/office/powerpoint/2010/main" val="2607681630"/>
+        <p14:creationId xmlns:p14="http://schemas.microsoft.com/office/powerpoint/2010/main" xmlns="" val="2607681630"/>
       </p:ext>
     </p:extLst>
   </p:cSld>
@@ -26740,7 +28393,7 @@
     </p:spTree>
     <p:extLst>
       <p:ext uri="{BB962C8B-B14F-4D97-AF65-F5344CB8AC3E}">
-        <p14:creationId xmlns:p14="http://schemas.microsoft.com/office/powerpoint/2010/main" val="2911325492"/>
+        <p14:creationId xmlns:p14="http://schemas.microsoft.com/office/powerpoint/2010/main" xmlns="" val="2911325492"/>
       </p:ext>
     </p:extLst>
   </p:cSld>
@@ -26812,7 +28465,7 @@
             <p:ph idx="1"/>
             <p:extLst>
               <p:ext uri="{D42A27DB-BD31-4B8C-83A1-F6EECF244321}">
-                <p14:modId xmlns:p14="http://schemas.microsoft.com/office/powerpoint/2010/main" val="2928381691"/>
+                <p14:modId xmlns:p14="http://schemas.microsoft.com/office/powerpoint/2010/main" xmlns="" val="2928381691"/>
               </p:ext>
             </p:extLst>
           </p:nvPr>
@@ -26830,7 +28483,7 @@
     </p:spTree>
     <p:extLst>
       <p:ext uri="{BB962C8B-B14F-4D97-AF65-F5344CB8AC3E}">
-        <p14:creationId xmlns:p14="http://schemas.microsoft.com/office/powerpoint/2010/main" val="517417195"/>
+        <p14:creationId xmlns:p14="http://schemas.microsoft.com/office/powerpoint/2010/main" xmlns="" val="517417195"/>
       </p:ext>
     </p:extLst>
   </p:cSld>
@@ -26903,7 +28556,7 @@
           <p:nvPr/>
         </p:nvPicPr>
         <p:blipFill>
-          <a:blip r:embed="rId2"/>
+          <a:blip r:embed="rId2" cstate="print"/>
           <a:stretch>
             <a:fillRect/>
           </a:stretch>
@@ -26927,7 +28580,7 @@
           <p:nvPr/>
         </p:nvPicPr>
         <p:blipFill>
-          <a:blip r:embed="rId3"/>
+          <a:blip r:embed="rId3" cstate="print"/>
           <a:stretch>
             <a:fillRect/>
           </a:stretch>
@@ -26945,7 +28598,7 @@
     </p:spTree>
     <p:extLst>
       <p:ext uri="{BB962C8B-B14F-4D97-AF65-F5344CB8AC3E}">
-        <p14:creationId xmlns:p14="http://schemas.microsoft.com/office/powerpoint/2010/main" val="3686527320"/>
+        <p14:creationId xmlns:p14="http://schemas.microsoft.com/office/powerpoint/2010/main" xmlns="" val="3686527320"/>
       </p:ext>
     </p:extLst>
   </p:cSld>
@@ -27012,7 +28665,7 @@
             <p:ph idx="1"/>
             <p:extLst>
               <p:ext uri="{D42A27DB-BD31-4B8C-83A1-F6EECF244321}">
-                <p14:modId xmlns:p14="http://schemas.microsoft.com/office/powerpoint/2010/main" val="4051273791"/>
+                <p14:modId xmlns:p14="http://schemas.microsoft.com/office/powerpoint/2010/main" xmlns="" val="4051273791"/>
               </p:ext>
             </p:extLst>
           </p:nvPr>
@@ -27030,7 +28683,7 @@
     </p:spTree>
     <p:extLst>
       <p:ext uri="{BB962C8B-B14F-4D97-AF65-F5344CB8AC3E}">
-        <p14:creationId xmlns:p14="http://schemas.microsoft.com/office/powerpoint/2010/main" val="2664548559"/>
+        <p14:creationId xmlns:p14="http://schemas.microsoft.com/office/powerpoint/2010/main" xmlns="" val="2664548559"/>
       </p:ext>
     </p:extLst>
   </p:cSld>
@@ -27082,7 +28735,7 @@
           <a:ln/>
           <a:extLst>
             <a:ext uri="{91240B29-F687-4F45-9708-019B960494DF}">
-              <a14:hiddenLine xmlns:a14="http://schemas.microsoft.com/office/drawing/2010/main" w="9525">
+              <a14:hiddenLine xmlns:a14="http://schemas.microsoft.com/office/drawing/2010/main" xmlns="" w="9525">
                 <a:solidFill>
                   <a:srgbClr val="000000"/>
                 </a:solidFill>
@@ -27121,7 +28774,7 @@
           <p:nvPr>
             <p:extLst>
               <p:ext uri="{D42A27DB-BD31-4B8C-83A1-F6EECF244321}">
-                <p14:modId xmlns:p14="http://schemas.microsoft.com/office/powerpoint/2010/main" val="2808584289"/>
+                <p14:modId xmlns:p14="http://schemas.microsoft.com/office/powerpoint/2010/main" xmlns="" val="2808584289"/>
               </p:ext>
             </p:extLst>
           </p:nvPr>
@@ -29252,7 +30905,7 @@
     </p:spTree>
     <p:extLst>
       <p:ext uri="{BB962C8B-B14F-4D97-AF65-F5344CB8AC3E}">
-        <p14:creationId xmlns:p14="http://schemas.microsoft.com/office/powerpoint/2010/main" val="2953971397"/>
+        <p14:creationId xmlns:p14="http://schemas.microsoft.com/office/powerpoint/2010/main" xmlns="" val="2953971397"/>
       </p:ext>
     </p:extLst>
   </p:cSld>
@@ -29319,7 +30972,7 @@
             <p:ph idx="1"/>
             <p:extLst>
               <p:ext uri="{D42A27DB-BD31-4B8C-83A1-F6EECF244321}">
-                <p14:modId xmlns:p14="http://schemas.microsoft.com/office/powerpoint/2010/main" val="2335798750"/>
+                <p14:modId xmlns:p14="http://schemas.microsoft.com/office/powerpoint/2010/main" xmlns="" val="2335798750"/>
               </p:ext>
             </p:extLst>
           </p:nvPr>
@@ -29337,7 +30990,7 @@
     </p:spTree>
     <p:extLst>
       <p:ext uri="{BB962C8B-B14F-4D97-AF65-F5344CB8AC3E}">
-        <p14:creationId xmlns:p14="http://schemas.microsoft.com/office/powerpoint/2010/main" val="3498988136"/>
+        <p14:creationId xmlns:p14="http://schemas.microsoft.com/office/powerpoint/2010/main" xmlns="" val="3498988136"/>
       </p:ext>
     </p:extLst>
   </p:cSld>
@@ -29418,7 +31071,7 @@
           <p:nvPr>
             <p:extLst>
               <p:ext uri="{D42A27DB-BD31-4B8C-83A1-F6EECF244321}">
-                <p14:modId xmlns:p14="http://schemas.microsoft.com/office/powerpoint/2010/main" val="833328931"/>
+                <p14:modId xmlns:p14="http://schemas.microsoft.com/office/powerpoint/2010/main" xmlns="" val="833328931"/>
               </p:ext>
             </p:extLst>
           </p:nvPr>
@@ -30623,7 +32276,7 @@
     </p:spTree>
     <p:extLst>
       <p:ext uri="{BB962C8B-B14F-4D97-AF65-F5344CB8AC3E}">
-        <p14:creationId xmlns:p14="http://schemas.microsoft.com/office/powerpoint/2010/main" val="2778561947"/>
+        <p14:creationId xmlns:p14="http://schemas.microsoft.com/office/powerpoint/2010/main" xmlns="" val="2778561947"/>
       </p:ext>
     </p:extLst>
   </p:cSld>
@@ -30690,7 +32343,7 @@
             <p:ph idx="1"/>
             <p:extLst>
               <p:ext uri="{D42A27DB-BD31-4B8C-83A1-F6EECF244321}">
-                <p14:modId xmlns:p14="http://schemas.microsoft.com/office/powerpoint/2010/main" val="4150705339"/>
+                <p14:modId xmlns:p14="http://schemas.microsoft.com/office/powerpoint/2010/main" xmlns="" val="4150705339"/>
               </p:ext>
             </p:extLst>
           </p:nvPr>
@@ -30708,7 +32361,7 @@
     </p:spTree>
     <p:extLst>
       <p:ext uri="{BB962C8B-B14F-4D97-AF65-F5344CB8AC3E}">
-        <p14:creationId xmlns:p14="http://schemas.microsoft.com/office/powerpoint/2010/main" val="1451147467"/>
+        <p14:creationId xmlns:p14="http://schemas.microsoft.com/office/powerpoint/2010/main" xmlns="" val="1451147467"/>
       </p:ext>
     </p:extLst>
   </p:cSld>
@@ -30781,7 +32434,7 @@
           <p:nvPr/>
         </p:nvPicPr>
         <p:blipFill>
-          <a:blip r:embed="rId2"/>
+          <a:blip r:embed="rId2" cstate="print"/>
           <a:stretch>
             <a:fillRect/>
           </a:stretch>
@@ -30851,7 +32504,7 @@
           <p:nvPr/>
         </p:nvPicPr>
         <p:blipFill>
-          <a:blip r:embed="rId3"/>
+          <a:blip r:embed="rId3" cstate="print"/>
           <a:stretch>
             <a:fillRect/>
           </a:stretch>
@@ -30921,7 +32574,7 @@
           <p:nvPr/>
         </p:nvPicPr>
         <p:blipFill>
-          <a:blip r:embed="rId4"/>
+          <a:blip r:embed="rId4" cstate="print"/>
           <a:stretch>
             <a:fillRect/>
           </a:stretch>
@@ -30991,7 +32644,7 @@
           <p:nvPr/>
         </p:nvPicPr>
         <p:blipFill>
-          <a:blip r:embed="rId5"/>
+          <a:blip r:embed="rId5" cstate="print"/>
           <a:stretch>
             <a:fillRect/>
           </a:stretch>
@@ -31061,7 +32714,7 @@
           <p:nvPr/>
         </p:nvPicPr>
         <p:blipFill>
-          <a:blip r:embed="rId6"/>
+          <a:blip r:embed="rId6" cstate="print"/>
           <a:stretch>
             <a:fillRect/>
           </a:stretch>
@@ -31131,7 +32784,7 @@
           <p:nvPr/>
         </p:nvPicPr>
         <p:blipFill>
-          <a:blip r:embed="rId7"/>
+          <a:blip r:embed="rId7" cstate="print"/>
           <a:stretch>
             <a:fillRect/>
           </a:stretch>
@@ -31201,7 +32854,7 @@
           <p:nvPr/>
         </p:nvPicPr>
         <p:blipFill>
-          <a:blip r:embed="rId8"/>
+          <a:blip r:embed="rId8" cstate="print"/>
           <a:stretch>
             <a:fillRect/>
           </a:stretch>
@@ -31311,18 +32964,18 @@
     </p:spTree>
     <p:extLst>
       <p:ext uri="{BB962C8B-B14F-4D97-AF65-F5344CB8AC3E}">
-        <p14:creationId xmlns:p14="http://schemas.microsoft.com/office/powerpoint/2010/main" val="3274096548"/>
+        <p14:creationId xmlns:p14="http://schemas.microsoft.com/office/powerpoint/2010/main" xmlns="" val="3274096548"/>
       </p:ext>
     </p:extLst>
   </p:cSld>
   <p:clrMapOvr>
     <a:masterClrMapping/>
   </p:clrMapOvr>
-  <mc:AlternateContent xmlns:mc="http://schemas.openxmlformats.org/markup-compatibility/2006" xmlns:p14="http://schemas.microsoft.com/office/powerpoint/2010/main">
-    <mc:Choice Requires="p14">
+  <mc:AlternateContent xmlns:mc="http://schemas.openxmlformats.org/markup-compatibility/2006">
+    <mc:Choice xmlns:p14="http://schemas.microsoft.com/office/powerpoint/2010/main" xmlns="" Requires="p14">
       <p:transition p14:dur="0"/>
     </mc:Choice>
-    <mc:Fallback xmlns="">
+    <mc:Fallback>
       <p:transition/>
     </mc:Fallback>
   </mc:AlternateContent>
@@ -32777,7 +34430,7 @@
     </a:clrScheme>
     <a:fontScheme name="Office">
       <a:majorFont>
-        <a:latin typeface="Calibri Light" panose="020F0302020204030204"/>
+        <a:latin typeface="Calibri Light"/>
         <a:ea typeface=""/>
         <a:cs typeface=""/>
         <a:font script="Jpan" typeface="ＭＳ Ｐゴシック"/>
@@ -32812,7 +34465,7 @@
         <a:font script="Geor" typeface="Sylfaen"/>
       </a:majorFont>
       <a:minorFont>
-        <a:latin typeface="Calibri" panose="020F0502020204030204"/>
+        <a:latin typeface="Calibri"/>
         <a:ea typeface=""/>
         <a:cs typeface=""/>
         <a:font script="Jpan" typeface="ＭＳ Ｐゴシック"/>
@@ -32989,7 +34642,7 @@
   <a:extraClrSchemeLst/>
   <a:extLst>
     <a:ext uri="{05A4C25C-085E-4340-85A3-A5531E510DB2}">
-      <thm15:themeFamily xmlns:thm15="http://schemas.microsoft.com/office/thememl/2012/main" name="Office Theme" id="{62F939B6-93AF-4DB8-9C6B-D6C7DFDC589F}" vid="{4A3C46E8-61CC-4603-A589-7422A47A8E4A}"/>
+      <thm15:themeFamily xmlns:thm15="http://schemas.microsoft.com/office/thememl/2012/main" xmlns="" name="Office Theme" id="{62F939B6-93AF-4DB8-9C6B-D6C7DFDC589F}" vid="{4A3C46E8-61CC-4603-A589-7422A47A8E4A}"/>
     </a:ext>
   </a:extLst>
 </a:theme>

--- a/学习资料/RA/RA系统培训/RA_交易小票分析_市场部.pptx
+++ b/学习资料/RA/RA系统培训/RA_交易小票分析_市场部.pptx
@@ -117,7 +117,7 @@
   </p:defaultTextStyle>
   <p:extLst>
     <p:ext uri="{EFAFB233-063F-42B5-8137-9DF3F51BA10A}">
-      <p15:sldGuideLst xmlns:p15="http://schemas.microsoft.com/office/powerpoint/2012/main" xmlns=""/>
+      <p15:sldGuideLst xmlns="" xmlns:p15="http://schemas.microsoft.com/office/powerpoint/2012/main"/>
     </p:ext>
   </p:extLst>
 </p:presentation>
@@ -5019,8 +5019,8 @@
     <dgm:cxn modelId="{7F08A881-F86C-479C-9E57-C846C6F6445B}" type="presOf" srcId="{E799A64E-C038-411A-BE76-B53A75A170AE}" destId="{8BD25097-0D25-49E7-9B8C-D6D970FDCCE1}" srcOrd="0" destOrd="0" presId="urn:microsoft.com/office/officeart/2008/layout/VerticalCurvedList"/>
     <dgm:cxn modelId="{F9573E21-1561-4C51-8BB7-BC783D07D96A}" srcId="{FAB1057F-1E23-4D6F-9B46-8AFDBAD2D653}" destId="{3E6F915B-86C9-48D4-B217-94AA03B2143E}" srcOrd="2" destOrd="0" parTransId="{0A749D68-BC92-4F69-9FC4-EA90566A5EF7}" sibTransId="{50BF4BFA-2B12-442A-9CC6-AD0693D7B115}"/>
     <dgm:cxn modelId="{68DD037A-02E1-4B29-A45C-D5CF7D2016E1}" srcId="{FAB1057F-1E23-4D6F-9B46-8AFDBAD2D653}" destId="{843D0B2F-DCB6-4904-885F-0BFCDBE74ADA}" srcOrd="4" destOrd="0" parTransId="{4E7AA60E-E1BF-4DED-A097-BA33874FDEE3}" sibTransId="{4EB6C968-8EE8-4CE1-B8B4-B3EBFBD88D49}"/>
+    <dgm:cxn modelId="{D58481ED-5F61-4594-AE8B-829F9B8CA83C}" type="presOf" srcId="{FAB1057F-1E23-4D6F-9B46-8AFDBAD2D653}" destId="{38CCFEB1-18A9-49DE-A3B8-F879A9D2C31F}" srcOrd="0" destOrd="0" presId="urn:microsoft.com/office/officeart/2008/layout/VerticalCurvedList"/>
     <dgm:cxn modelId="{BDFA648C-BB03-481B-B405-A21FF6D9B996}" srcId="{FAB1057F-1E23-4D6F-9B46-8AFDBAD2D653}" destId="{E799A64E-C038-411A-BE76-B53A75A170AE}" srcOrd="5" destOrd="0" parTransId="{7EE05FEA-E059-4867-B262-02C2113376CA}" sibTransId="{16FBD699-3824-4112-9146-B9DC17AF5228}"/>
-    <dgm:cxn modelId="{D58481ED-5F61-4594-AE8B-829F9B8CA83C}" type="presOf" srcId="{FAB1057F-1E23-4D6F-9B46-8AFDBAD2D653}" destId="{38CCFEB1-18A9-49DE-A3B8-F879A9D2C31F}" srcOrd="0" destOrd="0" presId="urn:microsoft.com/office/officeart/2008/layout/VerticalCurvedList"/>
     <dgm:cxn modelId="{B047DE60-580F-41EB-B15C-BB8F926F21F7}" srcId="{FAB1057F-1E23-4D6F-9B46-8AFDBAD2D653}" destId="{0F217974-C5C6-42B8-A09A-91260CA8AD52}" srcOrd="1" destOrd="0" parTransId="{258EC565-1D3C-4176-90FB-0D9A6D2131B4}" sibTransId="{B26072E1-86BF-48D3-A924-8CDA108FB692}"/>
     <dgm:cxn modelId="{196FAD6F-C7D6-4B87-B1C0-6F48A2AD5BE4}" type="presOf" srcId="{C236B15B-3641-4B04-A4FC-B69CBBB32D0E}" destId="{B495DB84-6A51-4850-8264-0EBD7A5FA8F4}" srcOrd="0" destOrd="0" presId="urn:microsoft.com/office/officeart/2008/layout/VerticalCurvedList"/>
     <dgm:cxn modelId="{B0A91CC0-FF09-4254-B33B-FB9E3C689C08}" type="presOf" srcId="{843D0B2F-DCB6-4904-885F-0BFCDBE74ADA}" destId="{7C228B08-731D-4526-A663-BACAC7799802}" srcOrd="0" destOrd="0" presId="urn:microsoft.com/office/officeart/2008/layout/VerticalCurvedList"/>
@@ -24772,7 +24772,7 @@
             <a:fld id="{014075B8-264E-42B7-83FA-7B22850D1ED0}" type="datetimeFigureOut">
               <a:rPr lang="zh-CN" altLang="en-US" smtClean="0"/>
               <a:pPr/>
-              <a:t>2016/9/30</a:t>
+              <a:t>2016/12/29</a:t>
             </a:fld>
             <a:endParaRPr lang="zh-CN" altLang="en-US"/>
           </a:p>
@@ -24824,7 +24824,7 @@
     </p:spTree>
     <p:extLst>
       <p:ext uri="{BB962C8B-B14F-4D97-AF65-F5344CB8AC3E}">
-        <p14:creationId xmlns:p14="http://schemas.microsoft.com/office/powerpoint/2010/main" xmlns="" val="2379171767"/>
+        <p14:creationId xmlns="" xmlns:p14="http://schemas.microsoft.com/office/powerpoint/2010/main" val="2379171767"/>
       </p:ext>
     </p:extLst>
   </p:cSld>
@@ -24951,7 +24951,7 @@
             <a:fld id="{014075B8-264E-42B7-83FA-7B22850D1ED0}" type="datetimeFigureOut">
               <a:rPr lang="zh-CN" altLang="en-US" smtClean="0"/>
               <a:pPr/>
-              <a:t>2016/9/30</a:t>
+              <a:t>2016/12/29</a:t>
             </a:fld>
             <a:endParaRPr lang="zh-CN" altLang="en-US"/>
           </a:p>
@@ -25003,7 +25003,7 @@
     </p:spTree>
     <p:extLst>
       <p:ext uri="{BB962C8B-B14F-4D97-AF65-F5344CB8AC3E}">
-        <p14:creationId xmlns:p14="http://schemas.microsoft.com/office/powerpoint/2010/main" xmlns="" val="1831806144"/>
+        <p14:creationId xmlns="" xmlns:p14="http://schemas.microsoft.com/office/powerpoint/2010/main" val="1831806144"/>
       </p:ext>
     </p:extLst>
   </p:cSld>
@@ -25133,7 +25133,7 @@
             <a:fld id="{014075B8-264E-42B7-83FA-7B22850D1ED0}" type="datetimeFigureOut">
               <a:rPr lang="zh-CN" altLang="en-US" smtClean="0"/>
               <a:pPr/>
-              <a:t>2016/9/30</a:t>
+              <a:t>2016/12/29</a:t>
             </a:fld>
             <a:endParaRPr lang="zh-CN" altLang="en-US"/>
           </a:p>
@@ -25185,7 +25185,7 @@
     </p:spTree>
     <p:extLst>
       <p:ext uri="{BB962C8B-B14F-4D97-AF65-F5344CB8AC3E}">
-        <p14:creationId xmlns:p14="http://schemas.microsoft.com/office/powerpoint/2010/main" xmlns="" val="231238374"/>
+        <p14:creationId xmlns="" xmlns:p14="http://schemas.microsoft.com/office/powerpoint/2010/main" val="231238374"/>
       </p:ext>
     </p:extLst>
   </p:cSld>
@@ -25315,7 +25315,7 @@
             <a:fld id="{014075B8-264E-42B7-83FA-7B22850D1ED0}" type="datetimeFigureOut">
               <a:rPr lang="zh-CN" altLang="en-US" smtClean="0"/>
               <a:pPr/>
-              <a:t>2016/9/30</a:t>
+              <a:t>2016/12/29</a:t>
             </a:fld>
             <a:endParaRPr lang="zh-CN" altLang="en-US"/>
           </a:p>
@@ -25367,7 +25367,7 @@
     </p:spTree>
     <p:extLst>
       <p:ext uri="{BB962C8B-B14F-4D97-AF65-F5344CB8AC3E}">
-        <p14:creationId xmlns:p14="http://schemas.microsoft.com/office/powerpoint/2010/main" xmlns="" val="3842811662"/>
+        <p14:creationId xmlns="" xmlns:p14="http://schemas.microsoft.com/office/powerpoint/2010/main" val="3842811662"/>
       </p:ext>
     </p:extLst>
   </p:cSld>
@@ -25570,7 +25570,7 @@
             <a:fld id="{014075B8-264E-42B7-83FA-7B22850D1ED0}" type="datetimeFigureOut">
               <a:rPr lang="zh-CN" altLang="en-US" smtClean="0"/>
               <a:pPr/>
-              <a:t>2016/9/30</a:t>
+              <a:t>2016/12/29</a:t>
             </a:fld>
             <a:endParaRPr lang="zh-CN" altLang="en-US"/>
           </a:p>
@@ -25622,7 +25622,7 @@
     </p:spTree>
     <p:extLst>
       <p:ext uri="{BB962C8B-B14F-4D97-AF65-F5344CB8AC3E}">
-        <p14:creationId xmlns:p14="http://schemas.microsoft.com/office/powerpoint/2010/main" xmlns="" val="4031166812"/>
+        <p14:creationId xmlns="" xmlns:p14="http://schemas.microsoft.com/office/powerpoint/2010/main" val="4031166812"/>
       </p:ext>
     </p:extLst>
   </p:cSld>
@@ -25811,7 +25811,7 @@
             <a:fld id="{014075B8-264E-42B7-83FA-7B22850D1ED0}" type="datetimeFigureOut">
               <a:rPr lang="zh-CN" altLang="en-US" smtClean="0"/>
               <a:pPr/>
-              <a:t>2016/9/30</a:t>
+              <a:t>2016/12/29</a:t>
             </a:fld>
             <a:endParaRPr lang="zh-CN" altLang="en-US"/>
           </a:p>
@@ -25863,7 +25863,7 @@
     </p:spTree>
     <p:extLst>
       <p:ext uri="{BB962C8B-B14F-4D97-AF65-F5344CB8AC3E}">
-        <p14:creationId xmlns:p14="http://schemas.microsoft.com/office/powerpoint/2010/main" xmlns="" val="1200205377"/>
+        <p14:creationId xmlns="" xmlns:p14="http://schemas.microsoft.com/office/powerpoint/2010/main" val="1200205377"/>
       </p:ext>
     </p:extLst>
   </p:cSld>
@@ -26187,7 +26187,7 @@
             <a:fld id="{014075B8-264E-42B7-83FA-7B22850D1ED0}" type="datetimeFigureOut">
               <a:rPr lang="zh-CN" altLang="en-US" smtClean="0"/>
               <a:pPr/>
-              <a:t>2016/9/30</a:t>
+              <a:t>2016/12/29</a:t>
             </a:fld>
             <a:endParaRPr lang="zh-CN" altLang="en-US"/>
           </a:p>
@@ -26239,7 +26239,7 @@
     </p:spTree>
     <p:extLst>
       <p:ext uri="{BB962C8B-B14F-4D97-AF65-F5344CB8AC3E}">
-        <p14:creationId xmlns:p14="http://schemas.microsoft.com/office/powerpoint/2010/main" xmlns="" val="3423450948"/>
+        <p14:creationId xmlns="" xmlns:p14="http://schemas.microsoft.com/office/powerpoint/2010/main" val="3423450948"/>
       </p:ext>
     </p:extLst>
   </p:cSld>
@@ -26314,7 +26314,7 @@
             <a:fld id="{014075B8-264E-42B7-83FA-7B22850D1ED0}" type="datetimeFigureOut">
               <a:rPr lang="zh-CN" altLang="en-US" smtClean="0"/>
               <a:pPr/>
-              <a:t>2016/9/30</a:t>
+              <a:t>2016/12/29</a:t>
             </a:fld>
             <a:endParaRPr lang="zh-CN" altLang="en-US"/>
           </a:p>
@@ -26366,7 +26366,7 @@
     </p:spTree>
     <p:extLst>
       <p:ext uri="{BB962C8B-B14F-4D97-AF65-F5344CB8AC3E}">
-        <p14:creationId xmlns:p14="http://schemas.microsoft.com/office/powerpoint/2010/main" xmlns="" val="1786668543"/>
+        <p14:creationId xmlns="" xmlns:p14="http://schemas.microsoft.com/office/powerpoint/2010/main" val="1786668543"/>
       </p:ext>
     </p:extLst>
   </p:cSld>
@@ -26418,7 +26418,7 @@
             <a:fld id="{014075B8-264E-42B7-83FA-7B22850D1ED0}" type="datetimeFigureOut">
               <a:rPr lang="zh-CN" altLang="en-US" smtClean="0"/>
               <a:pPr/>
-              <a:t>2016/9/30</a:t>
+              <a:t>2016/12/29</a:t>
             </a:fld>
             <a:endParaRPr lang="zh-CN" altLang="en-US"/>
           </a:p>
@@ -26470,7 +26470,7 @@
     </p:spTree>
     <p:extLst>
       <p:ext uri="{BB962C8B-B14F-4D97-AF65-F5344CB8AC3E}">
-        <p14:creationId xmlns:p14="http://schemas.microsoft.com/office/powerpoint/2010/main" xmlns="" val="426793993"/>
+        <p14:creationId xmlns="" xmlns:p14="http://schemas.microsoft.com/office/powerpoint/2010/main" val="426793993"/>
       </p:ext>
     </p:extLst>
   </p:cSld>
@@ -26697,7 +26697,7 @@
             <a:fld id="{014075B8-264E-42B7-83FA-7B22850D1ED0}" type="datetimeFigureOut">
               <a:rPr lang="zh-CN" altLang="en-US" smtClean="0"/>
               <a:pPr/>
-              <a:t>2016/9/30</a:t>
+              <a:t>2016/12/29</a:t>
             </a:fld>
             <a:endParaRPr lang="zh-CN" altLang="en-US"/>
           </a:p>
@@ -26749,7 +26749,7 @@
     </p:spTree>
     <p:extLst>
       <p:ext uri="{BB962C8B-B14F-4D97-AF65-F5344CB8AC3E}">
-        <p14:creationId xmlns:p14="http://schemas.microsoft.com/office/powerpoint/2010/main" xmlns="" val="55435898"/>
+        <p14:creationId xmlns="" xmlns:p14="http://schemas.microsoft.com/office/powerpoint/2010/main" val="55435898"/>
       </p:ext>
     </p:extLst>
   </p:cSld>
@@ -26952,7 +26952,7 @@
             <a:fld id="{014075B8-264E-42B7-83FA-7B22850D1ED0}" type="datetimeFigureOut">
               <a:rPr lang="zh-CN" altLang="en-US" smtClean="0"/>
               <a:pPr/>
-              <a:t>2016/9/30</a:t>
+              <a:t>2016/12/29</a:t>
             </a:fld>
             <a:endParaRPr lang="zh-CN" altLang="en-US"/>
           </a:p>
@@ -27004,7 +27004,7 @@
     </p:spTree>
     <p:extLst>
       <p:ext uri="{BB962C8B-B14F-4D97-AF65-F5344CB8AC3E}">
-        <p14:creationId xmlns:p14="http://schemas.microsoft.com/office/powerpoint/2010/main" xmlns="" val="4090001859"/>
+        <p14:creationId xmlns="" xmlns:p14="http://schemas.microsoft.com/office/powerpoint/2010/main" val="4090001859"/>
       </p:ext>
     </p:extLst>
   </p:cSld>
@@ -27167,7 +27167,7 @@
             <a:fld id="{014075B8-264E-42B7-83FA-7B22850D1ED0}" type="datetimeFigureOut">
               <a:rPr lang="zh-CN" altLang="en-US" smtClean="0"/>
               <a:pPr/>
-              <a:t>2016/9/30</a:t>
+              <a:t>2016/12/29</a:t>
             </a:fld>
             <a:endParaRPr lang="zh-CN" altLang="en-US"/>
           </a:p>
@@ -27338,7 +27338,7 @@
           <a:blip r:embed="rId13" cstate="print">
             <a:extLst>
               <a:ext uri="{28A0092B-C50C-407E-A947-70E740481C1C}">
-                <a14:useLocalDpi xmlns:a14="http://schemas.microsoft.com/office/drawing/2010/main" xmlns="" val="0"/>
+                <a14:useLocalDpi xmlns="" xmlns:a14="http://schemas.microsoft.com/office/drawing/2010/main" val="0"/>
               </a:ext>
             </a:extLst>
           </a:blip>
@@ -27437,7 +27437,7 @@
     </p:spTree>
     <p:extLst>
       <p:ext uri="{BB962C8B-B14F-4D97-AF65-F5344CB8AC3E}">
-        <p14:creationId xmlns:p14="http://schemas.microsoft.com/office/powerpoint/2010/main" xmlns="" val="2094679873"/>
+        <p14:creationId xmlns="" xmlns:p14="http://schemas.microsoft.com/office/powerpoint/2010/main" val="2094679873"/>
       </p:ext>
     </p:extLst>
   </p:cSld>
@@ -27799,7 +27799,7 @@
             <p:ph idx="1"/>
             <p:extLst>
               <p:ext uri="{D42A27DB-BD31-4B8C-83A1-F6EECF244321}">
-                <p14:modId xmlns:p14="http://schemas.microsoft.com/office/powerpoint/2010/main" xmlns="" val="1916377721"/>
+                <p14:modId xmlns="" xmlns:p14="http://schemas.microsoft.com/office/powerpoint/2010/main" val="1916377721"/>
               </p:ext>
             </p:extLst>
           </p:nvPr>
@@ -27817,7 +27817,7 @@
     </p:spTree>
     <p:extLst>
       <p:ext uri="{BB962C8B-B14F-4D97-AF65-F5344CB8AC3E}">
-        <p14:creationId xmlns:p14="http://schemas.microsoft.com/office/powerpoint/2010/main" xmlns="" val="3554088995"/>
+        <p14:creationId xmlns="" xmlns:p14="http://schemas.microsoft.com/office/powerpoint/2010/main" val="3554088995"/>
       </p:ext>
     </p:extLst>
   </p:cSld>
@@ -27884,7 +27884,7 @@
             <p:ph idx="1"/>
             <p:extLst>
               <p:ext uri="{D42A27DB-BD31-4B8C-83A1-F6EECF244321}">
-                <p14:modId xmlns:p14="http://schemas.microsoft.com/office/powerpoint/2010/main" xmlns="" val="3942148752"/>
+                <p14:modId xmlns="" xmlns:p14="http://schemas.microsoft.com/office/powerpoint/2010/main" val="3942148752"/>
               </p:ext>
             </p:extLst>
           </p:nvPr>
@@ -27902,7 +27902,7 @@
     </p:spTree>
     <p:extLst>
       <p:ext uri="{BB962C8B-B14F-4D97-AF65-F5344CB8AC3E}">
-        <p14:creationId xmlns:p14="http://schemas.microsoft.com/office/powerpoint/2010/main" xmlns="" val="3241271535"/>
+        <p14:creationId xmlns="" xmlns:p14="http://schemas.microsoft.com/office/powerpoint/2010/main" val="3241271535"/>
       </p:ext>
     </p:extLst>
   </p:cSld>
@@ -27975,7 +27975,7 @@
         <p:spPr>
           <a:xfrm>
             <a:off x="604913" y="1240171"/>
-            <a:ext cx="10849970" cy="3323987"/>
+            <a:ext cx="10849970" cy="4308872"/>
           </a:xfrm>
           <a:prstGeom prst="rect">
             <a:avLst/>
@@ -28070,42 +28070,7 @@
                 <a:latin typeface="微软雅黑" panose="020B0503020204020204" pitchFamily="34" charset="-122"/>
                 <a:ea typeface="微软雅黑" panose="020B0503020204020204" pitchFamily="34" charset="-122"/>
               </a:rPr>
-              <a:t>）时，需要</a:t>
-            </a:r>
-            <a:r>
-              <a:rPr lang="zh-CN" altLang="en-US" sz="3200" smtClean="0">
-                <a:latin typeface="微软雅黑" panose="020B0503020204020204" pitchFamily="34" charset="-122"/>
-                <a:ea typeface="微软雅黑" panose="020B0503020204020204" pitchFamily="34" charset="-122"/>
-              </a:rPr>
-              <a:t>在</a:t>
-            </a:r>
-            <a:r>
-              <a:rPr lang="zh-CN" altLang="en-US" sz="3200" smtClean="0">
-                <a:latin typeface="微软雅黑" panose="020B0503020204020204" pitchFamily="34" charset="-122"/>
-                <a:ea typeface="微软雅黑" panose="020B0503020204020204" pitchFamily="34" charset="-122"/>
-              </a:rPr>
-              <a:t>整</a:t>
-            </a:r>
-            <a:r>
-              <a:rPr lang="zh-CN" altLang="en-US" sz="3200" smtClean="0">
-                <a:latin typeface="微软雅黑" panose="020B0503020204020204" pitchFamily="34" charset="-122"/>
-                <a:ea typeface="微软雅黑" panose="020B0503020204020204" pitchFamily="34" charset="-122"/>
-              </a:rPr>
-              <a:t>体</a:t>
-            </a:r>
-            <a:r>
-              <a:rPr lang="zh-CN" altLang="en-US" sz="3200" smtClean="0">
-                <a:latin typeface="微软雅黑" panose="020B0503020204020204" pitchFamily="34" charset="-122"/>
-                <a:ea typeface="微软雅黑" panose="020B0503020204020204" pitchFamily="34" charset="-122"/>
-              </a:rPr>
-              <a:t>来客</a:t>
-            </a:r>
-            <a:r>
-              <a:rPr lang="zh-CN" altLang="en-US" sz="3200" dirty="0" smtClean="0">
-                <a:latin typeface="微软雅黑" panose="020B0503020204020204" pitchFamily="34" charset="-122"/>
-                <a:ea typeface="微软雅黑" panose="020B0503020204020204" pitchFamily="34" charset="-122"/>
-              </a:rPr>
-              <a:t>数上添加过滤条件：</a:t>
+              <a:t>）时，需要在整体来客数上添加过滤条件：</a:t>
             </a:r>
             <a:r>
               <a:rPr lang="en-US" altLang="zh-CN" sz="3200" dirty="0" smtClean="0">
@@ -28205,7 +28170,31 @@
                 <a:latin typeface="微软雅黑" panose="020B0503020204020204" pitchFamily="34" charset="-122"/>
                 <a:ea typeface="微软雅黑" panose="020B0503020204020204" pitchFamily="34" charset="-122"/>
               </a:rPr>
-              <a:t>个大类取数，只能选择某一个大类。</a:t>
+              <a:t>个大类取数，只能选择某一个大类</a:t>
+            </a:r>
+            <a:r>
+              <a:rPr lang="zh-CN" altLang="en-US" sz="3200" dirty="0" smtClean="0">
+                <a:latin typeface="微软雅黑" panose="020B0503020204020204" pitchFamily="34" charset="-122"/>
+                <a:ea typeface="微软雅黑" panose="020B0503020204020204" pitchFamily="34" charset="-122"/>
+              </a:rPr>
+              <a:t>。</a:t>
+            </a:r>
+            <a:endParaRPr lang="en-US" altLang="zh-CN" sz="3200" dirty="0" smtClean="0">
+              <a:latin typeface="微软雅黑" panose="020B0503020204020204" pitchFamily="34" charset="-122"/>
+              <a:ea typeface="微软雅黑" panose="020B0503020204020204" pitchFamily="34" charset="-122"/>
+            </a:endParaRPr>
+          </a:p>
+          <a:p>
+            <a:pPr marL="342900" indent="-342900">
+              <a:buFont typeface="+mj-lt"/>
+              <a:buAutoNum type="arabicPeriod"/>
+            </a:pPr>
+            <a:r>
+              <a:rPr lang="zh-CN" altLang="en-US" sz="3200" dirty="0" smtClean="0">
+                <a:latin typeface="微软雅黑" panose="020B0503020204020204" pitchFamily="34" charset="-122"/>
+                <a:ea typeface="微软雅黑" panose="020B0503020204020204" pitchFamily="34" charset="-122"/>
+              </a:rPr>
+              <a:t>指定某一个大类条件时，交易金额只是指定大类的合计金额。</a:t>
             </a:r>
             <a:endParaRPr lang="en-US" altLang="zh-CN" sz="3200" dirty="0" smtClean="0">
               <a:latin typeface="微软雅黑" panose="020B0503020204020204" pitchFamily="34" charset="-122"/>
@@ -28233,7 +28222,7 @@
           <a:blip r:embed="rId2" cstate="print">
             <a:extLst>
               <a:ext uri="{28A0092B-C50C-407E-A947-70E740481C1C}">
-                <a14:useLocalDpi xmlns:a14="http://schemas.microsoft.com/office/drawing/2010/main" xmlns="" val="0"/>
+                <a14:useLocalDpi xmlns="" xmlns:a14="http://schemas.microsoft.com/office/drawing/2010/main" val="0"/>
               </a:ext>
             </a:extLst>
           </a:blip>
@@ -28244,8 +28233,8 @@
         </p:blipFill>
         <p:spPr bwMode="auto">
           <a:xfrm>
-            <a:off x="8854260" y="4287326"/>
-            <a:ext cx="2600623" cy="2061643"/>
+            <a:off x="9375562" y="4700588"/>
+            <a:ext cx="2079321" cy="1648381"/>
           </a:xfrm>
           <a:prstGeom prst="rect">
             <a:avLst/>
@@ -28253,7 +28242,7 @@
           <a:noFill/>
           <a:extLst>
             <a:ext uri="{909E8E84-426E-40DD-AFC4-6F175D3DCCD1}">
-              <a14:hiddenFill xmlns:a14="http://schemas.microsoft.com/office/drawing/2010/main" xmlns="">
+              <a14:hiddenFill xmlns="" xmlns:a14="http://schemas.microsoft.com/office/drawing/2010/main">
                 <a:solidFill>
                   <a:srgbClr val="FFFFFF"/>
                 </a:solidFill>
@@ -28265,7 +28254,7 @@
     </p:spTree>
     <p:extLst>
       <p:ext uri="{BB962C8B-B14F-4D97-AF65-F5344CB8AC3E}">
-        <p14:creationId xmlns:p14="http://schemas.microsoft.com/office/powerpoint/2010/main" xmlns="" val="2607681630"/>
+        <p14:creationId xmlns="" xmlns:p14="http://schemas.microsoft.com/office/powerpoint/2010/main" val="2607681630"/>
       </p:ext>
     </p:extLst>
   </p:cSld>
@@ -28393,7 +28382,7 @@
     </p:spTree>
     <p:extLst>
       <p:ext uri="{BB962C8B-B14F-4D97-AF65-F5344CB8AC3E}">
-        <p14:creationId xmlns:p14="http://schemas.microsoft.com/office/powerpoint/2010/main" xmlns="" val="2911325492"/>
+        <p14:creationId xmlns="" xmlns:p14="http://schemas.microsoft.com/office/powerpoint/2010/main" val="2911325492"/>
       </p:ext>
     </p:extLst>
   </p:cSld>
@@ -28465,7 +28454,7 @@
             <p:ph idx="1"/>
             <p:extLst>
               <p:ext uri="{D42A27DB-BD31-4B8C-83A1-F6EECF244321}">
-                <p14:modId xmlns:p14="http://schemas.microsoft.com/office/powerpoint/2010/main" xmlns="" val="2928381691"/>
+                <p14:modId xmlns="" xmlns:p14="http://schemas.microsoft.com/office/powerpoint/2010/main" val="2928381691"/>
               </p:ext>
             </p:extLst>
           </p:nvPr>
@@ -28483,7 +28472,7 @@
     </p:spTree>
     <p:extLst>
       <p:ext uri="{BB962C8B-B14F-4D97-AF65-F5344CB8AC3E}">
-        <p14:creationId xmlns:p14="http://schemas.microsoft.com/office/powerpoint/2010/main" xmlns="" val="517417195"/>
+        <p14:creationId xmlns="" xmlns:p14="http://schemas.microsoft.com/office/powerpoint/2010/main" val="517417195"/>
       </p:ext>
     </p:extLst>
   </p:cSld>
@@ -28598,7 +28587,7 @@
     </p:spTree>
     <p:extLst>
       <p:ext uri="{BB962C8B-B14F-4D97-AF65-F5344CB8AC3E}">
-        <p14:creationId xmlns:p14="http://schemas.microsoft.com/office/powerpoint/2010/main" xmlns="" val="3686527320"/>
+        <p14:creationId xmlns="" xmlns:p14="http://schemas.microsoft.com/office/powerpoint/2010/main" val="3686527320"/>
       </p:ext>
     </p:extLst>
   </p:cSld>
@@ -28665,7 +28654,7 @@
             <p:ph idx="1"/>
             <p:extLst>
               <p:ext uri="{D42A27DB-BD31-4B8C-83A1-F6EECF244321}">
-                <p14:modId xmlns:p14="http://schemas.microsoft.com/office/powerpoint/2010/main" xmlns="" val="4051273791"/>
+                <p14:modId xmlns="" xmlns:p14="http://schemas.microsoft.com/office/powerpoint/2010/main" val="4051273791"/>
               </p:ext>
             </p:extLst>
           </p:nvPr>
@@ -28683,7 +28672,7 @@
     </p:spTree>
     <p:extLst>
       <p:ext uri="{BB962C8B-B14F-4D97-AF65-F5344CB8AC3E}">
-        <p14:creationId xmlns:p14="http://schemas.microsoft.com/office/powerpoint/2010/main" xmlns="" val="2664548559"/>
+        <p14:creationId xmlns="" xmlns:p14="http://schemas.microsoft.com/office/powerpoint/2010/main" val="2664548559"/>
       </p:ext>
     </p:extLst>
   </p:cSld>
@@ -28735,7 +28724,7 @@
           <a:ln/>
           <a:extLst>
             <a:ext uri="{91240B29-F687-4F45-9708-019B960494DF}">
-              <a14:hiddenLine xmlns:a14="http://schemas.microsoft.com/office/drawing/2010/main" xmlns="" w="9525">
+              <a14:hiddenLine xmlns="" xmlns:a14="http://schemas.microsoft.com/office/drawing/2010/main" w="9525">
                 <a:solidFill>
                   <a:srgbClr val="000000"/>
                 </a:solidFill>
@@ -28774,7 +28763,7 @@
           <p:nvPr>
             <p:extLst>
               <p:ext uri="{D42A27DB-BD31-4B8C-83A1-F6EECF244321}">
-                <p14:modId xmlns:p14="http://schemas.microsoft.com/office/powerpoint/2010/main" xmlns="" val="2808584289"/>
+                <p14:modId xmlns="" xmlns:p14="http://schemas.microsoft.com/office/powerpoint/2010/main" val="2808584289"/>
               </p:ext>
             </p:extLst>
           </p:nvPr>
@@ -30905,7 +30894,7 @@
     </p:spTree>
     <p:extLst>
       <p:ext uri="{BB962C8B-B14F-4D97-AF65-F5344CB8AC3E}">
-        <p14:creationId xmlns:p14="http://schemas.microsoft.com/office/powerpoint/2010/main" xmlns="" val="2953971397"/>
+        <p14:creationId xmlns="" xmlns:p14="http://schemas.microsoft.com/office/powerpoint/2010/main" val="2953971397"/>
       </p:ext>
     </p:extLst>
   </p:cSld>
@@ -30972,7 +30961,7 @@
             <p:ph idx="1"/>
             <p:extLst>
               <p:ext uri="{D42A27DB-BD31-4B8C-83A1-F6EECF244321}">
-                <p14:modId xmlns:p14="http://schemas.microsoft.com/office/powerpoint/2010/main" xmlns="" val="2335798750"/>
+                <p14:modId xmlns="" xmlns:p14="http://schemas.microsoft.com/office/powerpoint/2010/main" val="2335798750"/>
               </p:ext>
             </p:extLst>
           </p:nvPr>
@@ -30990,7 +30979,7 @@
     </p:spTree>
     <p:extLst>
       <p:ext uri="{BB962C8B-B14F-4D97-AF65-F5344CB8AC3E}">
-        <p14:creationId xmlns:p14="http://schemas.microsoft.com/office/powerpoint/2010/main" xmlns="" val="3498988136"/>
+        <p14:creationId xmlns="" xmlns:p14="http://schemas.microsoft.com/office/powerpoint/2010/main" val="3498988136"/>
       </p:ext>
     </p:extLst>
   </p:cSld>
@@ -31071,7 +31060,7 @@
           <p:nvPr>
             <p:extLst>
               <p:ext uri="{D42A27DB-BD31-4B8C-83A1-F6EECF244321}">
-                <p14:modId xmlns:p14="http://schemas.microsoft.com/office/powerpoint/2010/main" xmlns="" val="833328931"/>
+                <p14:modId xmlns="" xmlns:p14="http://schemas.microsoft.com/office/powerpoint/2010/main" val="833328931"/>
               </p:ext>
             </p:extLst>
           </p:nvPr>
@@ -31283,7 +31272,7 @@
                     <a:p>
                       <a:pPr algn="l" fontAlgn="ctr"/>
                       <a:r>
-                        <a:rPr lang="zh-CN" altLang="en-US" sz="1400" b="0" i="0" u="none" strike="noStrike">
+                        <a:rPr lang="zh-CN" altLang="en-US" sz="1400" b="0" i="0" u="none" strike="noStrike" dirty="0">
                           <a:solidFill>
                             <a:srgbClr val="000000"/>
                           </a:solidFill>
@@ -31291,8 +31280,49 @@
                           <a:latin typeface="宋体" panose="02010600030101010101" pitchFamily="2" charset="-122"/>
                           <a:ea typeface="宋体" panose="02010600030101010101" pitchFamily="2" charset="-122"/>
                         </a:rPr>
-                        <a:t>目前只能查询到大类级别</a:t>
+                        <a:t>目前只能查询到大类</a:t>
                       </a:r>
+                      <a:r>
+                        <a:rPr lang="zh-CN" altLang="en-US" sz="1400" b="0" i="0" u="none" strike="noStrike" dirty="0" smtClean="0">
+                          <a:solidFill>
+                            <a:srgbClr val="000000"/>
+                          </a:solidFill>
+                          <a:effectLst/>
+                          <a:latin typeface="宋体" panose="02010600030101010101" pitchFamily="2" charset="-122"/>
+                          <a:ea typeface="宋体" panose="02010600030101010101" pitchFamily="2" charset="-122"/>
+                        </a:rPr>
+                        <a:t>级别</a:t>
+                      </a:r>
+                      <a:r>
+                        <a:rPr lang="en-US" altLang="zh-CN" sz="1400" b="0" i="0" u="none" strike="noStrike" dirty="0" smtClean="0">
+                          <a:solidFill>
+                            <a:srgbClr val="000000"/>
+                          </a:solidFill>
+                          <a:effectLst/>
+                          <a:latin typeface="宋体" panose="02010600030101010101" pitchFamily="2" charset="-122"/>
+                          <a:ea typeface="宋体" panose="02010600030101010101" pitchFamily="2" charset="-122"/>
+                        </a:rPr>
+                        <a:t>,</a:t>
+                      </a:r>
+                      <a:r>
+                        <a:rPr lang="zh-CN" altLang="en-US" sz="1400" b="0" i="0" u="none" strike="noStrike" dirty="0" smtClean="0">
+                          <a:solidFill>
+                            <a:srgbClr val="000000"/>
+                          </a:solidFill>
+                          <a:effectLst/>
+                          <a:latin typeface="宋体" panose="02010600030101010101" pitchFamily="2" charset="-122"/>
+                          <a:ea typeface="宋体" panose="02010600030101010101" pitchFamily="2" charset="-122"/>
+                        </a:rPr>
+                        <a:t>当指定大类条件时，不包含指定大类以外的交易金额。</a:t>
+                      </a:r>
+                      <a:endParaRPr lang="zh-CN" altLang="en-US" sz="1400" b="0" i="0" u="none" strike="noStrike" dirty="0">
+                        <a:solidFill>
+                          <a:srgbClr val="000000"/>
+                        </a:solidFill>
+                        <a:effectLst/>
+                        <a:latin typeface="宋体" panose="02010600030101010101" pitchFamily="2" charset="-122"/>
+                        <a:ea typeface="宋体" panose="02010600030101010101" pitchFamily="2" charset="-122"/>
+                      </a:endParaRPr>
                     </a:p>
                   </a:txBody>
                   <a:tcPr marL="9525" marR="9525" marT="9525" marB="0" anchor="ctr"/>
@@ -31381,7 +31411,7 @@
                     <a:p>
                       <a:pPr algn="l" fontAlgn="ctr"/>
                       <a:r>
-                        <a:rPr lang="zh-CN" altLang="en-US" sz="1400" b="0" i="0" u="none" strike="noStrike">
+                        <a:rPr lang="zh-CN" altLang="en-US" sz="1400" b="0" i="0" u="none" strike="noStrike" dirty="0">
                           <a:solidFill>
                             <a:srgbClr val="000000"/>
                           </a:solidFill>
@@ -31446,7 +31476,7 @@
                     <a:p>
                       <a:pPr algn="l" fontAlgn="ctr"/>
                       <a:r>
-                        <a:rPr lang="zh-CN" altLang="en-US" sz="1400" b="0" i="0" u="none" strike="noStrike">
+                        <a:rPr lang="zh-CN" altLang="en-US" sz="1400" b="0" i="0" u="none" strike="noStrike" dirty="0">
                           <a:solidFill>
                             <a:srgbClr val="000000"/>
                           </a:solidFill>
@@ -31454,8 +31484,27 @@
                           <a:latin typeface="宋体" panose="02010600030101010101" pitchFamily="2" charset="-122"/>
                           <a:ea typeface="宋体" panose="02010600030101010101" pitchFamily="2" charset="-122"/>
                         </a:rPr>
-                        <a:t>目前只能查询到大类级别</a:t>
+                        <a:t>目前只能查询到大类</a:t>
                       </a:r>
+                      <a:r>
+                        <a:rPr lang="zh-CN" altLang="en-US" sz="1400" b="0" i="0" u="none" strike="noStrike" dirty="0" smtClean="0">
+                          <a:solidFill>
+                            <a:srgbClr val="000000"/>
+                          </a:solidFill>
+                          <a:effectLst/>
+                          <a:latin typeface="宋体" panose="02010600030101010101" pitchFamily="2" charset="-122"/>
+                          <a:ea typeface="宋体" panose="02010600030101010101" pitchFamily="2" charset="-122"/>
+                        </a:rPr>
+                        <a:t>级别，当指定大类条件时，不包含指定大类以外的交易金额。</a:t>
+                      </a:r>
+                      <a:endParaRPr lang="zh-CN" altLang="en-US" sz="1400" b="0" i="0" u="none" strike="noStrike" dirty="0">
+                        <a:solidFill>
+                          <a:srgbClr val="000000"/>
+                        </a:solidFill>
+                        <a:effectLst/>
+                        <a:latin typeface="宋体" panose="02010600030101010101" pitchFamily="2" charset="-122"/>
+                        <a:ea typeface="宋体" panose="02010600030101010101" pitchFamily="2" charset="-122"/>
+                      </a:endParaRPr>
                     </a:p>
                   </a:txBody>
                   <a:tcPr marL="9525" marR="9525" marT="9525" marB="0" anchor="ctr"/>
@@ -31469,7 +31518,7 @@
                     <a:p>
                       <a:pPr algn="l" fontAlgn="ctr"/>
                       <a:r>
-                        <a:rPr lang="zh-CN" altLang="en-US" sz="1400" b="0" i="0" u="none" strike="noStrike">
+                        <a:rPr lang="zh-CN" altLang="en-US" sz="1400" b="0" i="0" u="none" strike="noStrike" dirty="0">
                           <a:solidFill>
                             <a:srgbClr val="000000"/>
                           </a:solidFill>
@@ -31480,7 +31529,7 @@
                         <a:t>含税交易金额（剔除</a:t>
                       </a:r>
                       <a:r>
-                        <a:rPr lang="en-US" altLang="zh-CN" sz="1400" b="0" i="0" u="none" strike="noStrike">
+                        <a:rPr lang="en-US" altLang="zh-CN" sz="1400" b="0" i="0" u="none" strike="noStrike" dirty="0">
                           <a:solidFill>
                             <a:srgbClr val="000000"/>
                           </a:solidFill>
@@ -31491,7 +31540,7 @@
                         <a:t>6789</a:t>
                       </a:r>
                       <a:r>
-                        <a:rPr lang="zh-CN" altLang="en-US" sz="1400" b="0" i="0" u="none" strike="noStrike">
+                        <a:rPr lang="zh-CN" altLang="en-US" sz="1400" b="0" i="0" u="none" strike="noStrike" dirty="0">
                           <a:solidFill>
                             <a:srgbClr val="000000"/>
                           </a:solidFill>
@@ -31502,7 +31551,7 @@
                         <a:t>）</a:t>
                       </a:r>
                       <a:r>
-                        <a:rPr lang="en-US" altLang="zh-CN" sz="1400" b="0" i="0" u="none" strike="noStrike">
+                        <a:rPr lang="en-US" altLang="zh-CN" sz="1400" b="0" i="0" u="none" strike="noStrike" dirty="0">
                           <a:solidFill>
                             <a:srgbClr val="000000"/>
                           </a:solidFill>
@@ -31513,7 +31562,7 @@
                         <a:t>-</a:t>
                       </a:r>
                       <a:r>
-                        <a:rPr lang="zh-CN" altLang="en-US" sz="1400" b="0" i="0" u="none" strike="noStrike">
+                        <a:rPr lang="zh-CN" altLang="en-US" sz="1400" b="0" i="0" u="none" strike="noStrike" dirty="0">
                           <a:solidFill>
                             <a:srgbClr val="000000"/>
                           </a:solidFill>
@@ -32156,7 +32205,7 @@
                     <a:p>
                       <a:pPr algn="l" fontAlgn="ctr"/>
                       <a:r>
-                        <a:rPr lang="zh-CN" altLang="en-US" sz="1400" b="0" i="0" u="none" strike="noStrike">
+                        <a:rPr lang="zh-CN" altLang="en-US" sz="1400" b="0" i="0" u="none" strike="noStrike" dirty="0">
                           <a:solidFill>
                             <a:srgbClr val="000000"/>
                           </a:solidFill>
@@ -32276,7 +32325,7 @@
     </p:spTree>
     <p:extLst>
       <p:ext uri="{BB962C8B-B14F-4D97-AF65-F5344CB8AC3E}">
-        <p14:creationId xmlns:p14="http://schemas.microsoft.com/office/powerpoint/2010/main" xmlns="" val="2778561947"/>
+        <p14:creationId xmlns="" xmlns:p14="http://schemas.microsoft.com/office/powerpoint/2010/main" val="2778561947"/>
       </p:ext>
     </p:extLst>
   </p:cSld>
@@ -32343,7 +32392,7 @@
             <p:ph idx="1"/>
             <p:extLst>
               <p:ext uri="{D42A27DB-BD31-4B8C-83A1-F6EECF244321}">
-                <p14:modId xmlns:p14="http://schemas.microsoft.com/office/powerpoint/2010/main" xmlns="" val="4150705339"/>
+                <p14:modId xmlns="" xmlns:p14="http://schemas.microsoft.com/office/powerpoint/2010/main" val="4150705339"/>
               </p:ext>
             </p:extLst>
           </p:nvPr>
@@ -32361,7 +32410,7 @@
     </p:spTree>
     <p:extLst>
       <p:ext uri="{BB962C8B-B14F-4D97-AF65-F5344CB8AC3E}">
-        <p14:creationId xmlns:p14="http://schemas.microsoft.com/office/powerpoint/2010/main" xmlns="" val="1451147467"/>
+        <p14:creationId xmlns="" xmlns:p14="http://schemas.microsoft.com/office/powerpoint/2010/main" val="1451147467"/>
       </p:ext>
     </p:extLst>
   </p:cSld>
@@ -32964,7 +33013,7 @@
     </p:spTree>
     <p:extLst>
       <p:ext uri="{BB962C8B-B14F-4D97-AF65-F5344CB8AC3E}">
-        <p14:creationId xmlns:p14="http://schemas.microsoft.com/office/powerpoint/2010/main" xmlns="" val="3274096548"/>
+        <p14:creationId xmlns="" xmlns:p14="http://schemas.microsoft.com/office/powerpoint/2010/main" val="3274096548"/>
       </p:ext>
     </p:extLst>
   </p:cSld>
@@ -32972,7 +33021,7 @@
     <a:masterClrMapping/>
   </p:clrMapOvr>
   <mc:AlternateContent xmlns:mc="http://schemas.openxmlformats.org/markup-compatibility/2006">
-    <mc:Choice xmlns:p14="http://schemas.microsoft.com/office/powerpoint/2010/main" xmlns="" Requires="p14">
+    <mc:Choice xmlns="" xmlns:p14="http://schemas.microsoft.com/office/powerpoint/2010/main" Requires="p14">
       <p:transition p14:dur="0"/>
     </mc:Choice>
     <mc:Fallback>
@@ -34642,7 +34691,7 @@
   <a:extraClrSchemeLst/>
   <a:extLst>
     <a:ext uri="{05A4C25C-085E-4340-85A3-A5531E510DB2}">
-      <thm15:themeFamily xmlns:thm15="http://schemas.microsoft.com/office/thememl/2012/main" xmlns="" name="Office Theme" id="{62F939B6-93AF-4DB8-9C6B-D6C7DFDC589F}" vid="{4A3C46E8-61CC-4603-A589-7422A47A8E4A}"/>
+      <thm15:themeFamily xmlns="" xmlns:thm15="http://schemas.microsoft.com/office/thememl/2012/main" name="Office Theme" id="{62F939B6-93AF-4DB8-9C6B-D6C7DFDC589F}" vid="{4A3C46E8-61CC-4603-A589-7422A47A8E4A}"/>
     </a:ext>
   </a:extLst>
 </a:theme>
